--- a/Design Stuff/Narrativ/Masken/Wut Maske.pptx
+++ b/Design Stuff/Narrativ/Masken/Wut Maske.pptx
@@ -6,32 +6,29 @@
     <p:sldMasterId id="2147483660" r:id="rId2"/>
   </p:sldMasterIdLst>
   <p:notesMasterIdLst>
-    <p:notesMasterId r:id="rId11"/>
+    <p:notesMasterId r:id="rId8"/>
   </p:notesMasterIdLst>
   <p:sldIdLst>
     <p:sldId id="256" r:id="rId3"/>
     <p:sldId id="257" r:id="rId4"/>
     <p:sldId id="258" r:id="rId5"/>
     <p:sldId id="259" r:id="rId6"/>
-    <p:sldId id="260" r:id="rId7"/>
-    <p:sldId id="261" r:id="rId8"/>
-    <p:sldId id="262" r:id="rId9"/>
-    <p:sldId id="263" r:id="rId10"/>
+    <p:sldId id="262" r:id="rId7"/>
   </p:sldIdLst>
   <p:sldSz cx="9144000" cy="5143500" type="screen16x9"/>
   <p:notesSz cx="6858000" cy="9144000"/>
   <p:embeddedFontLst>
     <p:embeddedFont>
       <p:font typeface="Montserrat" panose="00000500000000000000" pitchFamily="2" charset="0"/>
-      <p:regular r:id="rId12"/>
-      <p:bold r:id="rId13"/>
-      <p:italic r:id="rId14"/>
-      <p:boldItalic r:id="rId15"/>
+      <p:regular r:id="rId9"/>
+      <p:bold r:id="rId10"/>
+      <p:italic r:id="rId11"/>
+      <p:boldItalic r:id="rId12"/>
     </p:embeddedFont>
     <p:embeddedFont>
       <p:font typeface="Montserrat ExtraBold" panose="00000900000000000000" pitchFamily="2" charset="0"/>
-      <p:bold r:id="rId16"/>
-      <p:boldItalic r:id="rId17"/>
+      <p:bold r:id="rId13"/>
+      <p:boldItalic r:id="rId14"/>
     </p:embeddedFont>
   </p:embeddedFontLst>
   <p:defaultTextStyle>
@@ -279,7 +276,7 @@
       </p15:sldGuideLst>
     </p:ext>
     <p:ext uri="GoogleSlidesCustomDataVersion2">
-      <go:slidesCustomData xmlns:go="http://customooxmlschemas.google.com/" xmlns:ahyp="http://schemas.microsoft.com/office/drawing/2018/hyperlinkcolor" xmlns:p15="http://schemas.microsoft.com/office/powerpoint/2012/main" xmlns:p14="http://schemas.microsoft.com/office/powerpoint/2010/main" xmlns:com="http://schemas.openxmlformats.org/drawingml/2006/compatibility" xmlns:pvml="urn:schemas-microsoft-com:office:powerpoint" xmlns:v="urn:schemas-microsoft-com:vml" xmlns:o="urn:schemas-microsoft-com:office:office" xmlns:dgm="http://schemas.openxmlformats.org/drawingml/2006/diagram" xmlns:c="http://schemas.openxmlformats.org/drawingml/2006/chart" xmlns:mv="urn:schemas-microsoft-com:mac:vml" xmlns:mc="http://schemas.openxmlformats.org/markup-compatibility/2006" xmlns="" r:id="rId22" roundtripDataSignature="AMtx7mjTz30nbRXKs5E3vrOIH3TGAJARHw=="/>
+      <go:slidesCustomData xmlns="" xmlns:mc="http://schemas.openxmlformats.org/markup-compatibility/2006" xmlns:mv="urn:schemas-microsoft-com:mac:vml" xmlns:c="http://schemas.openxmlformats.org/drawingml/2006/chart" xmlns:dgm="http://schemas.openxmlformats.org/drawingml/2006/diagram" xmlns:o="urn:schemas-microsoft-com:office:office" xmlns:v="urn:schemas-microsoft-com:vml" xmlns:pvml="urn:schemas-microsoft-com:office:powerpoint" xmlns:com="http://schemas.openxmlformats.org/drawingml/2006/compatibility" xmlns:p14="http://schemas.microsoft.com/office/powerpoint/2010/main" xmlns:p15="http://schemas.microsoft.com/office/powerpoint/2012/main" xmlns:ahyp="http://schemas.microsoft.com/office/drawing/2018/hyperlinkcolor" xmlns:go="http://customooxmlschemas.google.com/" r:id="rId22" roundtripDataSignature="AMtx7mjTz30nbRXKs5E3vrOIH3TGAJARHw=="/>
     </p:ext>
   </p:extLst>
 </p:presentation>
@@ -1370,258 +1367,6 @@
   <p:cSld>
     <p:spTree>
       <p:nvGrpSpPr>
-        <p:cNvPr id="1" name="Shape 196"/>
-        <p:cNvGrpSpPr/>
-        <p:nvPr/>
-      </p:nvGrpSpPr>
-      <p:grpSpPr>
-        <a:xfrm>
-          <a:off x="0" y="0"/>
-          <a:ext cx="0" cy="0"/>
-          <a:chOff x="0" y="0"/>
-          <a:chExt cx="0" cy="0"/>
-        </a:xfrm>
-      </p:grpSpPr>
-      <p:sp>
-        <p:nvSpPr>
-          <p:cNvPr id="197" name="Google Shape;197;p5:notes"/>
-          <p:cNvSpPr>
-            <a:spLocks noGrp="1" noRot="1" noChangeAspect="1"/>
-          </p:cNvSpPr>
-          <p:nvPr>
-            <p:ph type="sldImg" idx="2"/>
-          </p:nvPr>
-        </p:nvSpPr>
-        <p:spPr>
-          <a:xfrm>
-            <a:off x="381000" y="685800"/>
-            <a:ext cx="6096000" cy="3429000"/>
-          </a:xfrm>
-          <a:custGeom>
-            <a:avLst/>
-            <a:gdLst/>
-            <a:ahLst/>
-            <a:cxnLst/>
-            <a:rect l="l" t="t" r="r" b="b"/>
-            <a:pathLst>
-              <a:path w="120000" h="120000" extrusionOk="0">
-                <a:moveTo>
-                  <a:pt x="0" y="0"/>
-                </a:moveTo>
-                <a:lnTo>
-                  <a:pt x="120000" y="0"/>
-                </a:lnTo>
-                <a:lnTo>
-                  <a:pt x="120000" y="120000"/>
-                </a:lnTo>
-                <a:lnTo>
-                  <a:pt x="0" y="120000"/>
-                </a:lnTo>
-                <a:close/>
-              </a:path>
-            </a:pathLst>
-          </a:custGeom>
-          <a:noFill/>
-          <a:ln w="12700" cap="flat" cmpd="sng">
-            <a:solidFill>
-              <a:srgbClr val="000000"/>
-            </a:solidFill>
-            <a:prstDash val="solid"/>
-            <a:round/>
-            <a:headEnd type="none" w="sm" len="sm"/>
-            <a:tailEnd type="none" w="sm" len="sm"/>
-          </a:ln>
-        </p:spPr>
-      </p:sp>
-      <p:sp>
-        <p:nvSpPr>
-          <p:cNvPr id="198" name="Google Shape;198;p5:notes"/>
-          <p:cNvSpPr txBox="1">
-            <a:spLocks noGrp="1"/>
-          </p:cNvSpPr>
-          <p:nvPr>
-            <p:ph type="body" idx="1"/>
-          </p:nvPr>
-        </p:nvSpPr>
-        <p:spPr>
-          <a:xfrm>
-            <a:off x="685800" y="4343400"/>
-            <a:ext cx="5486400" cy="4114800"/>
-          </a:xfrm>
-          <a:prstGeom prst="rect">
-            <a:avLst/>
-          </a:prstGeom>
-          <a:noFill/>
-          <a:ln>
-            <a:noFill/>
-          </a:ln>
-        </p:spPr>
-        <p:txBody>
-          <a:bodyPr spcFirstLastPara="1" wrap="square" lIns="91425" tIns="91425" rIns="91425" bIns="91425" anchor="t" anchorCtr="0">
-            <a:noAutofit/>
-          </a:bodyPr>
-          <a:lstStyle/>
-          <a:p>
-            <a:pPr marL="0" lvl="0" indent="0" algn="l" rtl="0">
-              <a:lnSpc>
-                <a:spcPct val="100000"/>
-              </a:lnSpc>
-              <a:spcBef>
-                <a:spcPts val="0"/>
-              </a:spcBef>
-              <a:spcAft>
-                <a:spcPts val="0"/>
-              </a:spcAft>
-              <a:buClr>
-                <a:schemeClr val="dk1"/>
-              </a:buClr>
-              <a:buSzPts val="1200"/>
-              <a:buFont typeface="Calibri"/>
-              <a:buNone/>
-            </a:pPr>
-            <a:endParaRPr/>
-          </a:p>
-        </p:txBody>
-      </p:sp>
-    </p:spTree>
-  </p:cSld>
-  <p:clrMapOvr>
-    <a:masterClrMapping/>
-  </p:clrMapOvr>
-</p:notes>
-</file>
-
-<file path=ppt/notesSlides/notesSlide6.xml><?xml version="1.0" encoding="utf-8"?>
-<p:notes xmlns:a="http://schemas.openxmlformats.org/drawingml/2006/main" xmlns:r="http://schemas.openxmlformats.org/officeDocument/2006/relationships" xmlns:p="http://schemas.openxmlformats.org/presentationml/2006/main" showMasterSp="0" showMasterPhAnim="0">
-  <p:cSld>
-    <p:spTree>
-      <p:nvGrpSpPr>
-        <p:cNvPr id="1" name="Shape 209"/>
-        <p:cNvGrpSpPr/>
-        <p:nvPr/>
-      </p:nvGrpSpPr>
-      <p:grpSpPr>
-        <a:xfrm>
-          <a:off x="0" y="0"/>
-          <a:ext cx="0" cy="0"/>
-          <a:chOff x="0" y="0"/>
-          <a:chExt cx="0" cy="0"/>
-        </a:xfrm>
-      </p:grpSpPr>
-      <p:sp>
-        <p:nvSpPr>
-          <p:cNvPr id="210" name="Google Shape;210;g3b636e5de4b_0_0:notes"/>
-          <p:cNvSpPr>
-            <a:spLocks noGrp="1" noRot="1" noChangeAspect="1"/>
-          </p:cNvSpPr>
-          <p:nvPr>
-            <p:ph type="sldImg" idx="2"/>
-          </p:nvPr>
-        </p:nvSpPr>
-        <p:spPr>
-          <a:xfrm>
-            <a:off x="381000" y="685800"/>
-            <a:ext cx="6096000" cy="3429000"/>
-          </a:xfrm>
-          <a:custGeom>
-            <a:avLst/>
-            <a:gdLst/>
-            <a:ahLst/>
-            <a:cxnLst/>
-            <a:rect l="l" t="t" r="r" b="b"/>
-            <a:pathLst>
-              <a:path w="120000" h="120000" extrusionOk="0">
-                <a:moveTo>
-                  <a:pt x="0" y="0"/>
-                </a:moveTo>
-                <a:lnTo>
-                  <a:pt x="120000" y="0"/>
-                </a:lnTo>
-                <a:lnTo>
-                  <a:pt x="120000" y="120000"/>
-                </a:lnTo>
-                <a:lnTo>
-                  <a:pt x="0" y="120000"/>
-                </a:lnTo>
-                <a:close/>
-              </a:path>
-            </a:pathLst>
-          </a:custGeom>
-          <a:noFill/>
-          <a:ln w="12700" cap="flat" cmpd="sng">
-            <a:solidFill>
-              <a:srgbClr val="000000"/>
-            </a:solidFill>
-            <a:prstDash val="solid"/>
-            <a:round/>
-            <a:headEnd type="none" w="sm" len="sm"/>
-            <a:tailEnd type="none" w="sm" len="sm"/>
-          </a:ln>
-        </p:spPr>
-      </p:sp>
-      <p:sp>
-        <p:nvSpPr>
-          <p:cNvPr id="211" name="Google Shape;211;g3b636e5de4b_0_0:notes"/>
-          <p:cNvSpPr txBox="1">
-            <a:spLocks noGrp="1"/>
-          </p:cNvSpPr>
-          <p:nvPr>
-            <p:ph type="body" idx="1"/>
-          </p:nvPr>
-        </p:nvSpPr>
-        <p:spPr>
-          <a:xfrm>
-            <a:off x="685800" y="4343400"/>
-            <a:ext cx="5486400" cy="4114800"/>
-          </a:xfrm>
-          <a:prstGeom prst="rect">
-            <a:avLst/>
-          </a:prstGeom>
-          <a:noFill/>
-          <a:ln>
-            <a:noFill/>
-          </a:ln>
-        </p:spPr>
-        <p:txBody>
-          <a:bodyPr spcFirstLastPara="1" wrap="square" lIns="91425" tIns="91425" rIns="91425" bIns="91425" anchor="t" anchorCtr="0">
-            <a:noAutofit/>
-          </a:bodyPr>
-          <a:lstStyle/>
-          <a:p>
-            <a:pPr marL="0" lvl="0" indent="0" algn="l" rtl="0">
-              <a:lnSpc>
-                <a:spcPct val="100000"/>
-              </a:lnSpc>
-              <a:spcBef>
-                <a:spcPts val="0"/>
-              </a:spcBef>
-              <a:spcAft>
-                <a:spcPts val="0"/>
-              </a:spcAft>
-              <a:buClr>
-                <a:schemeClr val="dk1"/>
-              </a:buClr>
-              <a:buSzPts val="1200"/>
-              <a:buFont typeface="Calibri"/>
-              <a:buNone/>
-            </a:pPr>
-            <a:endParaRPr/>
-          </a:p>
-        </p:txBody>
-      </p:sp>
-    </p:spTree>
-  </p:cSld>
-  <p:clrMapOvr>
-    <a:masterClrMapping/>
-  </p:clrMapOvr>
-</p:notes>
-</file>
-
-<file path=ppt/notesSlides/notesSlide7.xml><?xml version="1.0" encoding="utf-8"?>
-<p:notes xmlns:a="http://schemas.openxmlformats.org/drawingml/2006/main" xmlns:r="http://schemas.openxmlformats.org/officeDocument/2006/relationships" xmlns:p="http://schemas.openxmlformats.org/presentationml/2006/main" showMasterSp="0" showMasterPhAnim="0">
-  <p:cSld>
-    <p:spTree>
-      <p:nvGrpSpPr>
         <p:cNvPr id="1" name="Shape 233"/>
         <p:cNvGrpSpPr/>
         <p:nvPr/>
@@ -1688,168 +1433,6 @@
       <p:sp>
         <p:nvSpPr>
           <p:cNvPr id="235" name="Google Shape;235;p6:notes"/>
-          <p:cNvSpPr txBox="1">
-            <a:spLocks noGrp="1"/>
-          </p:cNvSpPr>
-          <p:nvPr>
-            <p:ph type="body" idx="1"/>
-          </p:nvPr>
-        </p:nvSpPr>
-        <p:spPr>
-          <a:xfrm>
-            <a:off x="685800" y="4400550"/>
-            <a:ext cx="5486400" cy="3600600"/>
-          </a:xfrm>
-          <a:prstGeom prst="rect">
-            <a:avLst/>
-          </a:prstGeom>
-          <a:noFill/>
-          <a:ln>
-            <a:noFill/>
-          </a:ln>
-        </p:spPr>
-        <p:txBody>
-          <a:bodyPr spcFirstLastPara="1" wrap="square" lIns="91425" tIns="45700" rIns="91425" bIns="45700" anchor="t" anchorCtr="0">
-            <a:noAutofit/>
-          </a:bodyPr>
-          <a:lstStyle/>
-          <a:p>
-            <a:pPr marL="0" lvl="0" indent="0" algn="l" rtl="0">
-              <a:lnSpc>
-                <a:spcPct val="100000"/>
-              </a:lnSpc>
-              <a:spcBef>
-                <a:spcPts val="0"/>
-              </a:spcBef>
-              <a:spcAft>
-                <a:spcPts val="0"/>
-              </a:spcAft>
-              <a:buSzPts val="1400"/>
-              <a:buNone/>
-            </a:pPr>
-            <a:r>
-              <a:rPr lang="de"/>
-              <a:t>20 minutes </a:t>
-            </a:r>
-            <a:endParaRPr/>
-          </a:p>
-          <a:p>
-            <a:pPr marL="0" lvl="0" indent="0" algn="l" rtl="0">
-              <a:lnSpc>
-                <a:spcPct val="100000"/>
-              </a:lnSpc>
-              <a:spcBef>
-                <a:spcPts val="0"/>
-              </a:spcBef>
-              <a:spcAft>
-                <a:spcPts val="0"/>
-              </a:spcAft>
-              <a:buSzPts val="1400"/>
-              <a:buNone/>
-            </a:pPr>
-            <a:endParaRPr/>
-          </a:p>
-          <a:p>
-            <a:pPr marL="0" lvl="0" indent="0" algn="l" rtl="0">
-              <a:lnSpc>
-                <a:spcPct val="100000"/>
-              </a:lnSpc>
-              <a:spcBef>
-                <a:spcPts val="0"/>
-              </a:spcBef>
-              <a:spcAft>
-                <a:spcPts val="0"/>
-              </a:spcAft>
-              <a:buSzPts val="1400"/>
-              <a:buNone/>
-            </a:pPr>
-            <a:r>
-              <a:rPr lang="de"/>
-              <a:t>Remember, when you are done your first draft. YOU ARE NOT DONE.  COUNT YOUR WORDS, if you are over 20 or under 3 in any line of dialogue you must edit your own text to make it fit or expand on the world lore or to make the character speaking sound unique. </a:t>
-            </a:r>
-            <a:endParaRPr/>
-          </a:p>
-        </p:txBody>
-      </p:sp>
-    </p:spTree>
-  </p:cSld>
-  <p:clrMapOvr>
-    <a:masterClrMapping/>
-  </p:clrMapOvr>
-</p:notes>
-</file>
-
-<file path=ppt/notesSlides/notesSlide8.xml><?xml version="1.0" encoding="utf-8"?>
-<p:notes xmlns:a="http://schemas.openxmlformats.org/drawingml/2006/main" xmlns:r="http://schemas.openxmlformats.org/officeDocument/2006/relationships" xmlns:p="http://schemas.openxmlformats.org/presentationml/2006/main" showMasterSp="0" showMasterPhAnim="0">
-  <p:cSld>
-    <p:spTree>
-      <p:nvGrpSpPr>
-        <p:cNvPr id="1" name="Shape 238"/>
-        <p:cNvGrpSpPr/>
-        <p:nvPr/>
-      </p:nvGrpSpPr>
-      <p:grpSpPr>
-        <a:xfrm>
-          <a:off x="0" y="0"/>
-          <a:ext cx="0" cy="0"/>
-          <a:chOff x="0" y="0"/>
-          <a:chExt cx="0" cy="0"/>
-        </a:xfrm>
-      </p:grpSpPr>
-      <p:sp>
-        <p:nvSpPr>
-          <p:cNvPr id="239" name="Google Shape;239;p7:notes"/>
-          <p:cNvSpPr>
-            <a:spLocks noGrp="1" noRot="1" noChangeAspect="1"/>
-          </p:cNvSpPr>
-          <p:nvPr>
-            <p:ph type="sldImg" idx="2"/>
-          </p:nvPr>
-        </p:nvSpPr>
-        <p:spPr>
-          <a:xfrm>
-            <a:off x="381000" y="685800"/>
-            <a:ext cx="6096000" cy="3429000"/>
-          </a:xfrm>
-          <a:custGeom>
-            <a:avLst/>
-            <a:gdLst/>
-            <a:ahLst/>
-            <a:cxnLst/>
-            <a:rect l="l" t="t" r="r" b="b"/>
-            <a:pathLst>
-              <a:path w="120000" h="120000" extrusionOk="0">
-                <a:moveTo>
-                  <a:pt x="0" y="0"/>
-                </a:moveTo>
-                <a:lnTo>
-                  <a:pt x="120000" y="0"/>
-                </a:lnTo>
-                <a:lnTo>
-                  <a:pt x="120000" y="120000"/>
-                </a:lnTo>
-                <a:lnTo>
-                  <a:pt x="0" y="120000"/>
-                </a:lnTo>
-                <a:close/>
-              </a:path>
-            </a:pathLst>
-          </a:custGeom>
-          <a:noFill/>
-          <a:ln w="12700" cap="flat" cmpd="sng">
-            <a:solidFill>
-              <a:srgbClr val="000000"/>
-            </a:solidFill>
-            <a:prstDash val="solid"/>
-            <a:round/>
-            <a:headEnd type="none" w="sm" len="sm"/>
-            <a:tailEnd type="none" w="sm" len="sm"/>
-          </a:ln>
-        </p:spPr>
-      </p:sp>
-      <p:sp>
-        <p:nvSpPr>
-          <p:cNvPr id="240" name="Google Shape;240;p7:notes"/>
           <p:cNvSpPr txBox="1">
             <a:spLocks noGrp="1"/>
           </p:cNvSpPr>
@@ -24857,7 +24440,7 @@
               <a:buNone/>
             </a:pPr>
             <a:r>
-              <a:rPr lang="de" sz="1800">
+              <a:rPr lang="de-DE" sz="1800" dirty="0" err="1">
                 <a:solidFill>
                   <a:schemeClr val="lt1"/>
                 </a:solidFill>
@@ -24866,9 +24449,9 @@
                 <a:cs typeface="Montserrat ExtraBold"/>
                 <a:sym typeface="Montserrat ExtraBold"/>
               </a:rPr>
-              <a:t>Character Name</a:t>
+              <a:t>Liliha</a:t>
             </a:r>
-            <a:endParaRPr sz="1100" b="0" i="0" u="none" strike="noStrike" cap="none">
+            <a:endParaRPr sz="1100" b="0" i="0" u="none" strike="noStrike" cap="none" dirty="0">
               <a:solidFill>
                 <a:srgbClr val="000000"/>
               </a:solidFill>
@@ -24897,7 +24480,7 @@
               <a:buNone/>
             </a:pPr>
             <a:r>
-              <a:rPr lang="de" sz="1800" b="0" i="0" u="none" strike="noStrike" cap="none">
+              <a:rPr lang="de" sz="1800" b="0" i="0" u="none" strike="noStrike" cap="none" dirty="0">
                 <a:solidFill>
                   <a:srgbClr val="FFB951"/>
                 </a:solidFill>
@@ -24908,7 +24491,7 @@
               </a:rPr>
               <a:t>Character Checklist</a:t>
             </a:r>
-            <a:endParaRPr sz="1100" b="0" i="0" u="none" strike="noStrike" cap="none">
+            <a:endParaRPr sz="1100" b="0" i="0" u="none" strike="noStrike" cap="none" dirty="0">
               <a:solidFill>
                 <a:srgbClr val="000000"/>
               </a:solidFill>
@@ -24924,18 +24507,23 @@
         <p:nvGraphicFramePr>
           <p:cNvPr id="169" name="Google Shape;169;g3b636e5de4b_0_32"/>
           <p:cNvGraphicFramePr/>
-          <p:nvPr/>
+          <p:nvPr>
+            <p:extLst>
+              <p:ext uri="{D42A27DB-BD31-4B8C-83A1-F6EECF244321}">
+                <p14:modId xmlns:p14="http://schemas.microsoft.com/office/powerpoint/2010/main" val="302869994"/>
+              </p:ext>
+            </p:extLst>
+          </p:nvPr>
         </p:nvGraphicFramePr>
         <p:xfrm>
           <a:off x="21850" y="851289"/>
-          <a:ext cx="3000000" cy="3000000"/>
+          <a:ext cx="9080600" cy="5419640"/>
         </p:xfrm>
         <a:graphic>
           <a:graphicData uri="http://schemas.openxmlformats.org/drawingml/2006/table">
             <a:tbl>
               <a:tblPr bandCol="1">
-                <a:noFill/>
-                <a:tableStyleId>{692E3274-4D5C-44BF-BB08-FA6336CB3DAF}</a:tableStyleId>
+                <a:tableStyleId>{284E427A-3D55-4303-BF80-6455036E1DE7}</a:tableStyleId>
               </a:tblPr>
               <a:tblGrid>
                 <a:gridCol w="2270150">
@@ -24986,15 +24574,13 @@
                         <a:buNone/>
                       </a:pPr>
                       <a:r>
-                        <a:rPr lang="de" sz="1400" b="1" u="none" strike="noStrike" cap="none"/>
+                        <a:rPr lang="de" sz="1400" b="1" u="none" strike="noStrike" cap="none" dirty="0"/>
                         <a:t>Goal</a:t>
                       </a:r>
-                      <a:endParaRPr/>
+                      <a:endParaRPr dirty="0"/>
                     </a:p>
                   </a:txBody>
-                  <a:tcPr marL="91450" marR="91450" marT="45725" marB="45725">
-                    <a:noFill/>
-                  </a:tcPr>
+                  <a:tcPr marL="91450" marR="91450" marT="45725" marB="45725"/>
                 </a:tc>
                 <a:tc>
                   <a:txBody>
@@ -25011,15 +24597,13 @@
                         <a:buNone/>
                       </a:pPr>
                       <a:r>
-                        <a:rPr lang="de"/>
-                        <a:t>Why do they do, what they do</a:t>
+                        <a:rPr lang="de" dirty="0"/>
+                        <a:t>Liliha verstärkt das Gefühl von unbändiger Stärke in ihrem Träger um dessen Energie zu sammeln und ihren Ahnen zu opfern</a:t>
                       </a:r>
-                      <a:endParaRPr/>
+                      <a:endParaRPr dirty="0"/>
                     </a:p>
                   </a:txBody>
-                  <a:tcPr marL="91450" marR="91450" marT="45725" marB="45725">
-                    <a:noFill/>
-                  </a:tcPr>
+                  <a:tcPr marL="91450" marR="91450" marT="45725" marB="45725"/>
                 </a:tc>
                 <a:tc>
                   <a:txBody>
@@ -25045,9 +24629,7 @@
                       <a:endParaRPr sz="1400" b="1" u="none" strike="noStrike" cap="none"/>
                     </a:p>
                   </a:txBody>
-                  <a:tcPr marL="91450" marR="91450" marT="45725" marB="45725">
-                    <a:noFill/>
-                  </a:tcPr>
+                  <a:tcPr marL="91450" marR="91450" marT="45725" marB="45725"/>
                 </a:tc>
                 <a:tc>
                   <a:txBody>
@@ -25064,15 +24646,13 @@
                         <a:buNone/>
                       </a:pPr>
                       <a:r>
-                        <a:rPr lang="de"/>
-                        <a:t>What makes them different</a:t>
+                        <a:rPr lang="de" dirty="0"/>
+                        <a:t>Knirscht ständig mit den Zähnen</a:t>
                       </a:r>
-                      <a:endParaRPr/>
+                      <a:endParaRPr dirty="0"/>
                     </a:p>
                   </a:txBody>
-                  <a:tcPr marL="91450" marR="91450" marT="45725" marB="45725">
-                    <a:noFill/>
-                  </a:tcPr>
+                  <a:tcPr marL="91450" marR="91450" marT="45725" marB="45725"/>
                 </a:tc>
                 <a:extLst>
                   <a:ext uri="{0D108BD9-81ED-4DB2-BD59-A6C34878D82A}">
@@ -25105,9 +24685,7 @@
                       <a:endParaRPr sz="1400" b="1" u="none" strike="noStrike" cap="none"/>
                     </a:p>
                   </a:txBody>
-                  <a:tcPr marL="91450" marR="91450" marT="45725" marB="45725">
-                    <a:noFill/>
-                  </a:tcPr>
+                  <a:tcPr marL="91450" marR="91450" marT="45725" marB="45725"/>
                 </a:tc>
                 <a:tc>
                   <a:txBody>
@@ -25124,15 +24702,21 @@
                         <a:buNone/>
                       </a:pPr>
                       <a:r>
-                        <a:rPr lang="de"/>
-                        <a:t>something negative about them </a:t>
+                        <a:rPr lang="de" dirty="0"/>
+                        <a:t>Probleme sich zu beherschen. </a:t>
                       </a:r>
-                      <a:endParaRPr/>
+                      <a:r>
+                        <a:rPr lang="de-DE" dirty="0"/>
+                        <a:t>Z</a:t>
+                      </a:r>
+                      <a:r>
+                        <a:rPr lang="de" dirty="0"/>
+                        <a:t>ieht oft zu viel Energie dem träger ab</a:t>
+                      </a:r>
+                      <a:endParaRPr dirty="0"/>
                     </a:p>
                   </a:txBody>
-                  <a:tcPr marL="91450" marR="91450" marT="45725" marB="45725">
-                    <a:noFill/>
-                  </a:tcPr>
+                  <a:tcPr marL="91450" marR="91450" marT="45725" marB="45725"/>
                 </a:tc>
                 <a:tc>
                   <a:txBody>
@@ -25158,9 +24742,7 @@
                       <a:endParaRPr/>
                     </a:p>
                   </a:txBody>
-                  <a:tcPr marL="91450" marR="91450" marT="45725" marB="45725">
-                    <a:noFill/>
-                  </a:tcPr>
+                  <a:tcPr marL="91450" marR="91450" marT="45725" marB="45725"/>
                 </a:tc>
                 <a:tc>
                   <a:txBody>
@@ -25177,15 +24759,13 @@
                         <a:buNone/>
                       </a:pPr>
                       <a:r>
-                        <a:rPr lang="de"/>
-                        <a:t>Something mysterious about them (can be silly) </a:t>
+                        <a:rPr lang="de" dirty="0"/>
+                        <a:t>Ist heimlich verliebt in they Rezeptionist*in</a:t>
                       </a:r>
-                      <a:endParaRPr/>
+                      <a:endParaRPr dirty="0"/>
                     </a:p>
                   </a:txBody>
-                  <a:tcPr marL="91450" marR="91450" marT="45725" marB="45725">
-                    <a:noFill/>
-                  </a:tcPr>
+                  <a:tcPr marL="91450" marR="91450" marT="45725" marB="45725"/>
                 </a:tc>
                 <a:extLst>
                   <a:ext uri="{0D108BD9-81ED-4DB2-BD59-A6C34878D82A}">
@@ -25212,15 +24792,13 @@
                         <a:buNone/>
                       </a:pPr>
                       <a:r>
-                        <a:rPr lang="de" sz="1400" b="1" u="none" strike="noStrike" cap="none"/>
+                        <a:rPr lang="de" sz="1400" b="1" u="none" strike="noStrike" cap="none" dirty="0"/>
                         <a:t>Belonging</a:t>
                       </a:r>
-                      <a:endParaRPr sz="1400" b="1" u="none" strike="noStrike" cap="none"/>
+                      <a:endParaRPr sz="1400" b="1" u="none" strike="noStrike" cap="none" dirty="0"/>
                     </a:p>
                   </a:txBody>
-                  <a:tcPr marL="91450" marR="91450" marT="45725" marB="45725">
-                    <a:noFill/>
-                  </a:tcPr>
+                  <a:tcPr marL="91450" marR="91450" marT="45725" marB="45725"/>
                 </a:tc>
                 <a:tc>
                   <a:txBody>
@@ -25237,15 +24815,13 @@
                         <a:buNone/>
                       </a:pPr>
                       <a:r>
-                        <a:rPr lang="de"/>
-                        <a:t>Which group do they belong too </a:t>
+                        <a:rPr lang="de" dirty="0"/>
+                        <a:t>Sleep Department</a:t>
                       </a:r>
-                      <a:endParaRPr/>
+                      <a:endParaRPr dirty="0"/>
                     </a:p>
                   </a:txBody>
-                  <a:tcPr marL="91450" marR="91450" marT="45725" marB="45725">
-                    <a:noFill/>
-                  </a:tcPr>
+                  <a:tcPr marL="91450" marR="91450" marT="45725" marB="45725"/>
                 </a:tc>
                 <a:tc>
                   <a:txBody>
@@ -25271,9 +24847,7 @@
                       <a:endParaRPr sz="1400" b="1" u="none" strike="noStrike" cap="none"/>
                     </a:p>
                   </a:txBody>
-                  <a:tcPr marL="91450" marR="91450" marT="45725" marB="45725">
-                    <a:noFill/>
-                  </a:tcPr>
+                  <a:tcPr marL="91450" marR="91450" marT="45725" marB="45725"/>
                 </a:tc>
                 <a:tc>
                   <a:txBody>
@@ -25290,15 +24864,13 @@
                         <a:buNone/>
                       </a:pPr>
                       <a:r>
-                        <a:rPr lang="de"/>
-                        <a:t>How does he present himself </a:t>
+                        <a:rPr lang="de" dirty="0"/>
+                        <a:t>Unbändig und ständig Wütend</a:t>
                       </a:r>
-                      <a:endParaRPr/>
+                      <a:endParaRPr dirty="0"/>
                     </a:p>
                   </a:txBody>
-                  <a:tcPr marL="91450" marR="91450" marT="45725" marB="45725">
-                    <a:noFill/>
-                  </a:tcPr>
+                  <a:tcPr marL="91450" marR="91450" marT="45725" marB="45725"/>
                 </a:tc>
                 <a:extLst>
                   <a:ext uri="{0D108BD9-81ED-4DB2-BD59-A6C34878D82A}">
@@ -25331,9 +24903,7 @@
                       <a:endParaRPr/>
                     </a:p>
                   </a:txBody>
-                  <a:tcPr marL="91450" marR="91450" marT="45725" marB="45725">
-                    <a:noFill/>
-                  </a:tcPr>
+                  <a:tcPr marL="91450" marR="91450" marT="45725" marB="45725"/>
                 </a:tc>
                 <a:tc>
                   <a:txBody>
@@ -25350,15 +24920,13 @@
                         <a:buNone/>
                       </a:pPr>
                       <a:r>
-                        <a:rPr lang="de"/>
-                        <a:t>In what do they believe </a:t>
+                        <a:rPr lang="de" dirty="0"/>
+                        <a:t>Kontrolle ist eine Lüge. Nur das freie fließen der Gefühle ist Natürlich</a:t>
                       </a:r>
-                      <a:endParaRPr/>
+                      <a:endParaRPr dirty="0"/>
                     </a:p>
                   </a:txBody>
-                  <a:tcPr marL="91450" marR="91450" marT="45725" marB="45725">
-                    <a:noFill/>
-                  </a:tcPr>
+                  <a:tcPr marL="91450" marR="91450" marT="45725" marB="45725"/>
                 </a:tc>
                 <a:tc>
                   <a:txBody>
@@ -25384,9 +24952,7 @@
                       <a:endParaRPr sz="1400" b="1" u="none" strike="noStrike" cap="none"/>
                     </a:p>
                   </a:txBody>
-                  <a:tcPr marL="91450" marR="91450" marT="45725" marB="45725">
-                    <a:noFill/>
-                  </a:tcPr>
+                  <a:tcPr marL="91450" marR="91450" marT="45725" marB="45725"/>
                 </a:tc>
                 <a:tc>
                   <a:txBody>
@@ -25403,15 +24969,13 @@
                         <a:buNone/>
                       </a:pPr>
                       <a:r>
-                        <a:rPr lang="de"/>
-                        <a:t>What do they prefer</a:t>
+                        <a:rPr lang="de" dirty="0"/>
+                        <a:t>Spicey Food</a:t>
                       </a:r>
-                      <a:endParaRPr/>
+                      <a:endParaRPr dirty="0"/>
                     </a:p>
                   </a:txBody>
-                  <a:tcPr marL="91450" marR="91450" marT="45725" marB="45725">
-                    <a:noFill/>
-                  </a:tcPr>
+                  <a:tcPr marL="91450" marR="91450" marT="45725" marB="45725"/>
                 </a:tc>
                 <a:extLst>
                   <a:ext uri="{0D108BD9-81ED-4DB2-BD59-A6C34878D82A}">
@@ -25444,9 +25008,7 @@
                       <a:endParaRPr/>
                     </a:p>
                   </a:txBody>
-                  <a:tcPr marL="91450" marR="91450" marT="45725" marB="45725">
-                    <a:noFill/>
-                  </a:tcPr>
+                  <a:tcPr marL="91450" marR="91450" marT="45725" marB="45725"/>
                 </a:tc>
                 <a:tc>
                   <a:txBody>
@@ -25463,15 +25025,13 @@
                         <a:buNone/>
                       </a:pPr>
                       <a:r>
-                        <a:rPr lang="de"/>
-                        <a:t>How does he enrich the world</a:t>
+                        <a:rPr lang="de" dirty="0"/>
+                        <a:t>Kennt Möglichkeiten Menschen zu ermutigen oder zu stärken um sich Problemen zu stellen.</a:t>
                       </a:r>
-                      <a:endParaRPr/>
+                      <a:endParaRPr dirty="0"/>
                     </a:p>
                   </a:txBody>
-                  <a:tcPr marL="91450" marR="91450" marT="45725" marB="45725">
-                    <a:noFill/>
-                  </a:tcPr>
+                  <a:tcPr marL="91450" marR="91450" marT="45725" marB="45725"/>
                 </a:tc>
                 <a:tc>
                   <a:txBody>
@@ -25497,9 +25057,7 @@
                       <a:endParaRPr sz="1400" b="1" u="none" strike="noStrike" cap="none"/>
                     </a:p>
                   </a:txBody>
-                  <a:tcPr marL="91450" marR="91450" marT="45725" marB="45725">
-                    <a:noFill/>
-                  </a:tcPr>
+                  <a:tcPr marL="91450" marR="91450" marT="45725" marB="45725"/>
                 </a:tc>
                 <a:tc>
                   <a:txBody>
@@ -25516,15 +25074,13 @@
                         <a:buNone/>
                       </a:pPr>
                       <a:r>
-                        <a:rPr lang="de"/>
-                        <a:t>The most hurtful situation </a:t>
+                        <a:rPr lang="de" dirty="0"/>
+                        <a:t>Als Pilgerer sie von ihrem Totem entfernt, in eine Maske geschnitzt haben und verkauft haben.</a:t>
                       </a:r>
-                      <a:endParaRPr/>
+                      <a:endParaRPr dirty="0"/>
                     </a:p>
                   </a:txBody>
-                  <a:tcPr marL="91450" marR="91450" marT="45725" marB="45725">
-                    <a:noFill/>
-                  </a:tcPr>
+                  <a:tcPr marL="91450" marR="91450" marT="45725" marB="45725"/>
                 </a:tc>
                 <a:extLst>
                   <a:ext uri="{0D108BD9-81ED-4DB2-BD59-A6C34878D82A}">
@@ -25557,9 +25113,7 @@
                       <a:endParaRPr sz="1400" b="1" u="none" strike="noStrike" cap="none"/>
                     </a:p>
                   </a:txBody>
-                  <a:tcPr marL="91450" marR="91450" marT="45725" marB="45725">
-                    <a:noFill/>
-                  </a:tcPr>
+                  <a:tcPr marL="91450" marR="91450" marT="45725" marB="45725"/>
                 </a:tc>
                 <a:tc>
                   <a:txBody>
@@ -25579,15 +25133,13 @@
                         <a:buNone/>
                       </a:pPr>
                       <a:r>
-                        <a:rPr lang="de" sz="1100"/>
-                        <a:t>Give them a cool but very dumb quirk</a:t>
+                        <a:rPr lang="de" sz="1100" dirty="0"/>
+                        <a:t>Kann vorzüglich Singen</a:t>
                       </a:r>
-                      <a:endParaRPr sz="1100" u="none" strike="noStrike" cap="none"/>
+                      <a:endParaRPr sz="1100" u="none" strike="noStrike" cap="none" dirty="0"/>
                     </a:p>
                   </a:txBody>
-                  <a:tcPr marL="91450" marR="91450" marT="45725" marB="45725">
-                    <a:noFill/>
-                  </a:tcPr>
+                  <a:tcPr marL="91450" marR="91450" marT="45725" marB="45725"/>
                 </a:tc>
                 <a:tc>
                   <a:txBody>
@@ -25609,9 +25161,7 @@
                       <a:endParaRPr sz="1400" b="1" u="none" strike="noStrike" cap="none"/>
                     </a:p>
                   </a:txBody>
-                  <a:tcPr marL="91450" marR="91450" marT="45725" marB="45725">
-                    <a:noFill/>
-                  </a:tcPr>
+                  <a:tcPr marL="91450" marR="91450" marT="45725" marB="45725"/>
                 </a:tc>
                 <a:tc>
                   <a:txBody>
@@ -25630,12 +25180,10 @@
                         </a:spcAft>
                         <a:buNone/>
                       </a:pPr>
-                      <a:endParaRPr sz="1100" u="none" strike="noStrike" cap="none"/>
+                      <a:endParaRPr sz="1100" u="none" strike="noStrike" cap="none" dirty="0"/>
                     </a:p>
                   </a:txBody>
-                  <a:tcPr marL="91450" marR="91450" marT="45725" marB="45725">
-                    <a:noFill/>
-                  </a:tcPr>
+                  <a:tcPr marL="91450" marR="91450" marT="45725" marB="45725"/>
                 </a:tc>
                 <a:extLst>
                   <a:ext uri="{0D108BD9-81ED-4DB2-BD59-A6C34878D82A}">
@@ -25681,7 +25229,7 @@
         <p:spPr>
           <a:xfrm>
             <a:off x="22124" y="703635"/>
-            <a:ext cx="9122100" cy="3879000"/>
+            <a:ext cx="9122100" cy="4556602"/>
           </a:xfrm>
           <a:prstGeom prst="rect">
             <a:avLst/>
@@ -25715,7 +25263,7 @@
               <a:buNone/>
             </a:pPr>
             <a:r>
-              <a:rPr lang="de" sz="1800" b="1" i="0" u="none" strike="noStrike" cap="none">
+              <a:rPr lang="de" sz="1800" b="1" i="0" u="none" strike="noStrike" cap="none" dirty="0">
                 <a:solidFill>
                   <a:srgbClr val="FF0000"/>
                 </a:solidFill>
@@ -25726,7 +25274,19 @@
               </a:rPr>
               <a:t>Name: </a:t>
             </a:r>
-            <a:endParaRPr sz="1100" b="0" i="0" u="none" strike="noStrike" cap="none">
+            <a:r>
+              <a:rPr lang="de" sz="1800" b="1" i="0" u="none" strike="noStrike" cap="none" dirty="0">
+                <a:solidFill>
+                  <a:schemeClr val="tx1"/>
+                </a:solidFill>
+                <a:latin typeface="Calibri"/>
+                <a:ea typeface="Calibri"/>
+                <a:cs typeface="Calibri"/>
+                <a:sym typeface="Calibri"/>
+              </a:rPr>
+              <a:t>Liliha</a:t>
+            </a:r>
+            <a:endParaRPr sz="1100" b="0" i="0" u="none" strike="noStrike" cap="none" dirty="0">
               <a:solidFill>
                 <a:schemeClr val="dk1"/>
               </a:solidFill>
@@ -25755,7 +25315,7 @@
               <a:buNone/>
             </a:pPr>
             <a:r>
-              <a:rPr lang="de" sz="1800" b="1" i="0" u="none" strike="noStrike" cap="none">
+              <a:rPr lang="de" sz="1800" b="1" i="0" u="none" strike="noStrike" cap="none" dirty="0">
                 <a:solidFill>
                   <a:srgbClr val="FF0000"/>
                 </a:solidFill>
@@ -25766,7 +25326,123 @@
               </a:rPr>
               <a:t>Gender: </a:t>
             </a:r>
-            <a:endParaRPr sz="1800" b="1" i="0" u="none" strike="noStrike" cap="none">
+            <a:r>
+              <a:rPr lang="de" sz="1800" b="1" i="0" u="none" strike="noStrike" cap="none" dirty="0">
+                <a:solidFill>
+                  <a:schemeClr val="tx1"/>
+                </a:solidFill>
+                <a:latin typeface="Calibri"/>
+                <a:ea typeface="Calibri"/>
+                <a:cs typeface="Calibri"/>
+                <a:sym typeface="Calibri"/>
+              </a:rPr>
+              <a:t>female</a:t>
+            </a:r>
+            <a:endParaRPr sz="1800" b="1" i="0" u="none" strike="noStrike" cap="none" dirty="0">
+              <a:solidFill>
+                <a:schemeClr val="tx1"/>
+              </a:solidFill>
+              <a:latin typeface="Calibri"/>
+              <a:ea typeface="Calibri"/>
+              <a:cs typeface="Calibri"/>
+              <a:sym typeface="Calibri"/>
+            </a:endParaRPr>
+          </a:p>
+          <a:p>
+            <a:pPr marL="0" marR="0" lvl="0" indent="0" algn="l" rtl="0">
+              <a:lnSpc>
+                <a:spcPct val="115000"/>
+              </a:lnSpc>
+              <a:spcBef>
+                <a:spcPts val="0"/>
+              </a:spcBef>
+              <a:spcAft>
+                <a:spcPts val="0"/>
+              </a:spcAft>
+              <a:buClr>
+                <a:srgbClr val="000000"/>
+              </a:buClr>
+              <a:buSzPts val="1800"/>
+              <a:buFont typeface="Arial"/>
+              <a:buNone/>
+            </a:pPr>
+            <a:r>
+              <a:rPr lang="de" sz="1800" b="1" i="0" u="none" strike="noStrike" cap="none" dirty="0">
+                <a:solidFill>
+                  <a:srgbClr val="FF0000"/>
+                </a:solidFill>
+                <a:latin typeface="Calibri"/>
+                <a:ea typeface="Calibri"/>
+                <a:cs typeface="Calibri"/>
+                <a:sym typeface="Calibri"/>
+              </a:rPr>
+              <a:t>Age: </a:t>
+            </a:r>
+            <a:r>
+              <a:rPr lang="de" sz="1800" b="1" i="0" u="none" strike="noStrike" cap="none" dirty="0">
+                <a:solidFill>
+                  <a:schemeClr val="tx1"/>
+                </a:solidFill>
+                <a:latin typeface="Calibri"/>
+                <a:ea typeface="Calibri"/>
+                <a:cs typeface="Calibri"/>
+                <a:sym typeface="Calibri"/>
+              </a:rPr>
+              <a:t>over 600 years</a:t>
+            </a:r>
+            <a:endParaRPr sz="1800" b="1" i="0" u="none" strike="noStrike" cap="none" dirty="0">
+              <a:solidFill>
+                <a:schemeClr val="tx1"/>
+              </a:solidFill>
+              <a:latin typeface="Calibri"/>
+              <a:ea typeface="Calibri"/>
+              <a:cs typeface="Calibri"/>
+              <a:sym typeface="Calibri"/>
+            </a:endParaRPr>
+          </a:p>
+          <a:p>
+            <a:pPr marL="0" marR="0" lvl="0" indent="0" algn="l" rtl="0">
+              <a:lnSpc>
+                <a:spcPct val="115000"/>
+              </a:lnSpc>
+              <a:spcBef>
+                <a:spcPts val="0"/>
+              </a:spcBef>
+              <a:spcAft>
+                <a:spcPts val="0"/>
+              </a:spcAft>
+              <a:buClr>
+                <a:srgbClr val="000000"/>
+              </a:buClr>
+              <a:buSzPts val="1800"/>
+              <a:buFont typeface="Arial"/>
+              <a:buNone/>
+            </a:pPr>
+            <a:r>
+              <a:rPr lang="de" sz="1800" b="1" i="0" u="none" strike="noStrike" cap="none" dirty="0">
+                <a:solidFill>
+                  <a:srgbClr val="FF0000"/>
+                </a:solidFill>
+                <a:latin typeface="Calibri"/>
+                <a:ea typeface="Calibri"/>
+                <a:cs typeface="Calibri"/>
+                <a:sym typeface="Calibri"/>
+              </a:rPr>
+              <a:t>Personality: </a:t>
+            </a:r>
+            <a:r>
+              <a:rPr lang="de" sz="1800" b="1" dirty="0">
+                <a:solidFill>
+                  <a:schemeClr val="tx1"/>
+                </a:solidFill>
+                <a:latin typeface="Calibri"/>
+                <a:ea typeface="Calibri"/>
+                <a:cs typeface="Calibri"/>
+                <a:sym typeface="Calibri"/>
+              </a:rPr>
+              <a:t>The Lover, The Explorer</a:t>
+            </a:r>
+            <a:endParaRPr sz="1800" b="1" i="0" u="none" strike="noStrike" cap="none" dirty="0">
               <a:solidFill>
                 <a:schemeClr val="dk1"/>
               </a:solidFill>
@@ -25788,14 +25464,14 @@
                 <a:spcPts val="0"/>
               </a:spcAft>
               <a:buClr>
-                <a:srgbClr val="000000"/>
+                <a:schemeClr val="dk1"/>
               </a:buClr>
               <a:buSzPts val="1800"/>
               <a:buFont typeface="Arial"/>
               <a:buNone/>
             </a:pPr>
             <a:r>
-              <a:rPr lang="de" sz="1800" b="1" i="0" u="none" strike="noStrike" cap="none">
+              <a:rPr lang="de" sz="1800" b="1" i="0" u="none" strike="noStrike" cap="none" dirty="0">
                 <a:solidFill>
                   <a:srgbClr val="FF0000"/>
                 </a:solidFill>
@@ -25804,9 +25480,21 @@
                 <a:cs typeface="Calibri"/>
                 <a:sym typeface="Calibri"/>
               </a:rPr>
-              <a:t>Age: </a:t>
+              <a:t>Alignment: </a:t>
             </a:r>
-            <a:endParaRPr sz="1800" b="1" i="0" u="none" strike="noStrike" cap="none">
+            <a:r>
+              <a:rPr lang="de" sz="1800" b="1" i="0" u="none" strike="noStrike" cap="none" dirty="0">
+                <a:solidFill>
+                  <a:schemeClr val="tx1"/>
+                </a:solidFill>
+                <a:latin typeface="Calibri"/>
+                <a:ea typeface="Calibri"/>
+                <a:cs typeface="Calibri"/>
+                <a:sym typeface="Calibri"/>
+              </a:rPr>
+              <a:t>Chaotic Neutral</a:t>
+            </a:r>
+            <a:endParaRPr sz="1800" b="1" i="0" u="none" strike="noStrike" cap="none" dirty="0">
               <a:solidFill>
                 <a:schemeClr val="dk1"/>
               </a:solidFill>
@@ -25828,94 +25516,14 @@
                 <a:spcPts val="0"/>
               </a:spcAft>
               <a:buClr>
-                <a:srgbClr val="000000"/>
+                <a:schemeClr val="dk1"/>
               </a:buClr>
               <a:buSzPts val="1800"/>
               <a:buFont typeface="Arial"/>
               <a:buNone/>
             </a:pPr>
             <a:r>
-              <a:rPr lang="de" sz="1800" b="1" i="0" u="none" strike="noStrike" cap="none">
-                <a:solidFill>
-                  <a:srgbClr val="FF0000"/>
-                </a:solidFill>
-                <a:latin typeface="Calibri"/>
-                <a:ea typeface="Calibri"/>
-                <a:cs typeface="Calibri"/>
-                <a:sym typeface="Calibri"/>
-              </a:rPr>
-              <a:t>Personality: </a:t>
-            </a:r>
-            <a:endParaRPr sz="1800" b="1" i="0" u="none" strike="noStrike" cap="none">
-              <a:solidFill>
-                <a:schemeClr val="dk1"/>
-              </a:solidFill>
-              <a:latin typeface="Calibri"/>
-              <a:ea typeface="Calibri"/>
-              <a:cs typeface="Calibri"/>
-              <a:sym typeface="Calibri"/>
-            </a:endParaRPr>
-          </a:p>
-          <a:p>
-            <a:pPr marL="0" marR="0" lvl="0" indent="0" algn="l" rtl="0">
-              <a:lnSpc>
-                <a:spcPct val="115000"/>
-              </a:lnSpc>
-              <a:spcBef>
-                <a:spcPts val="0"/>
-              </a:spcBef>
-              <a:spcAft>
-                <a:spcPts val="0"/>
-              </a:spcAft>
-              <a:buClr>
-                <a:schemeClr val="dk1"/>
-              </a:buClr>
-              <a:buSzPts val="1800"/>
-              <a:buFont typeface="Arial"/>
-              <a:buNone/>
-            </a:pPr>
-            <a:r>
-              <a:rPr lang="de" sz="1800" b="1" i="0" u="none" strike="noStrike" cap="none">
-                <a:solidFill>
-                  <a:srgbClr val="FF0000"/>
-                </a:solidFill>
-                <a:latin typeface="Calibri"/>
-                <a:ea typeface="Calibri"/>
-                <a:cs typeface="Calibri"/>
-                <a:sym typeface="Calibri"/>
-              </a:rPr>
-              <a:t>Alignment: </a:t>
-            </a:r>
-            <a:endParaRPr sz="1800" b="1" i="0" u="none" strike="noStrike" cap="none">
-              <a:solidFill>
-                <a:schemeClr val="dk1"/>
-              </a:solidFill>
-              <a:latin typeface="Calibri"/>
-              <a:ea typeface="Calibri"/>
-              <a:cs typeface="Calibri"/>
-              <a:sym typeface="Calibri"/>
-            </a:endParaRPr>
-          </a:p>
-          <a:p>
-            <a:pPr marL="0" marR="0" lvl="0" indent="0" algn="l" rtl="0">
-              <a:lnSpc>
-                <a:spcPct val="115000"/>
-              </a:lnSpc>
-              <a:spcBef>
-                <a:spcPts val="0"/>
-              </a:spcBef>
-              <a:spcAft>
-                <a:spcPts val="0"/>
-              </a:spcAft>
-              <a:buClr>
-                <a:schemeClr val="dk1"/>
-              </a:buClr>
-              <a:buSzPts val="1800"/>
-              <a:buFont typeface="Arial"/>
-              <a:buNone/>
-            </a:pPr>
-            <a:r>
-              <a:rPr lang="de" sz="1800" b="1" i="0" u="none" strike="noStrike" cap="none">
+              <a:rPr lang="de" sz="1800" b="1" i="0" u="none" strike="noStrike" cap="none" dirty="0">
                 <a:solidFill>
                   <a:srgbClr val="FF0000"/>
                 </a:solidFill>
@@ -25926,7 +25534,19 @@
               </a:rPr>
               <a:t>Occupation: </a:t>
             </a:r>
-            <a:endParaRPr sz="1800" b="1" i="0" u="none" strike="noStrike" cap="none">
+            <a:r>
+              <a:rPr lang="de" sz="1800" b="1" i="0" u="none" strike="noStrike" cap="none" dirty="0">
+                <a:solidFill>
+                  <a:schemeClr val="tx1"/>
+                </a:solidFill>
+                <a:latin typeface="Calibri"/>
+                <a:ea typeface="Calibri"/>
+                <a:cs typeface="Calibri"/>
+                <a:sym typeface="Calibri"/>
+              </a:rPr>
+              <a:t>Medizin</a:t>
+            </a:r>
+            <a:endParaRPr sz="1800" b="1" i="0" u="none" strike="noStrike" cap="none" dirty="0">
               <a:solidFill>
                 <a:srgbClr val="FF0000"/>
               </a:solidFill>
@@ -25954,7 +25574,7 @@
               <a:buFont typeface="Arial"/>
               <a:buNone/>
             </a:pPr>
-            <a:endParaRPr sz="1800" b="1" i="0" u="none" strike="noStrike" cap="none">
+            <a:endParaRPr sz="1800" b="1" i="0" u="none" strike="noStrike" cap="none" dirty="0">
               <a:solidFill>
                 <a:srgbClr val="FF0000"/>
               </a:solidFill>
@@ -25983,7 +25603,7 @@
               <a:buNone/>
             </a:pPr>
             <a:r>
-              <a:rPr lang="de" sz="1800" b="0" i="0" u="none" strike="noStrike" cap="none">
+              <a:rPr lang="de" sz="1800" b="0" i="0" u="none" strike="noStrike" cap="none" dirty="0">
                 <a:solidFill>
                   <a:srgbClr val="FF0000"/>
                 </a:solidFill>
@@ -25994,7 +25614,7 @@
               </a:rPr>
               <a:t> </a:t>
             </a:r>
-            <a:endParaRPr sz="1800" b="0" i="0" u="none" strike="noStrike" cap="none">
+            <a:endParaRPr sz="1800" b="0" i="0" u="none" strike="noStrike" cap="none" dirty="0">
               <a:solidFill>
                 <a:srgbClr val="FF0000"/>
               </a:solidFill>
@@ -26022,7 +25642,7 @@
               <a:buFont typeface="Arial"/>
               <a:buNone/>
             </a:pPr>
-            <a:endParaRPr sz="1800" b="1" i="0" u="none" strike="noStrike" cap="none">
+            <a:endParaRPr sz="1800" b="1" i="0" u="none" strike="noStrike" cap="none" dirty="0">
               <a:solidFill>
                 <a:srgbClr val="FF0000"/>
               </a:solidFill>
@@ -26051,20 +25671,40 @@
               <a:buNone/>
             </a:pPr>
             <a:r>
-              <a:rPr lang="de" sz="1800" b="1" i="0" u="none" strike="noStrike" cap="none">
-                <a:solidFill>
-                  <a:srgbClr val="FF0000"/>
+              <a:rPr lang="de-DE" sz="1800" i="0" u="none" strike="noStrike" cap="none" dirty="0" err="1">
+                <a:solidFill>
+                  <a:schemeClr val="tx1"/>
                 </a:solidFill>
                 <a:latin typeface="Arial"/>
                 <a:ea typeface="Arial"/>
                 <a:cs typeface="Arial"/>
                 <a:sym typeface="Arial"/>
               </a:rPr>
-              <a:t>Describe the past, the what and the now shortly</a:t>
+              <a:t>Liliha</a:t>
             </a:r>
-            <a:endParaRPr sz="1800" b="1" i="0" u="none" strike="noStrike" cap="none">
+            <a:r>
+              <a:rPr lang="de-DE" sz="1800" i="0" u="none" strike="noStrike" cap="none" dirty="0">
+                <a:solidFill>
+                  <a:schemeClr val="tx1"/>
+                </a:solidFill>
+                <a:latin typeface="Arial"/>
+                <a:ea typeface="Arial"/>
+                <a:cs typeface="Arial"/>
+                <a:sym typeface="Arial"/>
+              </a:rPr>
+              <a:t> wurde in den Kolonisation</a:t>
+            </a:r>
+            <a:r>
+              <a:rPr lang="de-DE" sz="1800" dirty="0">
+                <a:solidFill>
+                  <a:schemeClr val="tx1"/>
+                </a:solidFill>
+              </a:rPr>
+              <a:t> Jahren von Pilgern geraubt und verkauft. Über viele Auktionen kam sie in die Hand des Spielers und wird nun verwendet, um Patienten bei Schlaflosigkeit zu helfen.</a:t>
+            </a:r>
+            <a:endParaRPr sz="1800" i="0" u="none" strike="noStrike" cap="none" dirty="0">
               <a:solidFill>
-                <a:srgbClr val="FF0000"/>
+                <a:schemeClr val="tx1"/>
               </a:solidFill>
               <a:latin typeface="Arial"/>
               <a:ea typeface="Arial"/>
@@ -26090,7 +25730,7 @@
               <a:buFont typeface="Arial"/>
               <a:buNone/>
             </a:pPr>
-            <a:endParaRPr sz="1800" b="0" i="0" u="none" strike="noStrike" cap="none">
+            <a:endParaRPr sz="1800" b="0" i="0" u="none" strike="noStrike" cap="none" dirty="0">
               <a:solidFill>
                 <a:srgbClr val="242424"/>
               </a:solidFill>
@@ -26511,7 +26151,7 @@
         <p:spPr>
           <a:xfrm>
             <a:off x="22124" y="703635"/>
-            <a:ext cx="9122100" cy="3250800"/>
+            <a:ext cx="9122100" cy="1893565"/>
           </a:xfrm>
           <a:prstGeom prst="rect">
             <a:avLst/>
@@ -26532,21 +26172,147 @@
                 <a:spcPct val="115000"/>
               </a:lnSpc>
               <a:spcBef>
-                <a:spcPts val="0"/>
-              </a:spcBef>
-              <a:spcAft>
-                <a:spcPts val="0"/>
-              </a:spcAft>
-              <a:buClr>
-                <a:schemeClr val="dk1"/>
+                <a:spcPts val="900"/>
+              </a:spcBef>
+              <a:spcAft>
+                <a:spcPts val="0"/>
+              </a:spcAft>
+              <a:buClr>
+                <a:srgbClr val="000000"/>
               </a:buClr>
               <a:buSzPts val="1800"/>
               <a:buFont typeface="Arial"/>
               <a:buNone/>
             </a:pPr>
-            <a:endParaRPr sz="1100" b="0" i="0" u="none" strike="noStrike" cap="none">
+            <a:r>
+              <a:rPr lang="de-DE" sz="1100" dirty="0"/>
+              <a:t>In den Kolonisation Jahren wurde </a:t>
+            </a:r>
+            <a:r>
+              <a:rPr lang="de-DE" sz="1100" dirty="0" err="1"/>
+              <a:t>Liliha</a:t>
+            </a:r>
+            <a:r>
+              <a:rPr lang="de-DE" sz="1100" dirty="0"/>
+              <a:t> von </a:t>
+            </a:r>
+            <a:r>
+              <a:rPr lang="de-DE" sz="1100" dirty="0" err="1"/>
+              <a:t>Pilgeren</a:t>
+            </a:r>
+            <a:r>
+              <a:rPr lang="de-DE" sz="1100" dirty="0"/>
+              <a:t>, von ihrem Totem geschnitten und in eine Maske geschnitzt. Danach wurde sie aus ihrem Heimat Land entführt und in Auktionen verkauft.</a:t>
+            </a:r>
+          </a:p>
+          <a:p>
+            <a:pPr marL="0" marR="0" lvl="0" indent="0" algn="l" rtl="0">
+              <a:lnSpc>
+                <a:spcPct val="115000"/>
+              </a:lnSpc>
+              <a:spcBef>
+                <a:spcPts val="900"/>
+              </a:spcBef>
+              <a:spcAft>
+                <a:spcPts val="0"/>
+              </a:spcAft>
+              <a:buClr>
+                <a:srgbClr val="000000"/>
+              </a:buClr>
+              <a:buSzPts val="1800"/>
+              <a:buFont typeface="Arial"/>
+              <a:buNone/>
+            </a:pPr>
+            <a:r>
+              <a:rPr lang="de-DE" sz="1100" dirty="0"/>
+              <a:t>Auf einer dieser Auktionen fand ein/e Rezeptionist/in sie. Aufgrund ihrer ständig knirschenden Zähne wurde </a:t>
+            </a:r>
+            <a:r>
+              <a:rPr lang="de-DE" sz="1100" dirty="0" err="1"/>
+              <a:t>They</a:t>
+            </a:r>
+            <a:r>
+              <a:rPr lang="de-DE" sz="1100" dirty="0"/>
+              <a:t> auf sie Aufmerksam. Sie kaufte sie und nahm sie mit zur Arbeit. </a:t>
+            </a:r>
+          </a:p>
+          <a:p>
+            <a:pPr marL="0" marR="0" lvl="0" indent="0" algn="l" rtl="0">
+              <a:lnSpc>
+                <a:spcPct val="115000"/>
+              </a:lnSpc>
+              <a:spcBef>
+                <a:spcPts val="900"/>
+              </a:spcBef>
+              <a:spcAft>
+                <a:spcPts val="0"/>
+              </a:spcAft>
+              <a:buClr>
+                <a:srgbClr val="000000"/>
+              </a:buClr>
+              <a:buSzPts val="1800"/>
+              <a:buFont typeface="Arial"/>
+              <a:buNone/>
+            </a:pPr>
+            <a:r>
+              <a:rPr lang="de-DE" sz="1100" dirty="0">
+                <a:solidFill>
+                  <a:schemeClr val="tx1"/>
+                </a:solidFill>
+              </a:rPr>
+              <a:t>Dort konnte </a:t>
+            </a:r>
+            <a:r>
+              <a:rPr lang="de-DE" sz="1100" dirty="0" err="1">
+                <a:solidFill>
+                  <a:schemeClr val="tx1"/>
+                </a:solidFill>
+              </a:rPr>
+              <a:t>Liliha</a:t>
+            </a:r>
+            <a:r>
+              <a:rPr lang="de-DE" sz="1100" dirty="0">
+                <a:solidFill>
+                  <a:schemeClr val="tx1"/>
+                </a:solidFill>
+              </a:rPr>
+              <a:t> endlich wieder ihre Kräfte entfalten und wurde von einer würdigen Person verwendet. Über viele Jahre entwickelte sie einen kleinen </a:t>
+            </a:r>
+            <a:r>
+              <a:rPr lang="de-DE" sz="1100" dirty="0" err="1">
+                <a:solidFill>
+                  <a:schemeClr val="tx1"/>
+                </a:solidFill>
+              </a:rPr>
+              <a:t>Crush</a:t>
+            </a:r>
+            <a:r>
+              <a:rPr lang="de-DE" sz="1100" dirty="0">
+                <a:solidFill>
+                  <a:schemeClr val="tx1"/>
+                </a:solidFill>
+              </a:rPr>
+              <a:t> auf </a:t>
+            </a:r>
+            <a:r>
+              <a:rPr lang="de-DE" sz="1100" dirty="0" err="1">
+                <a:solidFill>
+                  <a:schemeClr val="tx1"/>
+                </a:solidFill>
+              </a:rPr>
+              <a:t>They</a:t>
+            </a:r>
+            <a:r>
+              <a:rPr lang="de-DE" sz="1100" dirty="0">
+                <a:solidFill>
+                  <a:schemeClr val="tx1"/>
+                </a:solidFill>
+              </a:rPr>
+              <a:t>. </a:t>
+            </a:r>
+            <a:endParaRPr sz="1100" i="0" u="none" strike="noStrike" cap="none" dirty="0">
               <a:solidFill>
-                <a:srgbClr val="000000"/>
+                <a:schemeClr val="tx1"/>
               </a:solidFill>
               <a:latin typeface="Arial"/>
               <a:ea typeface="Arial"/>
@@ -26560,187 +26326,7 @@
                 <a:spcPct val="115000"/>
               </a:lnSpc>
               <a:spcBef>
-                <a:spcPts val="900"/>
-              </a:spcBef>
-              <a:spcAft>
-                <a:spcPts val="0"/>
-              </a:spcAft>
-              <a:buClr>
-                <a:schemeClr val="dk1"/>
-              </a:buClr>
-              <a:buSzPts val="800"/>
-              <a:buFont typeface="Arial"/>
-              <a:buNone/>
-            </a:pPr>
-            <a:endParaRPr sz="1800" b="1" i="0" u="none" strike="noStrike" cap="none">
-              <a:solidFill>
-                <a:srgbClr val="FF0000"/>
-              </a:solidFill>
-              <a:latin typeface="Arial"/>
-              <a:ea typeface="Arial"/>
-              <a:cs typeface="Arial"/>
-              <a:sym typeface="Arial"/>
-            </a:endParaRPr>
-          </a:p>
-          <a:p>
-            <a:pPr marL="0" marR="0" lvl="0" indent="0" algn="l" rtl="0">
-              <a:lnSpc>
-                <a:spcPct val="115000"/>
-              </a:lnSpc>
-              <a:spcBef>
-                <a:spcPts val="900"/>
-              </a:spcBef>
-              <a:spcAft>
-                <a:spcPts val="0"/>
-              </a:spcAft>
-              <a:buClr>
-                <a:schemeClr val="dk1"/>
-              </a:buClr>
-              <a:buSzPts val="800"/>
-              <a:buFont typeface="Arial"/>
-              <a:buNone/>
-            </a:pPr>
-            <a:endParaRPr sz="1800" b="1" i="0" u="none" strike="noStrike" cap="none">
-              <a:solidFill>
-                <a:srgbClr val="FF0000"/>
-              </a:solidFill>
-              <a:latin typeface="Arial"/>
-              <a:ea typeface="Arial"/>
-              <a:cs typeface="Arial"/>
-              <a:sym typeface="Arial"/>
-            </a:endParaRPr>
-          </a:p>
-          <a:p>
-            <a:pPr marL="0" marR="0" lvl="0" indent="0" algn="l" rtl="0">
-              <a:lnSpc>
-                <a:spcPct val="115000"/>
-              </a:lnSpc>
-              <a:spcBef>
-                <a:spcPts val="900"/>
-              </a:spcBef>
-              <a:spcAft>
-                <a:spcPts val="0"/>
-              </a:spcAft>
-              <a:buClr>
-                <a:schemeClr val="dk1"/>
-              </a:buClr>
-              <a:buSzPts val="800"/>
-              <a:buFont typeface="Arial"/>
-              <a:buNone/>
-            </a:pPr>
-            <a:endParaRPr sz="1800" b="1" i="0" u="none" strike="noStrike" cap="none">
-              <a:solidFill>
-                <a:srgbClr val="FF0000"/>
-              </a:solidFill>
-              <a:latin typeface="Arial"/>
-              <a:ea typeface="Arial"/>
-              <a:cs typeface="Arial"/>
-              <a:sym typeface="Arial"/>
-            </a:endParaRPr>
-          </a:p>
-          <a:p>
-            <a:pPr marL="0" marR="0" lvl="0" indent="0" algn="l" rtl="0">
-              <a:lnSpc>
-                <a:spcPct val="115000"/>
-              </a:lnSpc>
-              <a:spcBef>
-                <a:spcPts val="900"/>
-              </a:spcBef>
-              <a:spcAft>
-                <a:spcPts val="0"/>
-              </a:spcAft>
-              <a:buClr>
-                <a:schemeClr val="dk1"/>
-              </a:buClr>
-              <a:buSzPts val="800"/>
-              <a:buFont typeface="Arial"/>
-              <a:buNone/>
-            </a:pPr>
-            <a:r>
-              <a:rPr lang="de" sz="1800" b="1" i="0" u="none" strike="noStrike" cap="none">
-                <a:solidFill>
-                  <a:srgbClr val="FF0000"/>
-                </a:solidFill>
-                <a:latin typeface="Arial"/>
-                <a:ea typeface="Arial"/>
-                <a:cs typeface="Arial"/>
-                <a:sym typeface="Arial"/>
-              </a:rPr>
-              <a:t>Describe the past, the what and the now (see the checklist)</a:t>
-            </a:r>
-            <a:endParaRPr sz="1800" b="1" i="0" u="none" strike="noStrike" cap="none">
-              <a:solidFill>
-                <a:srgbClr val="FF0000"/>
-              </a:solidFill>
-              <a:latin typeface="Arial"/>
-              <a:ea typeface="Arial"/>
-              <a:cs typeface="Arial"/>
-              <a:sym typeface="Arial"/>
-            </a:endParaRPr>
-          </a:p>
-          <a:p>
-            <a:pPr marL="0" marR="0" lvl="0" indent="0" algn="l" rtl="0">
-              <a:lnSpc>
-                <a:spcPct val="115000"/>
-              </a:lnSpc>
-              <a:spcBef>
-                <a:spcPts val="900"/>
-              </a:spcBef>
-              <a:spcAft>
-                <a:spcPts val="0"/>
-              </a:spcAft>
-              <a:buClr>
-                <a:schemeClr val="dk1"/>
-              </a:buClr>
-              <a:buSzPts val="800"/>
-              <a:buFont typeface="Arial"/>
-              <a:buNone/>
-            </a:pPr>
-            <a:endParaRPr sz="1200" b="0" i="0" u="none" strike="noStrike" cap="none">
-              <a:solidFill>
-                <a:srgbClr val="242424"/>
-              </a:solidFill>
-              <a:latin typeface="Arial"/>
-              <a:ea typeface="Arial"/>
-              <a:cs typeface="Arial"/>
-              <a:sym typeface="Arial"/>
-            </a:endParaRPr>
-          </a:p>
-          <a:p>
-            <a:pPr marL="0" marR="0" lvl="0" indent="0" algn="l" rtl="0">
-              <a:lnSpc>
-                <a:spcPct val="115000"/>
-              </a:lnSpc>
-              <a:spcBef>
-                <a:spcPts val="900"/>
-              </a:spcBef>
-              <a:spcAft>
-                <a:spcPts val="0"/>
-              </a:spcAft>
-              <a:buClr>
-                <a:schemeClr val="dk1"/>
-              </a:buClr>
-              <a:buSzPts val="800"/>
-              <a:buFont typeface="Arial"/>
-              <a:buNone/>
-            </a:pPr>
-            <a:endParaRPr sz="1200" b="1" i="0" u="none" strike="noStrike" cap="none">
-              <a:solidFill>
-                <a:srgbClr val="FF0000"/>
-              </a:solidFill>
-              <a:latin typeface="Arial"/>
-              <a:ea typeface="Arial"/>
-              <a:cs typeface="Arial"/>
-              <a:sym typeface="Arial"/>
-            </a:endParaRPr>
-          </a:p>
-          <a:p>
-            <a:pPr marL="0" marR="0" lvl="0" indent="0" algn="l" rtl="0">
-              <a:lnSpc>
-                <a:spcPct val="115000"/>
-              </a:lnSpc>
-              <a:spcBef>
-                <a:spcPts val="900"/>
+                <a:spcPts val="0"/>
               </a:spcBef>
               <a:spcAft>
                 <a:spcPts val="0"/>
@@ -26752,35 +26338,7 @@
               <a:buFont typeface="Arial"/>
               <a:buNone/>
             </a:pPr>
-            <a:endParaRPr sz="1100" b="1" i="0" u="none" strike="noStrike" cap="none">
-              <a:solidFill>
-                <a:srgbClr val="FF0000"/>
-              </a:solidFill>
-              <a:latin typeface="Arial"/>
-              <a:ea typeface="Arial"/>
-              <a:cs typeface="Arial"/>
-              <a:sym typeface="Arial"/>
-            </a:endParaRPr>
-          </a:p>
-          <a:p>
-            <a:pPr marL="0" marR="0" lvl="0" indent="0" algn="l" rtl="0">
-              <a:lnSpc>
-                <a:spcPct val="115000"/>
-              </a:lnSpc>
-              <a:spcBef>
-                <a:spcPts val="0"/>
-              </a:spcBef>
-              <a:spcAft>
-                <a:spcPts val="0"/>
-              </a:spcAft>
-              <a:buClr>
-                <a:srgbClr val="000000"/>
-              </a:buClr>
-              <a:buSzPts val="1800"/>
-              <a:buFont typeface="Arial"/>
-              <a:buNone/>
-            </a:pPr>
-            <a:endParaRPr sz="1100" b="0" i="0" u="none" strike="noStrike" cap="none">
+            <a:endParaRPr sz="1100" b="0" i="0" u="none" strike="noStrike" cap="none" dirty="0">
               <a:solidFill>
                 <a:srgbClr val="000000"/>
               </a:solidFill>
@@ -27104,18 +26662,16 @@
               <a:buNone/>
             </a:pPr>
             <a:r>
-              <a:rPr lang="de" sz="1800">
+              <a:rPr lang="de" sz="1800" b="0" i="0" u="none" strike="noStrike" cap="none" dirty="0">
                 <a:solidFill>
                   <a:schemeClr val="lt1"/>
                 </a:solidFill>
                 <a:latin typeface="Montserrat ExtraBold"/>
-                <a:ea typeface="Montserrat ExtraBold"/>
-                <a:cs typeface="Montserrat ExtraBold"/>
                 <a:sym typeface="Montserrat ExtraBold"/>
               </a:rPr>
-              <a:t>Character Name</a:t>
+              <a:t>Liliha</a:t>
             </a:r>
-            <a:endParaRPr sz="1100" b="0" i="0" u="none" strike="noStrike" cap="none">
+            <a:endParaRPr sz="1100" b="0" i="0" u="none" strike="noStrike" cap="none" dirty="0">
               <a:solidFill>
                 <a:srgbClr val="000000"/>
               </a:solidFill>
@@ -27144,7 +26700,7 @@
               <a:buNone/>
             </a:pPr>
             <a:r>
-              <a:rPr lang="de" sz="1800" b="0" i="0" u="none" strike="noStrike" cap="none">
+              <a:rPr lang="de" sz="1800" b="0" i="0" u="none" strike="noStrike" cap="none" dirty="0">
                 <a:solidFill>
                   <a:srgbClr val="FFB951"/>
                 </a:solidFill>
@@ -27155,7 +26711,7 @@
               </a:rPr>
               <a:t>Character Bio (Long)</a:t>
             </a:r>
-            <a:endParaRPr sz="1100" b="0" i="0" u="none" strike="noStrike" cap="none">
+            <a:endParaRPr sz="1100" b="0" i="0" u="none" strike="noStrike" cap="none" dirty="0">
               <a:solidFill>
                 <a:srgbClr val="000000"/>
               </a:solidFill>
@@ -27180,1784 +26736,6 @@
   <p:cSld>
     <p:spTree>
       <p:nvGrpSpPr>
-        <p:cNvPr id="1" name="Shape 199"/>
-        <p:cNvGrpSpPr/>
-        <p:nvPr/>
-      </p:nvGrpSpPr>
-      <p:grpSpPr>
-        <a:xfrm>
-          <a:off x="0" y="0"/>
-          <a:ext cx="0" cy="0"/>
-          <a:chOff x="0" y="0"/>
-          <a:chExt cx="0" cy="0"/>
-        </a:xfrm>
-      </p:grpSpPr>
-      <p:grpSp>
-        <p:nvGrpSpPr>
-          <p:cNvPr id="200" name="Google Shape;200;p5"/>
-          <p:cNvGrpSpPr/>
-          <p:nvPr/>
-        </p:nvGrpSpPr>
-        <p:grpSpPr>
-          <a:xfrm>
-            <a:off x="27169" y="24983"/>
-            <a:ext cx="2858365" cy="550436"/>
-            <a:chOff x="0" y="214638"/>
-            <a:chExt cx="3107932" cy="815582"/>
-          </a:xfrm>
-        </p:grpSpPr>
-        <p:grpSp>
-          <p:nvGrpSpPr>
-            <p:cNvPr id="201" name="Google Shape;201;p5"/>
-            <p:cNvGrpSpPr/>
-            <p:nvPr/>
-          </p:nvGrpSpPr>
-          <p:grpSpPr>
-            <a:xfrm>
-              <a:off x="0" y="291855"/>
-              <a:ext cx="3107932" cy="738365"/>
-              <a:chOff x="0" y="225393"/>
-              <a:chExt cx="3076856" cy="738365"/>
-            </a:xfrm>
-          </p:grpSpPr>
-          <p:sp>
-            <p:nvSpPr>
-              <p:cNvPr id="202" name="Google Shape;202;p5"/>
-              <p:cNvSpPr/>
-              <p:nvPr/>
-            </p:nvSpPr>
-            <p:spPr>
-              <a:xfrm>
-                <a:off x="0" y="225393"/>
-                <a:ext cx="2275500" cy="738300"/>
-              </a:xfrm>
-              <a:prstGeom prst="rect">
-                <a:avLst/>
-              </a:prstGeom>
-              <a:solidFill>
-                <a:srgbClr val="5562EB"/>
-              </a:solidFill>
-              <a:ln>
-                <a:noFill/>
-              </a:ln>
-            </p:spPr>
-            <p:txBody>
-              <a:bodyPr spcFirstLastPara="1" wrap="square" lIns="91425" tIns="91425" rIns="91425" bIns="91425" anchor="ctr" anchorCtr="0">
-                <a:noAutofit/>
-              </a:bodyPr>
-              <a:lstStyle/>
-              <a:p>
-                <a:pPr marL="0" marR="0" lvl="0" indent="0" algn="ctr" rtl="0">
-                  <a:lnSpc>
-                    <a:spcPct val="100000"/>
-                  </a:lnSpc>
-                  <a:spcBef>
-                    <a:spcPts val="0"/>
-                  </a:spcBef>
-                  <a:spcAft>
-                    <a:spcPts val="0"/>
-                  </a:spcAft>
-                  <a:buClr>
-                    <a:schemeClr val="dk1"/>
-                  </a:buClr>
-                  <a:buSzPts val="1400"/>
-                  <a:buFont typeface="Calibri"/>
-                  <a:buNone/>
-                </a:pPr>
-                <a:endParaRPr sz="1400" b="0" i="0" u="none" strike="noStrike" cap="none">
-                  <a:solidFill>
-                    <a:schemeClr val="dk1"/>
-                  </a:solidFill>
-                  <a:latin typeface="Montserrat"/>
-                  <a:ea typeface="Montserrat"/>
-                  <a:cs typeface="Montserrat"/>
-                  <a:sym typeface="Montserrat"/>
-                </a:endParaRPr>
-              </a:p>
-            </p:txBody>
-          </p:sp>
-          <p:sp>
-            <p:nvSpPr>
-              <p:cNvPr id="203" name="Google Shape;203;p5"/>
-              <p:cNvSpPr/>
-              <p:nvPr/>
-            </p:nvSpPr>
-            <p:spPr>
-              <a:xfrm>
-                <a:off x="1938759" y="225393"/>
-                <a:ext cx="1138097" cy="738365"/>
-              </a:xfrm>
-              <a:prstGeom prst="flowChartInputOutput">
-                <a:avLst/>
-              </a:prstGeom>
-              <a:solidFill>
-                <a:srgbClr val="5562EB"/>
-              </a:solidFill>
-              <a:ln>
-                <a:noFill/>
-              </a:ln>
-            </p:spPr>
-            <p:txBody>
-              <a:bodyPr spcFirstLastPara="1" wrap="square" lIns="91425" tIns="91425" rIns="91425" bIns="91425" anchor="ctr" anchorCtr="0">
-                <a:noAutofit/>
-              </a:bodyPr>
-              <a:lstStyle/>
-              <a:p>
-                <a:pPr marL="0" marR="0" lvl="0" indent="0" algn="ctr" rtl="0">
-                  <a:lnSpc>
-                    <a:spcPct val="100000"/>
-                  </a:lnSpc>
-                  <a:spcBef>
-                    <a:spcPts val="0"/>
-                  </a:spcBef>
-                  <a:spcAft>
-                    <a:spcPts val="0"/>
-                  </a:spcAft>
-                  <a:buClr>
-                    <a:schemeClr val="dk1"/>
-                  </a:buClr>
-                  <a:buSzPts val="1400"/>
-                  <a:buFont typeface="Calibri"/>
-                  <a:buNone/>
-                </a:pPr>
-                <a:endParaRPr sz="1400" b="0" i="0" u="none" strike="noStrike" cap="none">
-                  <a:solidFill>
-                    <a:schemeClr val="dk1"/>
-                  </a:solidFill>
-                  <a:latin typeface="Montserrat"/>
-                  <a:ea typeface="Montserrat"/>
-                  <a:cs typeface="Montserrat"/>
-                  <a:sym typeface="Montserrat"/>
-                </a:endParaRPr>
-              </a:p>
-            </p:txBody>
-          </p:sp>
-        </p:grpSp>
-        <p:grpSp>
-          <p:nvGrpSpPr>
-            <p:cNvPr id="204" name="Google Shape;204;p5"/>
-            <p:cNvGrpSpPr/>
-            <p:nvPr/>
-          </p:nvGrpSpPr>
-          <p:grpSpPr>
-            <a:xfrm>
-              <a:off x="0" y="214638"/>
-              <a:ext cx="3047301" cy="738365"/>
-              <a:chOff x="0" y="214638"/>
-              <a:chExt cx="3047301" cy="738365"/>
-            </a:xfrm>
-          </p:grpSpPr>
-          <p:sp>
-            <p:nvSpPr>
-              <p:cNvPr id="205" name="Google Shape;205;p5"/>
-              <p:cNvSpPr/>
-              <p:nvPr/>
-            </p:nvSpPr>
-            <p:spPr>
-              <a:xfrm>
-                <a:off x="0" y="214638"/>
-                <a:ext cx="2275500" cy="738300"/>
-              </a:xfrm>
-              <a:prstGeom prst="rect">
-                <a:avLst/>
-              </a:prstGeom>
-              <a:solidFill>
-                <a:srgbClr val="152044"/>
-              </a:solidFill>
-              <a:ln>
-                <a:noFill/>
-              </a:ln>
-            </p:spPr>
-            <p:txBody>
-              <a:bodyPr spcFirstLastPara="1" wrap="square" lIns="91425" tIns="91425" rIns="91425" bIns="91425" anchor="ctr" anchorCtr="0">
-                <a:noAutofit/>
-              </a:bodyPr>
-              <a:lstStyle/>
-              <a:p>
-                <a:pPr marL="0" marR="0" lvl="0" indent="0" algn="ctr" rtl="0">
-                  <a:lnSpc>
-                    <a:spcPct val="100000"/>
-                  </a:lnSpc>
-                  <a:spcBef>
-                    <a:spcPts val="0"/>
-                  </a:spcBef>
-                  <a:spcAft>
-                    <a:spcPts val="0"/>
-                  </a:spcAft>
-                  <a:buClr>
-                    <a:schemeClr val="dk1"/>
-                  </a:buClr>
-                  <a:buSzPts val="1400"/>
-                  <a:buFont typeface="Calibri"/>
-                  <a:buNone/>
-                </a:pPr>
-                <a:endParaRPr sz="1400" b="0" i="0" u="none" strike="noStrike" cap="none">
-                  <a:solidFill>
-                    <a:schemeClr val="dk1"/>
-                  </a:solidFill>
-                  <a:latin typeface="Montserrat"/>
-                  <a:ea typeface="Montserrat"/>
-                  <a:cs typeface="Montserrat"/>
-                  <a:sym typeface="Montserrat"/>
-                </a:endParaRPr>
-              </a:p>
-            </p:txBody>
-          </p:sp>
-          <p:sp>
-            <p:nvSpPr>
-              <p:cNvPr id="206" name="Google Shape;206;p5"/>
-              <p:cNvSpPr/>
-              <p:nvPr/>
-            </p:nvSpPr>
-            <p:spPr>
-              <a:xfrm>
-                <a:off x="1909204" y="214638"/>
-                <a:ext cx="1138097" cy="738365"/>
-              </a:xfrm>
-              <a:prstGeom prst="flowChartInputOutput">
-                <a:avLst/>
-              </a:prstGeom>
-              <a:solidFill>
-                <a:srgbClr val="152044"/>
-              </a:solidFill>
-              <a:ln>
-                <a:noFill/>
-              </a:ln>
-            </p:spPr>
-            <p:txBody>
-              <a:bodyPr spcFirstLastPara="1" wrap="square" lIns="91425" tIns="91425" rIns="91425" bIns="91425" anchor="ctr" anchorCtr="0">
-                <a:noAutofit/>
-              </a:bodyPr>
-              <a:lstStyle/>
-              <a:p>
-                <a:pPr marL="0" marR="0" lvl="0" indent="0" algn="ctr" rtl="0">
-                  <a:lnSpc>
-                    <a:spcPct val="100000"/>
-                  </a:lnSpc>
-                  <a:spcBef>
-                    <a:spcPts val="0"/>
-                  </a:spcBef>
-                  <a:spcAft>
-                    <a:spcPts val="0"/>
-                  </a:spcAft>
-                  <a:buClr>
-                    <a:schemeClr val="dk1"/>
-                  </a:buClr>
-                  <a:buSzPts val="1400"/>
-                  <a:buFont typeface="Calibri"/>
-                  <a:buNone/>
-                </a:pPr>
-                <a:endParaRPr sz="1400" b="0" i="0" u="none" strike="noStrike" cap="none">
-                  <a:solidFill>
-                    <a:schemeClr val="dk1"/>
-                  </a:solidFill>
-                  <a:latin typeface="Montserrat"/>
-                  <a:ea typeface="Montserrat"/>
-                  <a:cs typeface="Montserrat"/>
-                  <a:sym typeface="Montserrat"/>
-                </a:endParaRPr>
-              </a:p>
-            </p:txBody>
-          </p:sp>
-        </p:grpSp>
-      </p:grpSp>
-      <p:sp>
-        <p:nvSpPr>
-          <p:cNvPr id="207" name="Google Shape;207;p5"/>
-          <p:cNvSpPr txBox="1"/>
-          <p:nvPr/>
-        </p:nvSpPr>
-        <p:spPr>
-          <a:xfrm flipH="1">
-            <a:off x="81385" y="-232075"/>
-            <a:ext cx="2838000" cy="873300"/>
-          </a:xfrm>
-          <a:prstGeom prst="rect">
-            <a:avLst/>
-          </a:prstGeom>
-          <a:noFill/>
-          <a:ln>
-            <a:noFill/>
-          </a:ln>
-        </p:spPr>
-        <p:txBody>
-          <a:bodyPr spcFirstLastPara="1" wrap="square" lIns="68575" tIns="34275" rIns="68575" bIns="34275" anchor="ctr" anchorCtr="0">
-            <a:noAutofit/>
-          </a:bodyPr>
-          <a:lstStyle/>
-          <a:p>
-            <a:pPr marL="0" marR="0" lvl="0" indent="0" algn="l" rtl="0">
-              <a:lnSpc>
-                <a:spcPct val="115000"/>
-              </a:lnSpc>
-              <a:spcBef>
-                <a:spcPts val="0"/>
-              </a:spcBef>
-              <a:spcAft>
-                <a:spcPts val="0"/>
-              </a:spcAft>
-              <a:buClr>
-                <a:schemeClr val="lt1"/>
-              </a:buClr>
-              <a:buSzPts val="1800"/>
-              <a:buFont typeface="Montserrat ExtraBold"/>
-              <a:buNone/>
-            </a:pPr>
-            <a:r>
-              <a:rPr lang="de" sz="1800" b="0" i="0" u="none" strike="noStrike" cap="none">
-                <a:solidFill>
-                  <a:schemeClr val="lt1"/>
-                </a:solidFill>
-                <a:latin typeface="Montserrat ExtraBold"/>
-                <a:ea typeface="Montserrat ExtraBold"/>
-                <a:cs typeface="Montserrat ExtraBold"/>
-                <a:sym typeface="Montserrat ExtraBold"/>
-              </a:rPr>
-              <a:t>Weapons</a:t>
-            </a:r>
-            <a:endParaRPr sz="1100" b="0" i="0" u="none" strike="noStrike" cap="none">
-              <a:solidFill>
-                <a:srgbClr val="000000"/>
-              </a:solidFill>
-              <a:latin typeface="Arial"/>
-              <a:ea typeface="Arial"/>
-              <a:cs typeface="Arial"/>
-              <a:sym typeface="Arial"/>
-            </a:endParaRPr>
-          </a:p>
-        </p:txBody>
-      </p:sp>
-      <p:sp>
-        <p:nvSpPr>
-          <p:cNvPr id="208" name="Google Shape;208;p5"/>
-          <p:cNvSpPr txBox="1"/>
-          <p:nvPr/>
-        </p:nvSpPr>
-        <p:spPr>
-          <a:xfrm>
-            <a:off x="16389" y="771225"/>
-            <a:ext cx="2634600" cy="754200"/>
-          </a:xfrm>
-          <a:prstGeom prst="rect">
-            <a:avLst/>
-          </a:prstGeom>
-          <a:noFill/>
-          <a:ln>
-            <a:noFill/>
-          </a:ln>
-        </p:spPr>
-        <p:txBody>
-          <a:bodyPr spcFirstLastPara="1" wrap="square" lIns="68575" tIns="68575" rIns="68575" bIns="68575" anchor="t" anchorCtr="0">
-            <a:spAutoFit/>
-          </a:bodyPr>
-          <a:lstStyle/>
-          <a:p>
-            <a:pPr marL="0" marR="0" lvl="0" indent="0" algn="l" rtl="0">
-              <a:lnSpc>
-                <a:spcPct val="100000"/>
-              </a:lnSpc>
-              <a:spcBef>
-                <a:spcPts val="0"/>
-              </a:spcBef>
-              <a:spcAft>
-                <a:spcPts val="0"/>
-              </a:spcAft>
-              <a:buClr>
-                <a:srgbClr val="000000"/>
-              </a:buClr>
-              <a:buSzPts val="1800"/>
-              <a:buFont typeface="Arial"/>
-              <a:buNone/>
-            </a:pPr>
-            <a:r>
-              <a:rPr lang="de" sz="1800" b="0" i="0" u="none" strike="noStrike" cap="none">
-                <a:solidFill>
-                  <a:schemeClr val="dk1"/>
-                </a:solidFill>
-                <a:latin typeface="Calibri"/>
-                <a:ea typeface="Calibri"/>
-                <a:cs typeface="Calibri"/>
-                <a:sym typeface="Calibri"/>
-              </a:rPr>
-              <a:t>Weapon  - </a:t>
-            </a:r>
-            <a:endParaRPr sz="1800" b="0" i="0" u="none" strike="noStrike" cap="none">
-              <a:solidFill>
-                <a:schemeClr val="dk1"/>
-              </a:solidFill>
-              <a:latin typeface="Calibri"/>
-              <a:ea typeface="Calibri"/>
-              <a:cs typeface="Calibri"/>
-              <a:sym typeface="Calibri"/>
-            </a:endParaRPr>
-          </a:p>
-          <a:p>
-            <a:pPr marL="0" marR="0" lvl="0" indent="0" algn="l" rtl="0">
-              <a:lnSpc>
-                <a:spcPct val="100000"/>
-              </a:lnSpc>
-              <a:spcBef>
-                <a:spcPts val="0"/>
-              </a:spcBef>
-              <a:spcAft>
-                <a:spcPts val="0"/>
-              </a:spcAft>
-              <a:buClr>
-                <a:srgbClr val="000000"/>
-              </a:buClr>
-              <a:buSzPts val="1100"/>
-              <a:buFont typeface="Arial"/>
-              <a:buNone/>
-            </a:pPr>
-            <a:r>
-              <a:rPr lang="de" sz="1100" b="0" i="0" u="none" strike="noStrike" cap="none">
-                <a:solidFill>
-                  <a:schemeClr val="dk1"/>
-                </a:solidFill>
-                <a:latin typeface="Calibri"/>
-                <a:ea typeface="Calibri"/>
-                <a:cs typeface="Calibri"/>
-                <a:sym typeface="Calibri"/>
-              </a:rPr>
-              <a:t>Detailed Description: </a:t>
-            </a:r>
-            <a:endParaRPr sz="1100" b="0" i="0" u="none" strike="noStrike" cap="none">
-              <a:solidFill>
-                <a:schemeClr val="dk1"/>
-              </a:solidFill>
-              <a:latin typeface="Calibri"/>
-              <a:ea typeface="Calibri"/>
-              <a:cs typeface="Calibri"/>
-              <a:sym typeface="Calibri"/>
-            </a:endParaRPr>
-          </a:p>
-          <a:p>
-            <a:pPr marL="342900" marR="0" lvl="0" indent="-234950" algn="l" rtl="0">
-              <a:lnSpc>
-                <a:spcPct val="100000"/>
-              </a:lnSpc>
-              <a:spcBef>
-                <a:spcPts val="0"/>
-              </a:spcBef>
-              <a:spcAft>
-                <a:spcPts val="0"/>
-              </a:spcAft>
-              <a:buClr>
-                <a:schemeClr val="dk1"/>
-              </a:buClr>
-              <a:buSzPts val="1100"/>
-              <a:buFont typeface="Calibri"/>
-              <a:buChar char="-"/>
-            </a:pPr>
-            <a:endParaRPr sz="1100" b="0" i="0" u="none" strike="noStrike" cap="none">
-              <a:solidFill>
-                <a:schemeClr val="dk1"/>
-              </a:solidFill>
-              <a:latin typeface="Calibri"/>
-              <a:ea typeface="Calibri"/>
-              <a:cs typeface="Calibri"/>
-              <a:sym typeface="Calibri"/>
-            </a:endParaRPr>
-          </a:p>
-        </p:txBody>
-      </p:sp>
-    </p:spTree>
-  </p:cSld>
-  <p:clrMapOvr>
-    <a:masterClrMapping/>
-  </p:clrMapOvr>
-</p:sld>
-</file>
-
-<file path=ppt/slides/slide6.xml><?xml version="1.0" encoding="utf-8"?>
-<p:sld xmlns:a="http://schemas.openxmlformats.org/drawingml/2006/main" xmlns:r="http://schemas.openxmlformats.org/officeDocument/2006/relationships" xmlns:p="http://schemas.openxmlformats.org/presentationml/2006/main">
-  <p:cSld>
-    <p:spTree>
-      <p:nvGrpSpPr>
-        <p:cNvPr id="1" name="Shape 212"/>
-        <p:cNvGrpSpPr/>
-        <p:nvPr/>
-      </p:nvGrpSpPr>
-      <p:grpSpPr>
-        <a:xfrm>
-          <a:off x="0" y="0"/>
-          <a:ext cx="0" cy="0"/>
-          <a:chOff x="0" y="0"/>
-          <a:chExt cx="0" cy="0"/>
-        </a:xfrm>
-      </p:grpSpPr>
-      <p:sp>
-        <p:nvSpPr>
-          <p:cNvPr id="213" name="Google Shape;213;g3b636e5de4b_0_0"/>
-          <p:cNvSpPr/>
-          <p:nvPr/>
-        </p:nvSpPr>
-        <p:spPr>
-          <a:xfrm>
-            <a:off x="245556" y="997143"/>
-            <a:ext cx="2394900" cy="250200"/>
-          </a:xfrm>
-          <a:prstGeom prst="rect">
-            <a:avLst/>
-          </a:prstGeom>
-          <a:solidFill>
-            <a:schemeClr val="lt2"/>
-          </a:solidFill>
-          <a:ln w="9525" cap="flat" cmpd="sng">
-            <a:solidFill>
-              <a:schemeClr val="dk2"/>
-            </a:solidFill>
-            <a:prstDash val="solid"/>
-            <a:round/>
-            <a:headEnd type="none" w="sm" len="sm"/>
-            <a:tailEnd type="none" w="sm" len="sm"/>
-          </a:ln>
-        </p:spPr>
-        <p:txBody>
-          <a:bodyPr spcFirstLastPara="1" wrap="square" lIns="91425" tIns="91425" rIns="91425" bIns="91425" anchor="ctr" anchorCtr="0">
-            <a:noAutofit/>
-          </a:bodyPr>
-          <a:lstStyle/>
-          <a:p>
-            <a:pPr marL="0" marR="0" lvl="0" indent="0" algn="ctr" rtl="0">
-              <a:lnSpc>
-                <a:spcPct val="100000"/>
-              </a:lnSpc>
-              <a:spcBef>
-                <a:spcPts val="0"/>
-              </a:spcBef>
-              <a:spcAft>
-                <a:spcPts val="0"/>
-              </a:spcAft>
-              <a:buClr>
-                <a:srgbClr val="000000"/>
-              </a:buClr>
-              <a:buSzPts val="1400"/>
-              <a:buFont typeface="Arial"/>
-              <a:buNone/>
-            </a:pPr>
-            <a:r>
-              <a:rPr lang="de" sz="1400" b="0" i="0" u="none" strike="noStrike" cap="none">
-                <a:solidFill>
-                  <a:schemeClr val="dk1"/>
-                </a:solidFill>
-                <a:latin typeface="Calibri"/>
-                <a:ea typeface="Calibri"/>
-                <a:cs typeface="Calibri"/>
-                <a:sym typeface="Calibri"/>
-              </a:rPr>
-              <a:t>- Attack</a:t>
-            </a:r>
-            <a:r>
-              <a:rPr lang="de">
-                <a:solidFill>
-                  <a:schemeClr val="dk1"/>
-                </a:solidFill>
-                <a:latin typeface="Calibri"/>
-                <a:ea typeface="Calibri"/>
-                <a:cs typeface="Calibri"/>
-                <a:sym typeface="Calibri"/>
-              </a:rPr>
-              <a:t>/Abillity -</a:t>
-            </a:r>
-            <a:endParaRPr>
-              <a:solidFill>
-                <a:schemeClr val="dk1"/>
-              </a:solidFill>
-              <a:latin typeface="Calibri"/>
-              <a:ea typeface="Calibri"/>
-              <a:cs typeface="Calibri"/>
-              <a:sym typeface="Calibri"/>
-            </a:endParaRPr>
-          </a:p>
-        </p:txBody>
-      </p:sp>
-      <p:sp>
-        <p:nvSpPr>
-          <p:cNvPr id="214" name="Google Shape;214;g3b636e5de4b_0_0"/>
-          <p:cNvSpPr txBox="1"/>
-          <p:nvPr/>
-        </p:nvSpPr>
-        <p:spPr>
-          <a:xfrm>
-            <a:off x="245556" y="1266338"/>
-            <a:ext cx="2947800" cy="550500"/>
-          </a:xfrm>
-          <a:prstGeom prst="rect">
-            <a:avLst/>
-          </a:prstGeom>
-          <a:noFill/>
-          <a:ln>
-            <a:noFill/>
-          </a:ln>
-        </p:spPr>
-        <p:txBody>
-          <a:bodyPr spcFirstLastPara="1" wrap="square" lIns="91425" tIns="91425" rIns="91425" bIns="91425" anchor="t" anchorCtr="0">
-            <a:noAutofit/>
-          </a:bodyPr>
-          <a:lstStyle/>
-          <a:p>
-            <a:pPr marL="0" marR="0" lvl="0" indent="0" algn="l" rtl="0">
-              <a:lnSpc>
-                <a:spcPct val="100000"/>
-              </a:lnSpc>
-              <a:spcBef>
-                <a:spcPts val="0"/>
-              </a:spcBef>
-              <a:spcAft>
-                <a:spcPts val="0"/>
-              </a:spcAft>
-              <a:buClr>
-                <a:srgbClr val="000000"/>
-              </a:buClr>
-              <a:buSzPts val="1100"/>
-              <a:buFont typeface="Arial"/>
-              <a:buNone/>
-            </a:pPr>
-            <a:r>
-              <a:rPr lang="de" sz="1100" b="0" i="0" u="none" strike="noStrike" cap="none">
-                <a:solidFill>
-                  <a:schemeClr val="dk1"/>
-                </a:solidFill>
-                <a:latin typeface="Calibri"/>
-                <a:ea typeface="Calibri"/>
-                <a:cs typeface="Calibri"/>
-                <a:sym typeface="Calibri"/>
-              </a:rPr>
-              <a:t>- </a:t>
-            </a:r>
-            <a:endParaRPr sz="1800" b="0" i="0" u="none" strike="noStrike" cap="none">
-              <a:solidFill>
-                <a:schemeClr val="dk1"/>
-              </a:solidFill>
-              <a:latin typeface="Calibri"/>
-              <a:ea typeface="Calibri"/>
-              <a:cs typeface="Calibri"/>
-              <a:sym typeface="Calibri"/>
-            </a:endParaRPr>
-          </a:p>
-        </p:txBody>
-      </p:sp>
-      <p:grpSp>
-        <p:nvGrpSpPr>
-          <p:cNvPr id="215" name="Google Shape;215;g3b636e5de4b_0_0"/>
-          <p:cNvGrpSpPr/>
-          <p:nvPr/>
-        </p:nvGrpSpPr>
-        <p:grpSpPr>
-          <a:xfrm>
-            <a:off x="27169" y="24983"/>
-            <a:ext cx="2858365" cy="550436"/>
-            <a:chOff x="0" y="214638"/>
-            <a:chExt cx="3107932" cy="815582"/>
-          </a:xfrm>
-        </p:grpSpPr>
-        <p:grpSp>
-          <p:nvGrpSpPr>
-            <p:cNvPr id="216" name="Google Shape;216;g3b636e5de4b_0_0"/>
-            <p:cNvGrpSpPr/>
-            <p:nvPr/>
-          </p:nvGrpSpPr>
-          <p:grpSpPr>
-            <a:xfrm>
-              <a:off x="0" y="291855"/>
-              <a:ext cx="3107932" cy="738365"/>
-              <a:chOff x="0" y="225393"/>
-              <a:chExt cx="3076856" cy="738365"/>
-            </a:xfrm>
-          </p:grpSpPr>
-          <p:sp>
-            <p:nvSpPr>
-              <p:cNvPr id="217" name="Google Shape;217;g3b636e5de4b_0_0"/>
-              <p:cNvSpPr/>
-              <p:nvPr/>
-            </p:nvSpPr>
-            <p:spPr>
-              <a:xfrm>
-                <a:off x="0" y="225393"/>
-                <a:ext cx="2275500" cy="738300"/>
-              </a:xfrm>
-              <a:prstGeom prst="rect">
-                <a:avLst/>
-              </a:prstGeom>
-              <a:solidFill>
-                <a:srgbClr val="5562EB"/>
-              </a:solidFill>
-              <a:ln>
-                <a:noFill/>
-              </a:ln>
-            </p:spPr>
-            <p:txBody>
-              <a:bodyPr spcFirstLastPara="1" wrap="square" lIns="91425" tIns="91425" rIns="91425" bIns="91425" anchor="ctr" anchorCtr="0">
-                <a:noAutofit/>
-              </a:bodyPr>
-              <a:lstStyle/>
-              <a:p>
-                <a:pPr marL="0" marR="0" lvl="0" indent="0" algn="ctr" rtl="0">
-                  <a:lnSpc>
-                    <a:spcPct val="100000"/>
-                  </a:lnSpc>
-                  <a:spcBef>
-                    <a:spcPts val="0"/>
-                  </a:spcBef>
-                  <a:spcAft>
-                    <a:spcPts val="0"/>
-                  </a:spcAft>
-                  <a:buClr>
-                    <a:schemeClr val="dk1"/>
-                  </a:buClr>
-                  <a:buSzPts val="1400"/>
-                  <a:buFont typeface="Calibri"/>
-                  <a:buNone/>
-                </a:pPr>
-                <a:endParaRPr sz="1400" b="0" i="0" u="none" strike="noStrike" cap="none">
-                  <a:solidFill>
-                    <a:schemeClr val="dk1"/>
-                  </a:solidFill>
-                  <a:latin typeface="Montserrat"/>
-                  <a:ea typeface="Montserrat"/>
-                  <a:cs typeface="Montserrat"/>
-                  <a:sym typeface="Montserrat"/>
-                </a:endParaRPr>
-              </a:p>
-            </p:txBody>
-          </p:sp>
-          <p:sp>
-            <p:nvSpPr>
-              <p:cNvPr id="218" name="Google Shape;218;g3b636e5de4b_0_0"/>
-              <p:cNvSpPr/>
-              <p:nvPr/>
-            </p:nvSpPr>
-            <p:spPr>
-              <a:xfrm>
-                <a:off x="1938759" y="225393"/>
-                <a:ext cx="1138097" cy="738365"/>
-              </a:xfrm>
-              <a:prstGeom prst="flowChartInputOutput">
-                <a:avLst/>
-              </a:prstGeom>
-              <a:solidFill>
-                <a:srgbClr val="5562EB"/>
-              </a:solidFill>
-              <a:ln>
-                <a:noFill/>
-              </a:ln>
-            </p:spPr>
-            <p:txBody>
-              <a:bodyPr spcFirstLastPara="1" wrap="square" lIns="91425" tIns="91425" rIns="91425" bIns="91425" anchor="ctr" anchorCtr="0">
-                <a:noAutofit/>
-              </a:bodyPr>
-              <a:lstStyle/>
-              <a:p>
-                <a:pPr marL="0" marR="0" lvl="0" indent="0" algn="ctr" rtl="0">
-                  <a:lnSpc>
-                    <a:spcPct val="100000"/>
-                  </a:lnSpc>
-                  <a:spcBef>
-                    <a:spcPts val="0"/>
-                  </a:spcBef>
-                  <a:spcAft>
-                    <a:spcPts val="0"/>
-                  </a:spcAft>
-                  <a:buClr>
-                    <a:schemeClr val="dk1"/>
-                  </a:buClr>
-                  <a:buSzPts val="1400"/>
-                  <a:buFont typeface="Calibri"/>
-                  <a:buNone/>
-                </a:pPr>
-                <a:endParaRPr sz="1400" b="0" i="0" u="none" strike="noStrike" cap="none">
-                  <a:solidFill>
-                    <a:schemeClr val="dk1"/>
-                  </a:solidFill>
-                  <a:latin typeface="Montserrat"/>
-                  <a:ea typeface="Montserrat"/>
-                  <a:cs typeface="Montserrat"/>
-                  <a:sym typeface="Montserrat"/>
-                </a:endParaRPr>
-              </a:p>
-            </p:txBody>
-          </p:sp>
-        </p:grpSp>
-        <p:grpSp>
-          <p:nvGrpSpPr>
-            <p:cNvPr id="219" name="Google Shape;219;g3b636e5de4b_0_0"/>
-            <p:cNvGrpSpPr/>
-            <p:nvPr/>
-          </p:nvGrpSpPr>
-          <p:grpSpPr>
-            <a:xfrm>
-              <a:off x="0" y="214638"/>
-              <a:ext cx="3047301" cy="738365"/>
-              <a:chOff x="0" y="214638"/>
-              <a:chExt cx="3047301" cy="738365"/>
-            </a:xfrm>
-          </p:grpSpPr>
-          <p:sp>
-            <p:nvSpPr>
-              <p:cNvPr id="220" name="Google Shape;220;g3b636e5de4b_0_0"/>
-              <p:cNvSpPr/>
-              <p:nvPr/>
-            </p:nvSpPr>
-            <p:spPr>
-              <a:xfrm>
-                <a:off x="0" y="214638"/>
-                <a:ext cx="2275500" cy="738300"/>
-              </a:xfrm>
-              <a:prstGeom prst="rect">
-                <a:avLst/>
-              </a:prstGeom>
-              <a:solidFill>
-                <a:srgbClr val="152044"/>
-              </a:solidFill>
-              <a:ln>
-                <a:noFill/>
-              </a:ln>
-            </p:spPr>
-            <p:txBody>
-              <a:bodyPr spcFirstLastPara="1" wrap="square" lIns="91425" tIns="91425" rIns="91425" bIns="91425" anchor="ctr" anchorCtr="0">
-                <a:noAutofit/>
-              </a:bodyPr>
-              <a:lstStyle/>
-              <a:p>
-                <a:pPr marL="0" marR="0" lvl="0" indent="0" algn="ctr" rtl="0">
-                  <a:lnSpc>
-                    <a:spcPct val="100000"/>
-                  </a:lnSpc>
-                  <a:spcBef>
-                    <a:spcPts val="0"/>
-                  </a:spcBef>
-                  <a:spcAft>
-                    <a:spcPts val="0"/>
-                  </a:spcAft>
-                  <a:buClr>
-                    <a:schemeClr val="dk1"/>
-                  </a:buClr>
-                  <a:buSzPts val="1400"/>
-                  <a:buFont typeface="Calibri"/>
-                  <a:buNone/>
-                </a:pPr>
-                <a:endParaRPr sz="1400" b="0" i="0" u="none" strike="noStrike" cap="none">
-                  <a:solidFill>
-                    <a:schemeClr val="dk1"/>
-                  </a:solidFill>
-                  <a:latin typeface="Montserrat"/>
-                  <a:ea typeface="Montserrat"/>
-                  <a:cs typeface="Montserrat"/>
-                  <a:sym typeface="Montserrat"/>
-                </a:endParaRPr>
-              </a:p>
-            </p:txBody>
-          </p:sp>
-          <p:sp>
-            <p:nvSpPr>
-              <p:cNvPr id="221" name="Google Shape;221;g3b636e5de4b_0_0"/>
-              <p:cNvSpPr/>
-              <p:nvPr/>
-            </p:nvSpPr>
-            <p:spPr>
-              <a:xfrm>
-                <a:off x="1909204" y="214638"/>
-                <a:ext cx="1138097" cy="738365"/>
-              </a:xfrm>
-              <a:prstGeom prst="flowChartInputOutput">
-                <a:avLst/>
-              </a:prstGeom>
-              <a:solidFill>
-                <a:srgbClr val="152044"/>
-              </a:solidFill>
-              <a:ln>
-                <a:noFill/>
-              </a:ln>
-            </p:spPr>
-            <p:txBody>
-              <a:bodyPr spcFirstLastPara="1" wrap="square" lIns="91425" tIns="91425" rIns="91425" bIns="91425" anchor="ctr" anchorCtr="0">
-                <a:noAutofit/>
-              </a:bodyPr>
-              <a:lstStyle/>
-              <a:p>
-                <a:pPr marL="0" marR="0" lvl="0" indent="0" algn="ctr" rtl="0">
-                  <a:lnSpc>
-                    <a:spcPct val="100000"/>
-                  </a:lnSpc>
-                  <a:spcBef>
-                    <a:spcPts val="0"/>
-                  </a:spcBef>
-                  <a:spcAft>
-                    <a:spcPts val="0"/>
-                  </a:spcAft>
-                  <a:buClr>
-                    <a:schemeClr val="dk1"/>
-                  </a:buClr>
-                  <a:buSzPts val="1400"/>
-                  <a:buFont typeface="Calibri"/>
-                  <a:buNone/>
-                </a:pPr>
-                <a:endParaRPr sz="1400" b="0" i="0" u="none" strike="noStrike" cap="none">
-                  <a:solidFill>
-                    <a:schemeClr val="dk1"/>
-                  </a:solidFill>
-                  <a:latin typeface="Montserrat"/>
-                  <a:ea typeface="Montserrat"/>
-                  <a:cs typeface="Montserrat"/>
-                  <a:sym typeface="Montserrat"/>
-                </a:endParaRPr>
-              </a:p>
-            </p:txBody>
-          </p:sp>
-        </p:grpSp>
-      </p:grpSp>
-      <p:sp>
-        <p:nvSpPr>
-          <p:cNvPr id="222" name="Google Shape;222;g3b636e5de4b_0_0"/>
-          <p:cNvSpPr txBox="1"/>
-          <p:nvPr/>
-        </p:nvSpPr>
-        <p:spPr>
-          <a:xfrm flipH="1">
-            <a:off x="50585" y="-232050"/>
-            <a:ext cx="2838000" cy="873300"/>
-          </a:xfrm>
-          <a:prstGeom prst="rect">
-            <a:avLst/>
-          </a:prstGeom>
-          <a:noFill/>
-          <a:ln>
-            <a:noFill/>
-          </a:ln>
-        </p:spPr>
-        <p:txBody>
-          <a:bodyPr spcFirstLastPara="1" wrap="square" lIns="68575" tIns="34275" rIns="68575" bIns="34275" anchor="ctr" anchorCtr="0">
-            <a:noAutofit/>
-          </a:bodyPr>
-          <a:lstStyle/>
-          <a:p>
-            <a:pPr marL="0" marR="0" lvl="0" indent="0" algn="l" rtl="0">
-              <a:lnSpc>
-                <a:spcPct val="115000"/>
-              </a:lnSpc>
-              <a:spcBef>
-                <a:spcPts val="0"/>
-              </a:spcBef>
-              <a:spcAft>
-                <a:spcPts val="0"/>
-              </a:spcAft>
-              <a:buClr>
-                <a:schemeClr val="lt1"/>
-              </a:buClr>
-              <a:buSzPts val="1800"/>
-              <a:buFont typeface="Montserrat ExtraBold"/>
-              <a:buNone/>
-            </a:pPr>
-            <a:r>
-              <a:rPr lang="de" sz="1800" b="0" i="0" u="none" strike="noStrike" cap="none">
-                <a:solidFill>
-                  <a:schemeClr val="lt1"/>
-                </a:solidFill>
-                <a:latin typeface="Montserrat ExtraBold"/>
-                <a:ea typeface="Montserrat ExtraBold"/>
-                <a:cs typeface="Montserrat ExtraBold"/>
-                <a:sym typeface="Montserrat ExtraBold"/>
-              </a:rPr>
-              <a:t>Attacks </a:t>
-            </a:r>
-            <a:r>
-              <a:rPr lang="de" sz="1800">
-                <a:solidFill>
-                  <a:schemeClr val="lt1"/>
-                </a:solidFill>
-                <a:latin typeface="Montserrat ExtraBold"/>
-                <a:ea typeface="Montserrat ExtraBold"/>
-                <a:cs typeface="Montserrat ExtraBold"/>
-                <a:sym typeface="Montserrat ExtraBold"/>
-              </a:rPr>
-              <a:t>&amp; Abillities</a:t>
-            </a:r>
-            <a:endParaRPr sz="1100" b="0" i="0" u="none" strike="noStrike" cap="none">
-              <a:solidFill>
-                <a:srgbClr val="000000"/>
-              </a:solidFill>
-              <a:latin typeface="Arial"/>
-              <a:ea typeface="Arial"/>
-              <a:cs typeface="Arial"/>
-              <a:sym typeface="Arial"/>
-            </a:endParaRPr>
-          </a:p>
-        </p:txBody>
-      </p:sp>
-      <p:sp>
-        <p:nvSpPr>
-          <p:cNvPr id="223" name="Google Shape;223;g3b636e5de4b_0_0"/>
-          <p:cNvSpPr/>
-          <p:nvPr/>
-        </p:nvSpPr>
-        <p:spPr>
-          <a:xfrm>
-            <a:off x="2885531" y="997143"/>
-            <a:ext cx="2394900" cy="250200"/>
-          </a:xfrm>
-          <a:prstGeom prst="rect">
-            <a:avLst/>
-          </a:prstGeom>
-          <a:solidFill>
-            <a:schemeClr val="lt2"/>
-          </a:solidFill>
-          <a:ln w="9525" cap="flat" cmpd="sng">
-            <a:solidFill>
-              <a:schemeClr val="dk2"/>
-            </a:solidFill>
-            <a:prstDash val="solid"/>
-            <a:round/>
-            <a:headEnd type="none" w="sm" len="sm"/>
-            <a:tailEnd type="none" w="sm" len="sm"/>
-          </a:ln>
-        </p:spPr>
-        <p:txBody>
-          <a:bodyPr spcFirstLastPara="1" wrap="square" lIns="91425" tIns="91425" rIns="91425" bIns="91425" anchor="ctr" anchorCtr="0">
-            <a:noAutofit/>
-          </a:bodyPr>
-          <a:lstStyle/>
-          <a:p>
-            <a:pPr marL="0" marR="0" lvl="0" indent="0" algn="ctr" rtl="0">
-              <a:lnSpc>
-                <a:spcPct val="100000"/>
-              </a:lnSpc>
-              <a:spcBef>
-                <a:spcPts val="0"/>
-              </a:spcBef>
-              <a:spcAft>
-                <a:spcPts val="0"/>
-              </a:spcAft>
-              <a:buClr>
-                <a:srgbClr val="000000"/>
-              </a:buClr>
-              <a:buSzPts val="1400"/>
-              <a:buFont typeface="Arial"/>
-              <a:buNone/>
-            </a:pPr>
-            <a:r>
-              <a:rPr lang="de" sz="1400" b="0" i="0" u="none" strike="noStrike" cap="none">
-                <a:solidFill>
-                  <a:schemeClr val="dk1"/>
-                </a:solidFill>
-                <a:latin typeface="Calibri"/>
-                <a:ea typeface="Calibri"/>
-                <a:cs typeface="Calibri"/>
-                <a:sym typeface="Calibri"/>
-              </a:rPr>
-              <a:t>- Attack</a:t>
-            </a:r>
-            <a:r>
-              <a:rPr lang="de">
-                <a:solidFill>
-                  <a:schemeClr val="dk1"/>
-                </a:solidFill>
-                <a:latin typeface="Calibri"/>
-                <a:ea typeface="Calibri"/>
-                <a:cs typeface="Calibri"/>
-                <a:sym typeface="Calibri"/>
-              </a:rPr>
-              <a:t>/Abillity -</a:t>
-            </a:r>
-            <a:endParaRPr>
-              <a:solidFill>
-                <a:schemeClr val="dk1"/>
-              </a:solidFill>
-              <a:latin typeface="Calibri"/>
-              <a:ea typeface="Calibri"/>
-              <a:cs typeface="Calibri"/>
-              <a:sym typeface="Calibri"/>
-            </a:endParaRPr>
-          </a:p>
-        </p:txBody>
-      </p:sp>
-      <p:sp>
-        <p:nvSpPr>
-          <p:cNvPr id="224" name="Google Shape;224;g3b636e5de4b_0_0"/>
-          <p:cNvSpPr txBox="1"/>
-          <p:nvPr/>
-        </p:nvSpPr>
-        <p:spPr>
-          <a:xfrm>
-            <a:off x="2885531" y="1266338"/>
-            <a:ext cx="2947800" cy="550500"/>
-          </a:xfrm>
-          <a:prstGeom prst="rect">
-            <a:avLst/>
-          </a:prstGeom>
-          <a:noFill/>
-          <a:ln>
-            <a:noFill/>
-          </a:ln>
-        </p:spPr>
-        <p:txBody>
-          <a:bodyPr spcFirstLastPara="1" wrap="square" lIns="91425" tIns="91425" rIns="91425" bIns="91425" anchor="t" anchorCtr="0">
-            <a:noAutofit/>
-          </a:bodyPr>
-          <a:lstStyle/>
-          <a:p>
-            <a:pPr marL="0" marR="0" lvl="0" indent="0" algn="l" rtl="0">
-              <a:lnSpc>
-                <a:spcPct val="100000"/>
-              </a:lnSpc>
-              <a:spcBef>
-                <a:spcPts val="0"/>
-              </a:spcBef>
-              <a:spcAft>
-                <a:spcPts val="0"/>
-              </a:spcAft>
-              <a:buClr>
-                <a:srgbClr val="000000"/>
-              </a:buClr>
-              <a:buSzPts val="1100"/>
-              <a:buFont typeface="Arial"/>
-              <a:buNone/>
-            </a:pPr>
-            <a:r>
-              <a:rPr lang="de" sz="1100" b="0" i="0" u="none" strike="noStrike" cap="none">
-                <a:solidFill>
-                  <a:schemeClr val="dk1"/>
-                </a:solidFill>
-                <a:latin typeface="Calibri"/>
-                <a:ea typeface="Calibri"/>
-                <a:cs typeface="Calibri"/>
-                <a:sym typeface="Calibri"/>
-              </a:rPr>
-              <a:t>- </a:t>
-            </a:r>
-            <a:endParaRPr sz="1800" b="0" i="0" u="none" strike="noStrike" cap="none">
-              <a:solidFill>
-                <a:schemeClr val="dk1"/>
-              </a:solidFill>
-              <a:latin typeface="Calibri"/>
-              <a:ea typeface="Calibri"/>
-              <a:cs typeface="Calibri"/>
-              <a:sym typeface="Calibri"/>
-            </a:endParaRPr>
-          </a:p>
-        </p:txBody>
-      </p:sp>
-      <p:sp>
-        <p:nvSpPr>
-          <p:cNvPr id="225" name="Google Shape;225;g3b636e5de4b_0_0"/>
-          <p:cNvSpPr/>
-          <p:nvPr/>
-        </p:nvSpPr>
-        <p:spPr>
-          <a:xfrm>
-            <a:off x="5525506" y="997143"/>
-            <a:ext cx="2394900" cy="250200"/>
-          </a:xfrm>
-          <a:prstGeom prst="rect">
-            <a:avLst/>
-          </a:prstGeom>
-          <a:solidFill>
-            <a:schemeClr val="lt2"/>
-          </a:solidFill>
-          <a:ln w="9525" cap="flat" cmpd="sng">
-            <a:solidFill>
-              <a:schemeClr val="dk2"/>
-            </a:solidFill>
-            <a:prstDash val="solid"/>
-            <a:round/>
-            <a:headEnd type="none" w="sm" len="sm"/>
-            <a:tailEnd type="none" w="sm" len="sm"/>
-          </a:ln>
-        </p:spPr>
-        <p:txBody>
-          <a:bodyPr spcFirstLastPara="1" wrap="square" lIns="91425" tIns="91425" rIns="91425" bIns="91425" anchor="ctr" anchorCtr="0">
-            <a:noAutofit/>
-          </a:bodyPr>
-          <a:lstStyle/>
-          <a:p>
-            <a:pPr marL="0" marR="0" lvl="0" indent="0" algn="ctr" rtl="0">
-              <a:lnSpc>
-                <a:spcPct val="100000"/>
-              </a:lnSpc>
-              <a:spcBef>
-                <a:spcPts val="0"/>
-              </a:spcBef>
-              <a:spcAft>
-                <a:spcPts val="0"/>
-              </a:spcAft>
-              <a:buClr>
-                <a:srgbClr val="000000"/>
-              </a:buClr>
-              <a:buSzPts val="1400"/>
-              <a:buFont typeface="Arial"/>
-              <a:buNone/>
-            </a:pPr>
-            <a:r>
-              <a:rPr lang="de" sz="1400" b="0" i="0" u="none" strike="noStrike" cap="none">
-                <a:solidFill>
-                  <a:schemeClr val="dk1"/>
-                </a:solidFill>
-                <a:latin typeface="Calibri"/>
-                <a:ea typeface="Calibri"/>
-                <a:cs typeface="Calibri"/>
-                <a:sym typeface="Calibri"/>
-              </a:rPr>
-              <a:t>- Attack</a:t>
-            </a:r>
-            <a:r>
-              <a:rPr lang="de">
-                <a:solidFill>
-                  <a:schemeClr val="dk1"/>
-                </a:solidFill>
-                <a:latin typeface="Calibri"/>
-                <a:ea typeface="Calibri"/>
-                <a:cs typeface="Calibri"/>
-                <a:sym typeface="Calibri"/>
-              </a:rPr>
-              <a:t>/Abillity -</a:t>
-            </a:r>
-            <a:endParaRPr>
-              <a:solidFill>
-                <a:schemeClr val="dk1"/>
-              </a:solidFill>
-              <a:latin typeface="Calibri"/>
-              <a:ea typeface="Calibri"/>
-              <a:cs typeface="Calibri"/>
-              <a:sym typeface="Calibri"/>
-            </a:endParaRPr>
-          </a:p>
-        </p:txBody>
-      </p:sp>
-      <p:sp>
-        <p:nvSpPr>
-          <p:cNvPr id="226" name="Google Shape;226;g3b636e5de4b_0_0"/>
-          <p:cNvSpPr txBox="1"/>
-          <p:nvPr/>
-        </p:nvSpPr>
-        <p:spPr>
-          <a:xfrm>
-            <a:off x="5525506" y="1266338"/>
-            <a:ext cx="2947800" cy="550500"/>
-          </a:xfrm>
-          <a:prstGeom prst="rect">
-            <a:avLst/>
-          </a:prstGeom>
-          <a:noFill/>
-          <a:ln>
-            <a:noFill/>
-          </a:ln>
-        </p:spPr>
-        <p:txBody>
-          <a:bodyPr spcFirstLastPara="1" wrap="square" lIns="91425" tIns="91425" rIns="91425" bIns="91425" anchor="t" anchorCtr="0">
-            <a:noAutofit/>
-          </a:bodyPr>
-          <a:lstStyle/>
-          <a:p>
-            <a:pPr marL="0" marR="0" lvl="0" indent="0" algn="l" rtl="0">
-              <a:lnSpc>
-                <a:spcPct val="100000"/>
-              </a:lnSpc>
-              <a:spcBef>
-                <a:spcPts val="0"/>
-              </a:spcBef>
-              <a:spcAft>
-                <a:spcPts val="0"/>
-              </a:spcAft>
-              <a:buClr>
-                <a:srgbClr val="000000"/>
-              </a:buClr>
-              <a:buSzPts val="1100"/>
-              <a:buFont typeface="Arial"/>
-              <a:buNone/>
-            </a:pPr>
-            <a:r>
-              <a:rPr lang="de" sz="1100" b="0" i="0" u="none" strike="noStrike" cap="none">
-                <a:solidFill>
-                  <a:schemeClr val="dk1"/>
-                </a:solidFill>
-                <a:latin typeface="Calibri"/>
-                <a:ea typeface="Calibri"/>
-                <a:cs typeface="Calibri"/>
-                <a:sym typeface="Calibri"/>
-              </a:rPr>
-              <a:t>- </a:t>
-            </a:r>
-            <a:endParaRPr sz="1800" b="0" i="0" u="none" strike="noStrike" cap="none">
-              <a:solidFill>
-                <a:schemeClr val="dk1"/>
-              </a:solidFill>
-              <a:latin typeface="Calibri"/>
-              <a:ea typeface="Calibri"/>
-              <a:cs typeface="Calibri"/>
-              <a:sym typeface="Calibri"/>
-            </a:endParaRPr>
-          </a:p>
-        </p:txBody>
-      </p:sp>
-      <p:sp>
-        <p:nvSpPr>
-          <p:cNvPr id="227" name="Google Shape;227;g3b636e5de4b_0_0"/>
-          <p:cNvSpPr/>
-          <p:nvPr/>
-        </p:nvSpPr>
-        <p:spPr>
-          <a:xfrm>
-            <a:off x="245556" y="2571743"/>
-            <a:ext cx="2394900" cy="250200"/>
-          </a:xfrm>
-          <a:prstGeom prst="rect">
-            <a:avLst/>
-          </a:prstGeom>
-          <a:solidFill>
-            <a:schemeClr val="lt2"/>
-          </a:solidFill>
-          <a:ln w="9525" cap="flat" cmpd="sng">
-            <a:solidFill>
-              <a:schemeClr val="dk2"/>
-            </a:solidFill>
-            <a:prstDash val="solid"/>
-            <a:round/>
-            <a:headEnd type="none" w="sm" len="sm"/>
-            <a:tailEnd type="none" w="sm" len="sm"/>
-          </a:ln>
-        </p:spPr>
-        <p:txBody>
-          <a:bodyPr spcFirstLastPara="1" wrap="square" lIns="91425" tIns="91425" rIns="91425" bIns="91425" anchor="ctr" anchorCtr="0">
-            <a:noAutofit/>
-          </a:bodyPr>
-          <a:lstStyle/>
-          <a:p>
-            <a:pPr marL="0" marR="0" lvl="0" indent="0" algn="ctr" rtl="0">
-              <a:lnSpc>
-                <a:spcPct val="100000"/>
-              </a:lnSpc>
-              <a:spcBef>
-                <a:spcPts val="0"/>
-              </a:spcBef>
-              <a:spcAft>
-                <a:spcPts val="0"/>
-              </a:spcAft>
-              <a:buClr>
-                <a:srgbClr val="000000"/>
-              </a:buClr>
-              <a:buSzPts val="1400"/>
-              <a:buFont typeface="Arial"/>
-              <a:buNone/>
-            </a:pPr>
-            <a:r>
-              <a:rPr lang="de" sz="1400" b="0" i="0" u="none" strike="noStrike" cap="none">
-                <a:solidFill>
-                  <a:schemeClr val="dk1"/>
-                </a:solidFill>
-                <a:latin typeface="Calibri"/>
-                <a:ea typeface="Calibri"/>
-                <a:cs typeface="Calibri"/>
-                <a:sym typeface="Calibri"/>
-              </a:rPr>
-              <a:t>- Attack</a:t>
-            </a:r>
-            <a:r>
-              <a:rPr lang="de">
-                <a:solidFill>
-                  <a:schemeClr val="dk1"/>
-                </a:solidFill>
-                <a:latin typeface="Calibri"/>
-                <a:ea typeface="Calibri"/>
-                <a:cs typeface="Calibri"/>
-                <a:sym typeface="Calibri"/>
-              </a:rPr>
-              <a:t>/Abillity -</a:t>
-            </a:r>
-            <a:endParaRPr>
-              <a:solidFill>
-                <a:schemeClr val="dk1"/>
-              </a:solidFill>
-              <a:latin typeface="Calibri"/>
-              <a:ea typeface="Calibri"/>
-              <a:cs typeface="Calibri"/>
-              <a:sym typeface="Calibri"/>
-            </a:endParaRPr>
-          </a:p>
-        </p:txBody>
-      </p:sp>
-      <p:sp>
-        <p:nvSpPr>
-          <p:cNvPr id="228" name="Google Shape;228;g3b636e5de4b_0_0"/>
-          <p:cNvSpPr txBox="1"/>
-          <p:nvPr/>
-        </p:nvSpPr>
-        <p:spPr>
-          <a:xfrm>
-            <a:off x="245556" y="2840938"/>
-            <a:ext cx="2947800" cy="550500"/>
-          </a:xfrm>
-          <a:prstGeom prst="rect">
-            <a:avLst/>
-          </a:prstGeom>
-          <a:noFill/>
-          <a:ln>
-            <a:noFill/>
-          </a:ln>
-        </p:spPr>
-        <p:txBody>
-          <a:bodyPr spcFirstLastPara="1" wrap="square" lIns="91425" tIns="91425" rIns="91425" bIns="91425" anchor="t" anchorCtr="0">
-            <a:noAutofit/>
-          </a:bodyPr>
-          <a:lstStyle/>
-          <a:p>
-            <a:pPr marL="0" marR="0" lvl="0" indent="0" algn="l" rtl="0">
-              <a:lnSpc>
-                <a:spcPct val="100000"/>
-              </a:lnSpc>
-              <a:spcBef>
-                <a:spcPts val="0"/>
-              </a:spcBef>
-              <a:spcAft>
-                <a:spcPts val="0"/>
-              </a:spcAft>
-              <a:buClr>
-                <a:srgbClr val="000000"/>
-              </a:buClr>
-              <a:buSzPts val="1100"/>
-              <a:buFont typeface="Arial"/>
-              <a:buNone/>
-            </a:pPr>
-            <a:r>
-              <a:rPr lang="de" sz="1100" b="0" i="0" u="none" strike="noStrike" cap="none">
-                <a:solidFill>
-                  <a:schemeClr val="dk1"/>
-                </a:solidFill>
-                <a:latin typeface="Calibri"/>
-                <a:ea typeface="Calibri"/>
-                <a:cs typeface="Calibri"/>
-                <a:sym typeface="Calibri"/>
-              </a:rPr>
-              <a:t>- </a:t>
-            </a:r>
-            <a:endParaRPr sz="1800" b="0" i="0" u="none" strike="noStrike" cap="none">
-              <a:solidFill>
-                <a:schemeClr val="dk1"/>
-              </a:solidFill>
-              <a:latin typeface="Calibri"/>
-              <a:ea typeface="Calibri"/>
-              <a:cs typeface="Calibri"/>
-              <a:sym typeface="Calibri"/>
-            </a:endParaRPr>
-          </a:p>
-        </p:txBody>
-      </p:sp>
-      <p:sp>
-        <p:nvSpPr>
-          <p:cNvPr id="229" name="Google Shape;229;g3b636e5de4b_0_0"/>
-          <p:cNvSpPr/>
-          <p:nvPr/>
-        </p:nvSpPr>
-        <p:spPr>
-          <a:xfrm>
-            <a:off x="2885531" y="2571743"/>
-            <a:ext cx="2394900" cy="250200"/>
-          </a:xfrm>
-          <a:prstGeom prst="rect">
-            <a:avLst/>
-          </a:prstGeom>
-          <a:solidFill>
-            <a:schemeClr val="lt2"/>
-          </a:solidFill>
-          <a:ln w="9525" cap="flat" cmpd="sng">
-            <a:solidFill>
-              <a:schemeClr val="dk2"/>
-            </a:solidFill>
-            <a:prstDash val="solid"/>
-            <a:round/>
-            <a:headEnd type="none" w="sm" len="sm"/>
-            <a:tailEnd type="none" w="sm" len="sm"/>
-          </a:ln>
-        </p:spPr>
-        <p:txBody>
-          <a:bodyPr spcFirstLastPara="1" wrap="square" lIns="91425" tIns="91425" rIns="91425" bIns="91425" anchor="ctr" anchorCtr="0">
-            <a:noAutofit/>
-          </a:bodyPr>
-          <a:lstStyle/>
-          <a:p>
-            <a:pPr marL="0" marR="0" lvl="0" indent="0" algn="ctr" rtl="0">
-              <a:lnSpc>
-                <a:spcPct val="100000"/>
-              </a:lnSpc>
-              <a:spcBef>
-                <a:spcPts val="0"/>
-              </a:spcBef>
-              <a:spcAft>
-                <a:spcPts val="0"/>
-              </a:spcAft>
-              <a:buClr>
-                <a:srgbClr val="000000"/>
-              </a:buClr>
-              <a:buSzPts val="1400"/>
-              <a:buFont typeface="Arial"/>
-              <a:buNone/>
-            </a:pPr>
-            <a:r>
-              <a:rPr lang="de" sz="1400" b="0" i="0" u="none" strike="noStrike" cap="none">
-                <a:solidFill>
-                  <a:schemeClr val="dk1"/>
-                </a:solidFill>
-                <a:latin typeface="Calibri"/>
-                <a:ea typeface="Calibri"/>
-                <a:cs typeface="Calibri"/>
-                <a:sym typeface="Calibri"/>
-              </a:rPr>
-              <a:t>- Attack</a:t>
-            </a:r>
-            <a:r>
-              <a:rPr lang="de">
-                <a:solidFill>
-                  <a:schemeClr val="dk1"/>
-                </a:solidFill>
-                <a:latin typeface="Calibri"/>
-                <a:ea typeface="Calibri"/>
-                <a:cs typeface="Calibri"/>
-                <a:sym typeface="Calibri"/>
-              </a:rPr>
-              <a:t>/Abillity -</a:t>
-            </a:r>
-            <a:endParaRPr>
-              <a:solidFill>
-                <a:schemeClr val="dk1"/>
-              </a:solidFill>
-              <a:latin typeface="Calibri"/>
-              <a:ea typeface="Calibri"/>
-              <a:cs typeface="Calibri"/>
-              <a:sym typeface="Calibri"/>
-            </a:endParaRPr>
-          </a:p>
-        </p:txBody>
-      </p:sp>
-      <p:sp>
-        <p:nvSpPr>
-          <p:cNvPr id="230" name="Google Shape;230;g3b636e5de4b_0_0"/>
-          <p:cNvSpPr txBox="1"/>
-          <p:nvPr/>
-        </p:nvSpPr>
-        <p:spPr>
-          <a:xfrm>
-            <a:off x="2885531" y="2840938"/>
-            <a:ext cx="2947800" cy="550500"/>
-          </a:xfrm>
-          <a:prstGeom prst="rect">
-            <a:avLst/>
-          </a:prstGeom>
-          <a:noFill/>
-          <a:ln>
-            <a:noFill/>
-          </a:ln>
-        </p:spPr>
-        <p:txBody>
-          <a:bodyPr spcFirstLastPara="1" wrap="square" lIns="91425" tIns="91425" rIns="91425" bIns="91425" anchor="t" anchorCtr="0">
-            <a:noAutofit/>
-          </a:bodyPr>
-          <a:lstStyle/>
-          <a:p>
-            <a:pPr marL="0" marR="0" lvl="0" indent="0" algn="l" rtl="0">
-              <a:lnSpc>
-                <a:spcPct val="100000"/>
-              </a:lnSpc>
-              <a:spcBef>
-                <a:spcPts val="0"/>
-              </a:spcBef>
-              <a:spcAft>
-                <a:spcPts val="0"/>
-              </a:spcAft>
-              <a:buClr>
-                <a:srgbClr val="000000"/>
-              </a:buClr>
-              <a:buSzPts val="1100"/>
-              <a:buFont typeface="Arial"/>
-              <a:buNone/>
-            </a:pPr>
-            <a:r>
-              <a:rPr lang="de" sz="1100" b="0" i="0" u="none" strike="noStrike" cap="none">
-                <a:solidFill>
-                  <a:schemeClr val="dk1"/>
-                </a:solidFill>
-                <a:latin typeface="Calibri"/>
-                <a:ea typeface="Calibri"/>
-                <a:cs typeface="Calibri"/>
-                <a:sym typeface="Calibri"/>
-              </a:rPr>
-              <a:t>- </a:t>
-            </a:r>
-            <a:endParaRPr sz="1800" b="0" i="0" u="none" strike="noStrike" cap="none">
-              <a:solidFill>
-                <a:schemeClr val="dk1"/>
-              </a:solidFill>
-              <a:latin typeface="Calibri"/>
-              <a:ea typeface="Calibri"/>
-              <a:cs typeface="Calibri"/>
-              <a:sym typeface="Calibri"/>
-            </a:endParaRPr>
-          </a:p>
-        </p:txBody>
-      </p:sp>
-      <p:sp>
-        <p:nvSpPr>
-          <p:cNvPr id="231" name="Google Shape;231;g3b636e5de4b_0_0"/>
-          <p:cNvSpPr/>
-          <p:nvPr/>
-        </p:nvSpPr>
-        <p:spPr>
-          <a:xfrm>
-            <a:off x="5525506" y="2571743"/>
-            <a:ext cx="2394900" cy="250200"/>
-          </a:xfrm>
-          <a:prstGeom prst="rect">
-            <a:avLst/>
-          </a:prstGeom>
-          <a:solidFill>
-            <a:schemeClr val="lt2"/>
-          </a:solidFill>
-          <a:ln w="9525" cap="flat" cmpd="sng">
-            <a:solidFill>
-              <a:schemeClr val="dk2"/>
-            </a:solidFill>
-            <a:prstDash val="solid"/>
-            <a:round/>
-            <a:headEnd type="none" w="sm" len="sm"/>
-            <a:tailEnd type="none" w="sm" len="sm"/>
-          </a:ln>
-        </p:spPr>
-        <p:txBody>
-          <a:bodyPr spcFirstLastPara="1" wrap="square" lIns="91425" tIns="91425" rIns="91425" bIns="91425" anchor="ctr" anchorCtr="0">
-            <a:noAutofit/>
-          </a:bodyPr>
-          <a:lstStyle/>
-          <a:p>
-            <a:pPr marL="0" marR="0" lvl="0" indent="0" algn="ctr" rtl="0">
-              <a:lnSpc>
-                <a:spcPct val="100000"/>
-              </a:lnSpc>
-              <a:spcBef>
-                <a:spcPts val="0"/>
-              </a:spcBef>
-              <a:spcAft>
-                <a:spcPts val="0"/>
-              </a:spcAft>
-              <a:buClr>
-                <a:srgbClr val="000000"/>
-              </a:buClr>
-              <a:buSzPts val="1400"/>
-              <a:buFont typeface="Arial"/>
-              <a:buNone/>
-            </a:pPr>
-            <a:r>
-              <a:rPr lang="de" sz="1400" b="0" i="0" u="none" strike="noStrike" cap="none">
-                <a:solidFill>
-                  <a:schemeClr val="dk1"/>
-                </a:solidFill>
-                <a:latin typeface="Calibri"/>
-                <a:ea typeface="Calibri"/>
-                <a:cs typeface="Calibri"/>
-                <a:sym typeface="Calibri"/>
-              </a:rPr>
-              <a:t>- Attack</a:t>
-            </a:r>
-            <a:r>
-              <a:rPr lang="de">
-                <a:solidFill>
-                  <a:schemeClr val="dk1"/>
-                </a:solidFill>
-                <a:latin typeface="Calibri"/>
-                <a:ea typeface="Calibri"/>
-                <a:cs typeface="Calibri"/>
-                <a:sym typeface="Calibri"/>
-              </a:rPr>
-              <a:t>/Abillity -</a:t>
-            </a:r>
-            <a:endParaRPr>
-              <a:solidFill>
-                <a:schemeClr val="dk1"/>
-              </a:solidFill>
-              <a:latin typeface="Calibri"/>
-              <a:ea typeface="Calibri"/>
-              <a:cs typeface="Calibri"/>
-              <a:sym typeface="Calibri"/>
-            </a:endParaRPr>
-          </a:p>
-        </p:txBody>
-      </p:sp>
-      <p:sp>
-        <p:nvSpPr>
-          <p:cNvPr id="232" name="Google Shape;232;g3b636e5de4b_0_0"/>
-          <p:cNvSpPr txBox="1"/>
-          <p:nvPr/>
-        </p:nvSpPr>
-        <p:spPr>
-          <a:xfrm>
-            <a:off x="5525506" y="2840938"/>
-            <a:ext cx="2947800" cy="550500"/>
-          </a:xfrm>
-          <a:prstGeom prst="rect">
-            <a:avLst/>
-          </a:prstGeom>
-          <a:noFill/>
-          <a:ln>
-            <a:noFill/>
-          </a:ln>
-        </p:spPr>
-        <p:txBody>
-          <a:bodyPr spcFirstLastPara="1" wrap="square" lIns="91425" tIns="91425" rIns="91425" bIns="91425" anchor="t" anchorCtr="0">
-            <a:noAutofit/>
-          </a:bodyPr>
-          <a:lstStyle/>
-          <a:p>
-            <a:pPr marL="0" marR="0" lvl="0" indent="0" algn="l" rtl="0">
-              <a:lnSpc>
-                <a:spcPct val="100000"/>
-              </a:lnSpc>
-              <a:spcBef>
-                <a:spcPts val="0"/>
-              </a:spcBef>
-              <a:spcAft>
-                <a:spcPts val="0"/>
-              </a:spcAft>
-              <a:buClr>
-                <a:srgbClr val="000000"/>
-              </a:buClr>
-              <a:buSzPts val="1100"/>
-              <a:buFont typeface="Arial"/>
-              <a:buNone/>
-            </a:pPr>
-            <a:r>
-              <a:rPr lang="de" sz="1100" b="0" i="0" u="none" strike="noStrike" cap="none">
-                <a:solidFill>
-                  <a:schemeClr val="dk1"/>
-                </a:solidFill>
-                <a:latin typeface="Calibri"/>
-                <a:ea typeface="Calibri"/>
-                <a:cs typeface="Calibri"/>
-                <a:sym typeface="Calibri"/>
-              </a:rPr>
-              <a:t>- </a:t>
-            </a:r>
-            <a:endParaRPr sz="1800" b="0" i="0" u="none" strike="noStrike" cap="none">
-              <a:solidFill>
-                <a:schemeClr val="dk1"/>
-              </a:solidFill>
-              <a:latin typeface="Calibri"/>
-              <a:ea typeface="Calibri"/>
-              <a:cs typeface="Calibri"/>
-              <a:sym typeface="Calibri"/>
-            </a:endParaRPr>
-          </a:p>
-        </p:txBody>
-      </p:sp>
-    </p:spTree>
-  </p:cSld>
-  <p:clrMapOvr>
-    <a:masterClrMapping/>
-  </p:clrMapOvr>
-</p:sld>
-</file>
-
-<file path=ppt/slides/slide7.xml><?xml version="1.0" encoding="utf-8"?>
-<p:sld xmlns:a="http://schemas.openxmlformats.org/drawingml/2006/main" xmlns:r="http://schemas.openxmlformats.org/officeDocument/2006/relationships" xmlns:p="http://schemas.openxmlformats.org/presentationml/2006/main">
-  <p:cSld>
-    <p:spTree>
-      <p:nvGrpSpPr>
         <p:cNvPr id="1" name="Shape 236"/>
         <p:cNvGrpSpPr/>
         <p:nvPr/>
@@ -28974,11 +26752,17 @@
         <p:nvGraphicFramePr>
           <p:cNvPr id="237" name="Google Shape;237;p6"/>
           <p:cNvGraphicFramePr/>
-          <p:nvPr/>
+          <p:nvPr>
+            <p:extLst>
+              <p:ext uri="{D42A27DB-BD31-4B8C-83A1-F6EECF244321}">
+                <p14:modId xmlns:p14="http://schemas.microsoft.com/office/powerpoint/2010/main" val="3390165716"/>
+              </p:ext>
+            </p:extLst>
+          </p:nvPr>
         </p:nvGraphicFramePr>
         <p:xfrm>
           <a:off x="35626" y="50514"/>
-          <a:ext cx="3000000" cy="3000000"/>
+          <a:ext cx="9108375" cy="5521740"/>
         </p:xfrm>
         <a:graphic>
           <a:graphicData uri="http://schemas.openxmlformats.org/drawingml/2006/table">
@@ -29190,10 +26974,10 @@
                         <a:buNone/>
                       </a:pPr>
                       <a:r>
-                        <a:rPr lang="de" sz="1100"/>
-                        <a:t>Location/Action</a:t>
+                        <a:rPr lang="de" sz="1100" u="none" strike="noStrike" cap="none" dirty="0"/>
+                        <a:t>Selection</a:t>
                       </a:r>
-                      <a:endParaRPr sz="1100" u="none" strike="noStrike" cap="none"/>
+                      <a:endParaRPr sz="1100" u="none" strike="noStrike" cap="none" dirty="0"/>
                     </a:p>
                   </a:txBody>
                   <a:tcPr marL="68600" marR="68600" marT="34300" marB="34300">
@@ -29222,7 +27006,11 @@
                         <a:buFont typeface="Arial"/>
                         <a:buNone/>
                       </a:pPr>
-                      <a:endParaRPr sz="1100" u="none" strike="noStrike" cap="none"/>
+                      <a:r>
+                        <a:rPr lang="de-DE" sz="1100" u="none" strike="noStrike" cap="none" dirty="0"/>
+                        <a:t>Knirsch, lass mich endlich seine innere Stimme erwecken!</a:t>
+                      </a:r>
+                      <a:endParaRPr sz="1100" u="none" strike="noStrike" cap="none" dirty="0"/>
                     </a:p>
                   </a:txBody>
                   <a:tcPr marL="68600" marR="68600" marT="34300" marB="34300">
@@ -29251,7 +27039,11 @@
                         <a:buFont typeface="Arial"/>
                         <a:buNone/>
                       </a:pPr>
-                      <a:endParaRPr sz="1100" u="none" strike="noStrike" cap="none"/>
+                      <a:r>
+                        <a:rPr lang="de-DE" sz="1100" u="none" strike="noStrike" cap="none" dirty="0"/>
+                        <a:t>-</a:t>
+                      </a:r>
+                      <a:endParaRPr sz="1100" u="none" strike="noStrike" cap="none" dirty="0"/>
                     </a:p>
                   </a:txBody>
                   <a:tcPr marL="68600" marR="68600" marT="34300" marB="34300">
@@ -29285,10 +27077,10 @@
                         <a:buNone/>
                       </a:pPr>
                       <a:r>
-                        <a:rPr lang="de" sz="1100"/>
-                        <a:t>Location/Action</a:t>
+                        <a:rPr lang="de" sz="1100" dirty="0"/>
+                        <a:t>After Care</a:t>
                       </a:r>
-                      <a:endParaRPr sz="1100" u="none" strike="noStrike" cap="none"/>
+                      <a:endParaRPr sz="1100" u="none" strike="noStrike" cap="none" dirty="0"/>
                     </a:p>
                   </a:txBody>
                   <a:tcPr marL="68600" marR="68600" marT="34300" marB="34300">
@@ -29317,7 +27109,11 @@
                         <a:buFont typeface="Arial"/>
                         <a:buNone/>
                       </a:pPr>
-                      <a:endParaRPr sz="1100" u="none" strike="noStrike" cap="none"/>
+                      <a:r>
+                        <a:rPr lang="de-DE" sz="1100" u="none" strike="noStrike" cap="none" dirty="0"/>
+                        <a:t>Habe ich das gut gemacht? Bist du stolz auf mich?</a:t>
+                      </a:r>
+                      <a:endParaRPr sz="1100" u="none" strike="noStrike" cap="none" dirty="0"/>
                     </a:p>
                   </a:txBody>
                   <a:tcPr marL="68600" marR="68600" marT="34300" marB="34300">
@@ -29346,7 +27142,11 @@
                         <a:buFont typeface="Arial"/>
                         <a:buNone/>
                       </a:pPr>
-                      <a:endParaRPr sz="1100" u="none" strike="noStrike" cap="none"/>
+                      <a:r>
+                        <a:rPr lang="de-DE" sz="1100" u="none" strike="noStrike" cap="none" dirty="0"/>
+                        <a:t>-</a:t>
+                      </a:r>
+                      <a:endParaRPr sz="1100" u="none" strike="noStrike" cap="none" dirty="0"/>
                     </a:p>
                   </a:txBody>
                   <a:tcPr marL="68600" marR="68600" marT="34300" marB="34300">
@@ -29380,10 +27180,10 @@
                         <a:buNone/>
                       </a:pPr>
                       <a:r>
-                        <a:rPr lang="de" sz="1100"/>
-                        <a:t>Location/Action</a:t>
+                        <a:rPr lang="de" sz="1100" dirty="0"/>
+                        <a:t>Not Selected</a:t>
                       </a:r>
-                      <a:endParaRPr sz="1100" u="none" strike="noStrike" cap="none"/>
+                      <a:endParaRPr sz="1100" u="none" strike="noStrike" cap="none" dirty="0"/>
                     </a:p>
                   </a:txBody>
                   <a:tcPr marL="68600" marR="68600" marT="34300" marB="34300">
@@ -29412,7 +27212,11 @@
                         <a:buFont typeface="Arial"/>
                         <a:buNone/>
                       </a:pPr>
-                      <a:endParaRPr sz="1100" u="none" strike="noStrike" cap="none"/>
+                      <a:r>
+                        <a:rPr lang="de-DE" sz="1100" u="none" strike="noStrike" cap="none" dirty="0"/>
+                        <a:t>Komm schon, dass hätte mein Patient sein sollen! </a:t>
+                      </a:r>
+                      <a:endParaRPr sz="1100" u="none" strike="noStrike" cap="none" dirty="0"/>
                     </a:p>
                   </a:txBody>
                   <a:tcPr marL="68600" marR="68600" marT="34300" marB="34300">
@@ -29441,7 +27245,11 @@
                         <a:buFont typeface="Arial"/>
                         <a:buNone/>
                       </a:pPr>
-                      <a:endParaRPr sz="1100" u="none" strike="noStrike" cap="none"/>
+                      <a:r>
+                        <a:rPr lang="de-DE" sz="1100" u="none" strike="noStrike" cap="none" dirty="0"/>
+                        <a:t>-</a:t>
+                      </a:r>
+                      <a:endParaRPr sz="1100" u="none" strike="noStrike" cap="none" dirty="0"/>
                     </a:p>
                   </a:txBody>
                   <a:tcPr marL="68600" marR="68600" marT="34300" marB="34300">
@@ -29507,7 +27315,11 @@
                         <a:buFont typeface="Arial"/>
                         <a:buNone/>
                       </a:pPr>
-                      <a:endParaRPr sz="1100" u="none" strike="noStrike" cap="none"/>
+                      <a:r>
+                        <a:rPr lang="de-DE" sz="1100" u="none" strike="noStrike" cap="none" dirty="0"/>
+                        <a:t>-</a:t>
+                      </a:r>
+                      <a:endParaRPr sz="1100" u="none" strike="noStrike" cap="none" dirty="0"/>
                     </a:p>
                   </a:txBody>
                   <a:tcPr marL="68600" marR="68600" marT="34300" marB="34300">
@@ -29536,7 +27348,11 @@
                         <a:buFont typeface="Arial"/>
                         <a:buNone/>
                       </a:pPr>
-                      <a:endParaRPr sz="1100" u="none" strike="noStrike" cap="none"/>
+                      <a:r>
+                        <a:rPr lang="de-DE" sz="1100" u="none" strike="noStrike" cap="none" dirty="0"/>
+                        <a:t>-</a:t>
+                      </a:r>
+                      <a:endParaRPr sz="1100" u="none" strike="noStrike" cap="none" dirty="0"/>
                     </a:p>
                   </a:txBody>
                   <a:tcPr marL="68600" marR="68600" marT="34300" marB="34300">
@@ -29602,7 +27418,11 @@
                         <a:buFont typeface="Arial"/>
                         <a:buNone/>
                       </a:pPr>
-                      <a:endParaRPr sz="1100" u="none" strike="noStrike" cap="none"/>
+                      <a:r>
+                        <a:rPr lang="de-DE" sz="1100" u="none" strike="noStrike" cap="none" dirty="0"/>
+                        <a:t>-</a:t>
+                      </a:r>
+                      <a:endParaRPr sz="1100" u="none" strike="noStrike" cap="none" dirty="0"/>
                     </a:p>
                   </a:txBody>
                   <a:tcPr marL="68600" marR="68600" marT="34300" marB="34300">
@@ -29631,7 +27451,11 @@
                         <a:buFont typeface="Arial"/>
                         <a:buNone/>
                       </a:pPr>
-                      <a:endParaRPr sz="1100" u="none" strike="noStrike" cap="none"/>
+                      <a:r>
+                        <a:rPr lang="de-DE" sz="1100" u="none" strike="noStrike" cap="none" dirty="0"/>
+                        <a:t>-</a:t>
+                      </a:r>
+                      <a:endParaRPr sz="1100" u="none" strike="noStrike" cap="none" dirty="0"/>
                     </a:p>
                   </a:txBody>
                   <a:tcPr marL="68600" marR="68600" marT="34300" marB="34300">
@@ -29697,7 +27521,11 @@
                         <a:buFont typeface="Arial"/>
                         <a:buNone/>
                       </a:pPr>
-                      <a:endParaRPr sz="1100" u="none" strike="noStrike" cap="none"/>
+                      <a:r>
+                        <a:rPr lang="de-DE" sz="1100" u="none" strike="noStrike" cap="none" dirty="0"/>
+                        <a:t>-</a:t>
+                      </a:r>
+                      <a:endParaRPr sz="1100" u="none" strike="noStrike" cap="none" dirty="0"/>
                     </a:p>
                   </a:txBody>
                   <a:tcPr marL="68600" marR="68600" marT="34300" marB="34300">
@@ -29726,7 +27554,11 @@
                         <a:buFont typeface="Arial"/>
                         <a:buNone/>
                       </a:pPr>
-                      <a:endParaRPr sz="1100" u="none" strike="noStrike" cap="none"/>
+                      <a:r>
+                        <a:rPr lang="de-DE" sz="1100" u="none" strike="noStrike" cap="none" dirty="0"/>
+                        <a:t>-</a:t>
+                      </a:r>
+                      <a:endParaRPr sz="1100" u="none" strike="noStrike" cap="none" dirty="0"/>
                     </a:p>
                   </a:txBody>
                   <a:tcPr marL="68600" marR="68600" marT="34300" marB="34300">
@@ -29940,7 +27772,11 @@
                         <a:buFont typeface="Arial"/>
                         <a:buNone/>
                       </a:pPr>
-                      <a:endParaRPr sz="1100" u="none" strike="noStrike" cap="none"/>
+                      <a:r>
+                        <a:rPr lang="de-DE" sz="1100" u="none" strike="noStrike" cap="none" dirty="0"/>
+                        <a:t>-</a:t>
+                      </a:r>
+                      <a:endParaRPr sz="1100" u="none" strike="noStrike" cap="none" dirty="0"/>
                     </a:p>
                   </a:txBody>
                   <a:tcPr marL="68600" marR="68600" marT="34300" marB="34300">
@@ -29969,7 +27805,11 @@
                         <a:buFont typeface="Arial"/>
                         <a:buNone/>
                       </a:pPr>
-                      <a:endParaRPr sz="1100" u="none" strike="noStrike" cap="none"/>
+                      <a:r>
+                        <a:rPr lang="de-DE" sz="1100" u="none" strike="noStrike" cap="none" dirty="0"/>
+                        <a:t>-</a:t>
+                      </a:r>
+                      <a:endParaRPr sz="1100" u="none" strike="noStrike" cap="none" dirty="0"/>
                     </a:p>
                   </a:txBody>
                   <a:tcPr marL="68600" marR="68600" marT="34300" marB="34300">
@@ -30003,10 +27843,10 @@
                         <a:buNone/>
                       </a:pPr>
                       <a:r>
-                        <a:rPr lang="de" sz="1100"/>
+                        <a:rPr lang="de" sz="1100" dirty="0"/>
                         <a:t>Location/Action</a:t>
                       </a:r>
-                      <a:endParaRPr sz="1100" u="none" strike="noStrike" cap="none"/>
+                      <a:endParaRPr sz="1100" u="none" strike="noStrike" cap="none" dirty="0"/>
                     </a:p>
                   </a:txBody>
                   <a:tcPr marL="68600" marR="68600" marT="34300" marB="34300">
@@ -30035,7 +27875,11 @@
                         <a:buFont typeface="Arial"/>
                         <a:buNone/>
                       </a:pPr>
-                      <a:endParaRPr sz="1100" u="none" strike="noStrike" cap="none"/>
+                      <a:r>
+                        <a:rPr lang="de-DE" sz="1100" u="none" strike="noStrike" cap="none" dirty="0"/>
+                        <a:t>-</a:t>
+                      </a:r>
+                      <a:endParaRPr sz="1100" u="none" strike="noStrike" cap="none" dirty="0"/>
                     </a:p>
                   </a:txBody>
                   <a:tcPr marL="68600" marR="68600" marT="34300" marB="34300">
@@ -30064,7 +27908,11 @@
                         <a:buFont typeface="Arial"/>
                         <a:buNone/>
                       </a:pPr>
-                      <a:endParaRPr sz="1100" u="none" strike="noStrike" cap="none"/>
+                      <a:r>
+                        <a:rPr lang="de-DE" sz="1100" u="none" strike="noStrike" cap="none" dirty="0"/>
+                        <a:t>-</a:t>
+                      </a:r>
+                      <a:endParaRPr sz="1100" u="none" strike="noStrike" cap="none" dirty="0"/>
                     </a:p>
                   </a:txBody>
                   <a:tcPr marL="68600" marR="68600" marT="34300" marB="34300">
@@ -30098,10 +27946,10 @@
                         <a:buNone/>
                       </a:pPr>
                       <a:r>
-                        <a:rPr lang="de" sz="1100"/>
+                        <a:rPr lang="de" sz="1100" dirty="0"/>
                         <a:t>Location/Action</a:t>
                       </a:r>
-                      <a:endParaRPr sz="1100" u="none" strike="noStrike" cap="none"/>
+                      <a:endParaRPr sz="1100" u="none" strike="noStrike" cap="none" dirty="0"/>
                     </a:p>
                   </a:txBody>
                   <a:tcPr marL="68600" marR="68600" marT="34300" marB="34300">
@@ -30130,7 +27978,11 @@
                         <a:buFont typeface="Arial"/>
                         <a:buNone/>
                       </a:pPr>
-                      <a:endParaRPr sz="1100" u="none" strike="noStrike" cap="none"/>
+                      <a:r>
+                        <a:rPr lang="de-DE" sz="1100" u="none" strike="noStrike" cap="none" dirty="0"/>
+                        <a:t>-</a:t>
+                      </a:r>
+                      <a:endParaRPr sz="1100" u="none" strike="noStrike" cap="none" dirty="0"/>
                     </a:p>
                   </a:txBody>
                   <a:tcPr marL="68600" marR="68600" marT="34300" marB="34300">
@@ -30159,7 +28011,11 @@
                         <a:buFont typeface="Arial"/>
                         <a:buNone/>
                       </a:pPr>
-                      <a:endParaRPr sz="1100" u="none" strike="noStrike" cap="none"/>
+                      <a:r>
+                        <a:rPr lang="de-DE" sz="1100" u="none" strike="noStrike" cap="none" dirty="0"/>
+                        <a:t>-</a:t>
+                      </a:r>
+                      <a:endParaRPr sz="1100" u="none" strike="noStrike" cap="none" dirty="0"/>
                     </a:p>
                   </a:txBody>
                   <a:tcPr marL="68600" marR="68600" marT="34300" marB="34300">
@@ -30193,10 +28049,10 @@
                         <a:buNone/>
                       </a:pPr>
                       <a:r>
-                        <a:rPr lang="de" sz="1100"/>
+                        <a:rPr lang="de" sz="1100" dirty="0"/>
                         <a:t>Location/Action</a:t>
                       </a:r>
-                      <a:endParaRPr sz="1100" u="none" strike="noStrike" cap="none"/>
+                      <a:endParaRPr sz="1100" u="none" strike="noStrike" cap="none" dirty="0"/>
                     </a:p>
                   </a:txBody>
                   <a:tcPr marL="68600" marR="68600" marT="34300" marB="34300">
@@ -30225,7 +28081,11 @@
                         <a:buFont typeface="Arial"/>
                         <a:buNone/>
                       </a:pPr>
-                      <a:endParaRPr sz="1100" u="none" strike="noStrike" cap="none"/>
+                      <a:r>
+                        <a:rPr lang="de-DE" sz="1100" u="none" strike="noStrike" cap="none" dirty="0"/>
+                        <a:t>-</a:t>
+                      </a:r>
+                      <a:endParaRPr sz="1100" u="none" strike="noStrike" cap="none" dirty="0"/>
                     </a:p>
                   </a:txBody>
                   <a:tcPr marL="68600" marR="68600" marT="34300" marB="34300">
@@ -30254,7 +28114,11 @@
                         <a:buFont typeface="Arial"/>
                         <a:buNone/>
                       </a:pPr>
-                      <a:endParaRPr sz="1100" u="none" strike="noStrike" cap="none"/>
+                      <a:r>
+                        <a:rPr lang="de-DE" sz="1100" u="none" strike="noStrike" cap="none" dirty="0"/>
+                        <a:t>-</a:t>
+                      </a:r>
+                      <a:endParaRPr sz="1100" u="none" strike="noStrike" cap="none" dirty="0"/>
                     </a:p>
                   </a:txBody>
                   <a:tcPr marL="68600" marR="68600" marT="34300" marB="34300">
@@ -30288,10 +28152,10 @@
                         <a:buNone/>
                       </a:pPr>
                       <a:r>
-                        <a:rPr lang="de" sz="1100"/>
+                        <a:rPr lang="de" sz="1100" dirty="0"/>
                         <a:t>Location/Action</a:t>
                       </a:r>
-                      <a:endParaRPr sz="1100" u="none" strike="noStrike" cap="none"/>
+                      <a:endParaRPr sz="1100" u="none" strike="noStrike" cap="none" dirty="0"/>
                     </a:p>
                   </a:txBody>
                   <a:tcPr marL="68600" marR="68600" marT="34300" marB="34300">
@@ -30320,7 +28184,11 @@
                         <a:buFont typeface="Arial"/>
                         <a:buNone/>
                       </a:pPr>
-                      <a:endParaRPr sz="900" u="none" strike="noStrike" cap="none"/>
+                      <a:r>
+                        <a:rPr lang="de-DE" sz="900" u="none" strike="noStrike" cap="none" dirty="0"/>
+                        <a:t>-</a:t>
+                      </a:r>
+                      <a:endParaRPr sz="900" u="none" strike="noStrike" cap="none" dirty="0"/>
                     </a:p>
                   </a:txBody>
                   <a:tcPr marL="68600" marR="68600" marT="34300" marB="34300">
@@ -30349,7 +28217,11 @@
                         <a:buFont typeface="Arial"/>
                         <a:buNone/>
                       </a:pPr>
-                      <a:endParaRPr sz="900" u="none" strike="noStrike" cap="none"/>
+                      <a:r>
+                        <a:rPr lang="de-DE" sz="900" u="none" strike="noStrike" cap="none" dirty="0"/>
+                        <a:t>-</a:t>
+                      </a:r>
+                      <a:endParaRPr sz="900" u="none" strike="noStrike" cap="none" dirty="0"/>
                     </a:p>
                   </a:txBody>
                   <a:tcPr marL="68600" marR="68600" marT="34300" marB="34300">
@@ -30383,10 +28255,10 @@
                         <a:buNone/>
                       </a:pPr>
                       <a:r>
-                        <a:rPr lang="de" sz="1100"/>
+                        <a:rPr lang="de" sz="1100" dirty="0"/>
                         <a:t>Location/Action</a:t>
                       </a:r>
-                      <a:endParaRPr sz="1100" u="none" strike="noStrike" cap="none"/>
+                      <a:endParaRPr sz="1100" u="none" strike="noStrike" cap="none" dirty="0"/>
                     </a:p>
                   </a:txBody>
                   <a:tcPr marL="68600" marR="68600" marT="34300" marB="34300">
@@ -30415,7 +28287,11 @@
                         <a:buFont typeface="Arial"/>
                         <a:buNone/>
                       </a:pPr>
-                      <a:endParaRPr sz="900" u="none" strike="noStrike" cap="none"/>
+                      <a:r>
+                        <a:rPr lang="de-DE" sz="900" u="none" strike="noStrike" cap="none" dirty="0"/>
+                        <a:t>-</a:t>
+                      </a:r>
+                      <a:endParaRPr sz="900" u="none" strike="noStrike" cap="none" dirty="0"/>
                     </a:p>
                   </a:txBody>
                   <a:tcPr marL="68600" marR="68600" marT="34300" marB="34300">
@@ -30444,7 +28320,11 @@
                         <a:buFont typeface="Arial"/>
                         <a:buNone/>
                       </a:pPr>
-                      <a:endParaRPr sz="900" u="none" strike="noStrike" cap="none"/>
+                      <a:r>
+                        <a:rPr lang="de-DE" sz="900" u="none" strike="noStrike" cap="none" dirty="0"/>
+                        <a:t>-</a:t>
+                      </a:r>
+                      <a:endParaRPr sz="900" u="none" strike="noStrike" cap="none" dirty="0"/>
                     </a:p>
                   </a:txBody>
                   <a:tcPr marL="68600" marR="68600" marT="34300" marB="34300">
@@ -30481,14 +28361,14 @@
                         <a:buNone/>
                       </a:pPr>
                       <a:r>
-                        <a:rPr lang="de" sz="1100" b="1" u="none" strike="noStrike" cap="none">
+                        <a:rPr lang="de" sz="1100" b="1" u="none" strike="noStrike" cap="none" dirty="0">
                           <a:solidFill>
                             <a:schemeClr val="dk1"/>
                           </a:solidFill>
                         </a:rPr>
                         <a:t>Character: (Name)</a:t>
                       </a:r>
-                      <a:endParaRPr sz="1100" u="none" strike="noStrike" cap="none"/>
+                      <a:endParaRPr sz="1100" u="none" strike="noStrike" cap="none" dirty="0"/>
                     </a:p>
                   </a:txBody>
                   <a:tcPr marL="68600" marR="68600" marT="34300" marB="34300">
@@ -30520,7 +28400,7 @@
                         <a:buNone/>
                       </a:pPr>
                       <a:r>
-                        <a:rPr lang="de" sz="1100" b="1" u="none" strike="noStrike" cap="none">
+                        <a:rPr lang="de" sz="1100" b="1" u="none" strike="noStrike" cap="none" dirty="0">
                           <a:solidFill>
                             <a:schemeClr val="dk1"/>
                           </a:solidFill>
@@ -30528,18 +28408,18 @@
                         <a:t>DIALOGUE BARK – </a:t>
                       </a:r>
                       <a:r>
-                        <a:rPr lang="de" sz="1100" b="1"/>
+                        <a:rPr lang="de" sz="1100" b="1" dirty="0"/>
                         <a:t>Situation </a:t>
                       </a:r>
                       <a:r>
-                        <a:rPr lang="de" sz="1100" b="1" u="none" strike="noStrike" cap="none">
+                        <a:rPr lang="de" sz="1100" b="1" u="none" strike="noStrike" cap="none" dirty="0">
                           <a:solidFill>
                             <a:schemeClr val="dk1"/>
                           </a:solidFill>
                         </a:rPr>
                         <a:t> v01</a:t>
                       </a:r>
-                      <a:endParaRPr sz="1100" u="none" strike="noStrike" cap="none"/>
+                      <a:endParaRPr sz="1100" u="none" strike="noStrike" cap="none" dirty="0"/>
                     </a:p>
                   </a:txBody>
                   <a:tcPr marL="68600" marR="68600" marT="34300" marB="34300">
@@ -30571,7 +28451,7 @@
                         <a:buNone/>
                       </a:pPr>
                       <a:r>
-                        <a:rPr lang="de" sz="1100" b="1" u="none" strike="noStrike" cap="none">
+                        <a:rPr lang="de" sz="1100" b="1" u="none" strike="noStrike" cap="none" dirty="0">
                           <a:solidFill>
                             <a:schemeClr val="dk1"/>
                           </a:solidFill>
@@ -30579,18 +28459,18 @@
                         <a:t>DIALOGUE BARK – </a:t>
                       </a:r>
                       <a:r>
-                        <a:rPr lang="de" sz="1100" b="1"/>
+                        <a:rPr lang="de" sz="1100" b="1" dirty="0"/>
                         <a:t>Situation </a:t>
                       </a:r>
                       <a:r>
-                        <a:rPr lang="de" sz="1100" b="1" u="none" strike="noStrike" cap="none">
+                        <a:rPr lang="de" sz="1100" b="1" u="none" strike="noStrike" cap="none" dirty="0">
                           <a:solidFill>
                             <a:schemeClr val="dk1"/>
                           </a:solidFill>
                         </a:rPr>
                         <a:t> v02</a:t>
                       </a:r>
-                      <a:endParaRPr sz="1100" u="none" strike="noStrike" cap="none"/>
+                      <a:endParaRPr sz="1100" u="none" strike="noStrike" cap="none" dirty="0"/>
                     </a:p>
                   </a:txBody>
                   <a:tcPr marL="68600" marR="68600" marT="34300" marB="34300">
@@ -30626,10 +28506,10 @@
                         <a:buNone/>
                       </a:pPr>
                       <a:r>
-                        <a:rPr lang="de" sz="1100"/>
+                        <a:rPr lang="de" sz="1100" dirty="0"/>
                         <a:t>Location/Action</a:t>
                       </a:r>
-                      <a:endParaRPr sz="1100" u="none" strike="noStrike" cap="none"/>
+                      <a:endParaRPr sz="1100" u="none" strike="noStrike" cap="none" dirty="0"/>
                     </a:p>
                   </a:txBody>
                   <a:tcPr marL="68600" marR="68600" marT="34300" marB="34300">
@@ -30658,7 +28538,11 @@
                         <a:buFont typeface="Arial"/>
                         <a:buNone/>
                       </a:pPr>
-                      <a:endParaRPr sz="900" u="none" strike="noStrike" cap="none"/>
+                      <a:r>
+                        <a:rPr lang="de-DE" sz="900" u="none" strike="noStrike" cap="none" dirty="0"/>
+                        <a:t>-</a:t>
+                      </a:r>
+                      <a:endParaRPr sz="900" u="none" strike="noStrike" cap="none" dirty="0"/>
                     </a:p>
                   </a:txBody>
                   <a:tcPr marL="68600" marR="68600" marT="34300" marB="34300">
@@ -30687,7 +28571,11 @@
                         <a:buFont typeface="Arial"/>
                         <a:buNone/>
                       </a:pPr>
-                      <a:endParaRPr sz="900" u="none" strike="noStrike" cap="none"/>
+                      <a:r>
+                        <a:rPr lang="de-DE" sz="900" u="none" strike="noStrike" cap="none" dirty="0"/>
+                        <a:t>-</a:t>
+                      </a:r>
+                      <a:endParaRPr sz="900" u="none" strike="noStrike" cap="none" dirty="0"/>
                     </a:p>
                   </a:txBody>
                   <a:tcPr marL="68600" marR="68600" marT="34300" marB="34300">
@@ -30721,10 +28609,10 @@
                         <a:buNone/>
                       </a:pPr>
                       <a:r>
-                        <a:rPr lang="de" sz="1100"/>
+                        <a:rPr lang="de" sz="1100" dirty="0"/>
                         <a:t>Location/Action</a:t>
                       </a:r>
-                      <a:endParaRPr sz="1100" u="none" strike="noStrike" cap="none"/>
+                      <a:endParaRPr sz="1100" u="none" strike="noStrike" cap="none" dirty="0"/>
                     </a:p>
                   </a:txBody>
                   <a:tcPr marL="68600" marR="68600" marT="34300" marB="34300">
@@ -30753,7 +28641,11 @@
                         <a:buFont typeface="Arial"/>
                         <a:buNone/>
                       </a:pPr>
-                      <a:endParaRPr sz="900" u="none" strike="noStrike" cap="none"/>
+                      <a:r>
+                        <a:rPr lang="de-DE" sz="900" u="none" strike="noStrike" cap="none" dirty="0"/>
+                        <a:t>-</a:t>
+                      </a:r>
+                      <a:endParaRPr sz="900" u="none" strike="noStrike" cap="none" dirty="0"/>
                     </a:p>
                   </a:txBody>
                   <a:tcPr marL="68600" marR="68600" marT="34300" marB="34300">
@@ -30782,7 +28674,11 @@
                         <a:buFont typeface="Arial"/>
                         <a:buNone/>
                       </a:pPr>
-                      <a:endParaRPr sz="900" u="none" strike="noStrike" cap="none"/>
+                      <a:r>
+                        <a:rPr lang="de-DE" sz="900" u="none" strike="noStrike" cap="none" dirty="0"/>
+                        <a:t>-</a:t>
+                      </a:r>
+                      <a:endParaRPr sz="900" u="none" strike="noStrike" cap="none" dirty="0"/>
                     </a:p>
                   </a:txBody>
                   <a:tcPr marL="68600" marR="68600" marT="34300" marB="34300">
@@ -30816,10 +28712,10 @@
                         <a:buNone/>
                       </a:pPr>
                       <a:r>
-                        <a:rPr lang="de" sz="1100"/>
+                        <a:rPr lang="de" sz="1100" dirty="0"/>
                         <a:t>Location/Action</a:t>
                       </a:r>
-                      <a:endParaRPr sz="1100" u="none" strike="noStrike" cap="none"/>
+                      <a:endParaRPr sz="1100" u="none" strike="noStrike" cap="none" dirty="0"/>
                     </a:p>
                   </a:txBody>
                   <a:tcPr marL="68600" marR="68600" marT="34300" marB="34300">
@@ -30848,7 +28744,11 @@
                         <a:buFont typeface="Arial"/>
                         <a:buNone/>
                       </a:pPr>
-                      <a:endParaRPr sz="900" u="none" strike="noStrike" cap="none"/>
+                      <a:r>
+                        <a:rPr lang="de-DE" sz="900" u="none" strike="noStrike" cap="none" dirty="0"/>
+                        <a:t>-</a:t>
+                      </a:r>
+                      <a:endParaRPr sz="900" u="none" strike="noStrike" cap="none" dirty="0"/>
                     </a:p>
                   </a:txBody>
                   <a:tcPr marL="68600" marR="68600" marT="34300" marB="34300">
@@ -30877,7 +28777,11 @@
                         <a:buFont typeface="Arial"/>
                         <a:buNone/>
                       </a:pPr>
-                      <a:endParaRPr sz="900" u="none" strike="noStrike" cap="none"/>
+                      <a:r>
+                        <a:rPr lang="de-DE" sz="900" u="none" strike="noStrike" cap="none" dirty="0"/>
+                        <a:t>-</a:t>
+                      </a:r>
+                      <a:endParaRPr sz="900" u="none" strike="noStrike" cap="none" dirty="0"/>
                     </a:p>
                   </a:txBody>
                   <a:tcPr marL="68600" marR="68600" marT="34300" marB="34300">
@@ -30911,10 +28815,10 @@
                         <a:buNone/>
                       </a:pPr>
                       <a:r>
-                        <a:rPr lang="de" sz="1100"/>
+                        <a:rPr lang="de" sz="1100" dirty="0"/>
                         <a:t>Location/Action</a:t>
                       </a:r>
-                      <a:endParaRPr sz="1100" u="none" strike="noStrike" cap="none"/>
+                      <a:endParaRPr sz="1100" u="none" strike="noStrike" cap="none" dirty="0"/>
                     </a:p>
                   </a:txBody>
                   <a:tcPr marL="68600" marR="68600" marT="34300" marB="34300">
@@ -30943,7 +28847,11 @@
                         <a:buFont typeface="Arial"/>
                         <a:buNone/>
                       </a:pPr>
-                      <a:endParaRPr sz="900" u="none" strike="noStrike" cap="none"/>
+                      <a:r>
+                        <a:rPr lang="de-DE" sz="900" u="none" strike="noStrike" cap="none" dirty="0"/>
+                        <a:t>-</a:t>
+                      </a:r>
+                      <a:endParaRPr sz="900" u="none" strike="noStrike" cap="none" dirty="0"/>
                     </a:p>
                   </a:txBody>
                   <a:tcPr marL="68600" marR="68600" marT="34300" marB="34300">
@@ -30972,7 +28880,11 @@
                         <a:buFont typeface="Arial"/>
                         <a:buNone/>
                       </a:pPr>
-                      <a:endParaRPr sz="900" u="none" strike="noStrike" cap="none"/>
+                      <a:r>
+                        <a:rPr lang="de-DE" sz="900" u="none" strike="noStrike" cap="none" dirty="0"/>
+                        <a:t>-</a:t>
+                      </a:r>
+                      <a:endParaRPr sz="900" u="none" strike="noStrike" cap="none" dirty="0"/>
                     </a:p>
                   </a:txBody>
                   <a:tcPr marL="68600" marR="68600" marT="34300" marB="34300">
@@ -31162,7 +29074,7 @@
                         <a:buFont typeface="Arial"/>
                         <a:buNone/>
                       </a:pPr>
-                      <a:endParaRPr sz="900" u="none" strike="noStrike" cap="none"/>
+                      <a:endParaRPr sz="900" u="none" strike="noStrike" cap="none" dirty="0"/>
                     </a:p>
                   </a:txBody>
                   <a:tcPr marL="68600" marR="68600" marT="34300" marB="34300">
@@ -31179,2303 +29091,6 @@
           </a:graphicData>
         </a:graphic>
       </p:graphicFrame>
-    </p:spTree>
-  </p:cSld>
-  <p:clrMapOvr>
-    <a:masterClrMapping/>
-  </p:clrMapOvr>
-</p:sld>
-</file>
-
-<file path=ppt/slides/slide8.xml><?xml version="1.0" encoding="utf-8"?>
-<p:sld xmlns:a="http://schemas.openxmlformats.org/drawingml/2006/main" xmlns:r="http://schemas.openxmlformats.org/officeDocument/2006/relationships" xmlns:p="http://schemas.openxmlformats.org/presentationml/2006/main">
-  <p:cSld>
-    <p:spTree>
-      <p:nvGrpSpPr>
-        <p:cNvPr id="1" name="Shape 241"/>
-        <p:cNvGrpSpPr/>
-        <p:nvPr/>
-      </p:nvGrpSpPr>
-      <p:grpSpPr>
-        <a:xfrm>
-          <a:off x="0" y="0"/>
-          <a:ext cx="0" cy="0"/>
-          <a:chOff x="0" y="0"/>
-          <a:chExt cx="0" cy="0"/>
-        </a:xfrm>
-      </p:grpSpPr>
-      <p:graphicFrame>
-        <p:nvGraphicFramePr>
-          <p:cNvPr id="242" name="Google Shape;242;p7"/>
-          <p:cNvGraphicFramePr/>
-          <p:nvPr/>
-        </p:nvGraphicFramePr>
-        <p:xfrm>
-          <a:off x="35626" y="50514"/>
-          <a:ext cx="3000000" cy="3000000"/>
-        </p:xfrm>
-        <a:graphic>
-          <a:graphicData uri="http://schemas.openxmlformats.org/drawingml/2006/table">
-            <a:tbl>
-              <a:tblPr firstRow="1" bandRow="1">
-                <a:noFill/>
-                <a:tableStyleId>{692E3274-4D5C-44BF-BB08-FA6336CB3DAF}</a:tableStyleId>
-              </a:tblPr>
-              <a:tblGrid>
-                <a:gridCol w="1302800">
-                  <a:extLst>
-                    <a:ext uri="{9D8B030D-6E8A-4147-A177-3AD203B41FA5}">
-                      <a16:colId xmlns:a16="http://schemas.microsoft.com/office/drawing/2014/main" val="20000"/>
-                    </a:ext>
-                  </a:extLst>
-                </a:gridCol>
-                <a:gridCol w="3928750">
-                  <a:extLst>
-                    <a:ext uri="{9D8B030D-6E8A-4147-A177-3AD203B41FA5}">
-                      <a16:colId xmlns:a16="http://schemas.microsoft.com/office/drawing/2014/main" val="20001"/>
-                    </a:ext>
-                  </a:extLst>
-                </a:gridCol>
-                <a:gridCol w="3876850">
-                  <a:extLst>
-                    <a:ext uri="{9D8B030D-6E8A-4147-A177-3AD203B41FA5}">
-                      <a16:colId xmlns:a16="http://schemas.microsoft.com/office/drawing/2014/main" val="20002"/>
-                    </a:ext>
-                  </a:extLst>
-                </a:gridCol>
-              </a:tblGrid>
-              <a:tr h="239450">
-                <a:tc>
-                  <a:txBody>
-                    <a:bodyPr/>
-                    <a:lstStyle/>
-                    <a:p>
-                      <a:pPr marL="0" marR="0" lvl="0" indent="0" algn="ctr" rtl="0">
-                        <a:lnSpc>
-                          <a:spcPct val="100000"/>
-                        </a:lnSpc>
-                        <a:spcBef>
-                          <a:spcPts val="0"/>
-                        </a:spcBef>
-                        <a:spcAft>
-                          <a:spcPts val="0"/>
-                        </a:spcAft>
-                        <a:buClr>
-                          <a:schemeClr val="dk1"/>
-                        </a:buClr>
-                        <a:buSzPts val="1100"/>
-                        <a:buFont typeface="Arial"/>
-                        <a:buNone/>
-                      </a:pPr>
-                      <a:r>
-                        <a:rPr lang="de" sz="1100" b="1" u="none" strike="noStrike" cap="none">
-                          <a:solidFill>
-                            <a:schemeClr val="dk1"/>
-                          </a:solidFill>
-                        </a:rPr>
-                        <a:t>Character: (Name)</a:t>
-                      </a:r>
-                      <a:endParaRPr sz="1100" u="none" strike="noStrike" cap="none"/>
-                    </a:p>
-                  </a:txBody>
-                  <a:tcPr marL="68600" marR="68600" marT="34300" marB="34300">
-                    <a:solidFill>
-                      <a:srgbClr val="FFC000"/>
-                    </a:solidFill>
-                  </a:tcPr>
-                </a:tc>
-                <a:tc>
-                  <a:txBody>
-                    <a:bodyPr/>
-                    <a:lstStyle/>
-                    <a:p>
-                      <a:pPr marL="0" marR="0" lvl="0" indent="0" algn="ctr" rtl="0">
-                        <a:lnSpc>
-                          <a:spcPct val="100000"/>
-                        </a:lnSpc>
-                        <a:spcBef>
-                          <a:spcPts val="0"/>
-                        </a:spcBef>
-                        <a:spcAft>
-                          <a:spcPts val="0"/>
-                        </a:spcAft>
-                        <a:buClr>
-                          <a:schemeClr val="dk1"/>
-                        </a:buClr>
-                        <a:buSzPts val="1100"/>
-                        <a:buFont typeface="Arial"/>
-                        <a:buNone/>
-                      </a:pPr>
-                      <a:r>
-                        <a:rPr lang="de" sz="1100" b="1" u="none" strike="noStrike" cap="none">
-                          <a:solidFill>
-                            <a:schemeClr val="dk1"/>
-                          </a:solidFill>
-                        </a:rPr>
-                        <a:t>DIALOGUE BARK – </a:t>
-                      </a:r>
-                      <a:r>
-                        <a:rPr lang="de" sz="1100">
-                          <a:solidFill>
-                            <a:schemeClr val="dk1"/>
-                          </a:solidFill>
-                        </a:rPr>
-                        <a:t>Situation </a:t>
-                      </a:r>
-                      <a:r>
-                        <a:rPr lang="de" sz="1100" b="1" u="none" strike="noStrike" cap="none">
-                          <a:solidFill>
-                            <a:schemeClr val="dk1"/>
-                          </a:solidFill>
-                        </a:rPr>
-                        <a:t>v01 </a:t>
-                      </a:r>
-                      <a:endParaRPr sz="1100" u="none" strike="noStrike" cap="none"/>
-                    </a:p>
-                  </a:txBody>
-                  <a:tcPr marL="68600" marR="68600" marT="34300" marB="34300">
-                    <a:solidFill>
-                      <a:srgbClr val="FFC000"/>
-                    </a:solidFill>
-                  </a:tcPr>
-                </a:tc>
-                <a:tc>
-                  <a:txBody>
-                    <a:bodyPr/>
-                    <a:lstStyle/>
-                    <a:p>
-                      <a:pPr marL="0" marR="0" lvl="0" indent="0" algn="ctr" rtl="0">
-                        <a:lnSpc>
-                          <a:spcPct val="100000"/>
-                        </a:lnSpc>
-                        <a:spcBef>
-                          <a:spcPts val="0"/>
-                        </a:spcBef>
-                        <a:spcAft>
-                          <a:spcPts val="0"/>
-                        </a:spcAft>
-                        <a:buClr>
-                          <a:schemeClr val="dk1"/>
-                        </a:buClr>
-                        <a:buSzPts val="1100"/>
-                        <a:buFont typeface="Arial"/>
-                        <a:buNone/>
-                      </a:pPr>
-                      <a:r>
-                        <a:rPr lang="de" sz="1100" b="1" u="none" strike="noStrike" cap="none">
-                          <a:solidFill>
-                            <a:schemeClr val="dk1"/>
-                          </a:solidFill>
-                        </a:rPr>
-                        <a:t>DIALOGUE BARK – </a:t>
-                      </a:r>
-                      <a:r>
-                        <a:rPr lang="de" sz="1100">
-                          <a:solidFill>
-                            <a:schemeClr val="dk1"/>
-                          </a:solidFill>
-                        </a:rPr>
-                        <a:t>Situation </a:t>
-                      </a:r>
-                      <a:r>
-                        <a:rPr lang="de" sz="1100" b="1" u="none" strike="noStrike" cap="none">
-                          <a:solidFill>
-                            <a:schemeClr val="dk1"/>
-                          </a:solidFill>
-                        </a:rPr>
-                        <a:t> v02</a:t>
-                      </a:r>
-                      <a:endParaRPr sz="1100" u="none" strike="noStrike" cap="none"/>
-                    </a:p>
-                  </a:txBody>
-                  <a:tcPr marL="68600" marR="68600" marT="34300" marB="34300">
-                    <a:solidFill>
-                      <a:srgbClr val="FFC000"/>
-                    </a:solidFill>
-                  </a:tcPr>
-                </a:tc>
-                <a:extLst>
-                  <a:ext uri="{0D108BD9-81ED-4DB2-BD59-A6C34878D82A}">
-                    <a16:rowId xmlns:a16="http://schemas.microsoft.com/office/drawing/2014/main" val="10000"/>
-                  </a:ext>
-                </a:extLst>
-              </a:tr>
-              <a:tr h="239450">
-                <a:tc>
-                  <a:txBody>
-                    <a:bodyPr/>
-                    <a:lstStyle/>
-                    <a:p>
-                      <a:pPr marL="0" lvl="0" indent="0" algn="l" rtl="0">
-                        <a:spcBef>
-                          <a:spcPts val="0"/>
-                        </a:spcBef>
-                        <a:spcAft>
-                          <a:spcPts val="0"/>
-                        </a:spcAft>
-                        <a:buClr>
-                          <a:schemeClr val="dk1"/>
-                        </a:buClr>
-                        <a:buSzPts val="1100"/>
-                        <a:buFont typeface="Arial"/>
-                        <a:buNone/>
-                      </a:pPr>
-                      <a:r>
-                        <a:rPr lang="de" sz="1100"/>
-                        <a:t>Location/Action</a:t>
-                      </a:r>
-                      <a:endParaRPr sz="1100" u="none" strike="noStrike" cap="none"/>
-                    </a:p>
-                  </a:txBody>
-                  <a:tcPr marL="68600" marR="68600" marT="34300" marB="34300">
-                    <a:noFill/>
-                  </a:tcPr>
-                </a:tc>
-                <a:tc>
-                  <a:txBody>
-                    <a:bodyPr/>
-                    <a:lstStyle/>
-                    <a:p>
-                      <a:pPr marL="0" marR="0" lvl="0" indent="0" algn="l" rtl="0">
-                        <a:lnSpc>
-                          <a:spcPct val="100000"/>
-                        </a:lnSpc>
-                        <a:spcBef>
-                          <a:spcPts val="0"/>
-                        </a:spcBef>
-                        <a:spcAft>
-                          <a:spcPts val="0"/>
-                        </a:spcAft>
-                        <a:buClr>
-                          <a:srgbClr val="000000"/>
-                        </a:buClr>
-                        <a:buSzPts val="1100"/>
-                        <a:buFont typeface="Arial"/>
-                        <a:buNone/>
-                      </a:pPr>
-                      <a:endParaRPr sz="1100" u="none" strike="noStrike" cap="none"/>
-                    </a:p>
-                  </a:txBody>
-                  <a:tcPr marL="68600" marR="68600" marT="34300" marB="34300">
-                    <a:noFill/>
-                  </a:tcPr>
-                </a:tc>
-                <a:tc>
-                  <a:txBody>
-                    <a:bodyPr/>
-                    <a:lstStyle/>
-                    <a:p>
-                      <a:pPr marL="0" marR="0" lvl="0" indent="0" algn="l" rtl="0">
-                        <a:lnSpc>
-                          <a:spcPct val="100000"/>
-                        </a:lnSpc>
-                        <a:spcBef>
-                          <a:spcPts val="0"/>
-                        </a:spcBef>
-                        <a:spcAft>
-                          <a:spcPts val="0"/>
-                        </a:spcAft>
-                        <a:buClr>
-                          <a:srgbClr val="000000"/>
-                        </a:buClr>
-                        <a:buSzPts val="1100"/>
-                        <a:buFont typeface="Arial"/>
-                        <a:buNone/>
-                      </a:pPr>
-                      <a:endParaRPr sz="1100" u="none" strike="noStrike" cap="none"/>
-                    </a:p>
-                  </a:txBody>
-                  <a:tcPr marL="68600" marR="68600" marT="34300" marB="34300">
-                    <a:noFill/>
-                  </a:tcPr>
-                </a:tc>
-                <a:extLst>
-                  <a:ext uri="{0D108BD9-81ED-4DB2-BD59-A6C34878D82A}">
-                    <a16:rowId xmlns:a16="http://schemas.microsoft.com/office/drawing/2014/main" val="10001"/>
-                  </a:ext>
-                </a:extLst>
-              </a:tr>
-              <a:tr h="239450">
-                <a:tc>
-                  <a:txBody>
-                    <a:bodyPr/>
-                    <a:lstStyle/>
-                    <a:p>
-                      <a:pPr marL="0" lvl="0" indent="0" algn="l" rtl="0">
-                        <a:spcBef>
-                          <a:spcPts val="0"/>
-                        </a:spcBef>
-                        <a:spcAft>
-                          <a:spcPts val="0"/>
-                        </a:spcAft>
-                        <a:buClr>
-                          <a:schemeClr val="dk1"/>
-                        </a:buClr>
-                        <a:buSzPts val="1100"/>
-                        <a:buFont typeface="Arial"/>
-                        <a:buNone/>
-                      </a:pPr>
-                      <a:r>
-                        <a:rPr lang="de" sz="1100"/>
-                        <a:t>Location/Action</a:t>
-                      </a:r>
-                      <a:endParaRPr sz="1100" u="none" strike="noStrike" cap="none"/>
-                    </a:p>
-                  </a:txBody>
-                  <a:tcPr marL="68600" marR="68600" marT="34300" marB="34300">
-                    <a:noFill/>
-                  </a:tcPr>
-                </a:tc>
-                <a:tc>
-                  <a:txBody>
-                    <a:bodyPr/>
-                    <a:lstStyle/>
-                    <a:p>
-                      <a:pPr marL="0" marR="0" lvl="0" indent="0" algn="l" rtl="0">
-                        <a:lnSpc>
-                          <a:spcPct val="100000"/>
-                        </a:lnSpc>
-                        <a:spcBef>
-                          <a:spcPts val="0"/>
-                        </a:spcBef>
-                        <a:spcAft>
-                          <a:spcPts val="0"/>
-                        </a:spcAft>
-                        <a:buClr>
-                          <a:srgbClr val="000000"/>
-                        </a:buClr>
-                        <a:buSzPts val="1100"/>
-                        <a:buFont typeface="Arial"/>
-                        <a:buNone/>
-                      </a:pPr>
-                      <a:endParaRPr sz="1100" u="none" strike="noStrike" cap="none"/>
-                    </a:p>
-                  </a:txBody>
-                  <a:tcPr marL="68600" marR="68600" marT="34300" marB="34300">
-                    <a:noFill/>
-                  </a:tcPr>
-                </a:tc>
-                <a:tc>
-                  <a:txBody>
-                    <a:bodyPr/>
-                    <a:lstStyle/>
-                    <a:p>
-                      <a:pPr marL="0" marR="0" lvl="0" indent="0" algn="l" rtl="0">
-                        <a:lnSpc>
-                          <a:spcPct val="100000"/>
-                        </a:lnSpc>
-                        <a:spcBef>
-                          <a:spcPts val="0"/>
-                        </a:spcBef>
-                        <a:spcAft>
-                          <a:spcPts val="0"/>
-                        </a:spcAft>
-                        <a:buClr>
-                          <a:srgbClr val="000000"/>
-                        </a:buClr>
-                        <a:buSzPts val="1100"/>
-                        <a:buFont typeface="Arial"/>
-                        <a:buNone/>
-                      </a:pPr>
-                      <a:endParaRPr sz="1100" u="none" strike="noStrike" cap="none"/>
-                    </a:p>
-                  </a:txBody>
-                  <a:tcPr marL="68600" marR="68600" marT="34300" marB="34300">
-                    <a:noFill/>
-                  </a:tcPr>
-                </a:tc>
-                <a:extLst>
-                  <a:ext uri="{0D108BD9-81ED-4DB2-BD59-A6C34878D82A}">
-                    <a16:rowId xmlns:a16="http://schemas.microsoft.com/office/drawing/2014/main" val="10002"/>
-                  </a:ext>
-                </a:extLst>
-              </a:tr>
-              <a:tr h="239450">
-                <a:tc>
-                  <a:txBody>
-                    <a:bodyPr/>
-                    <a:lstStyle/>
-                    <a:p>
-                      <a:pPr marL="0" lvl="0" indent="0" algn="l" rtl="0">
-                        <a:spcBef>
-                          <a:spcPts val="0"/>
-                        </a:spcBef>
-                        <a:spcAft>
-                          <a:spcPts val="0"/>
-                        </a:spcAft>
-                        <a:buClr>
-                          <a:schemeClr val="dk1"/>
-                        </a:buClr>
-                        <a:buSzPts val="1100"/>
-                        <a:buFont typeface="Arial"/>
-                        <a:buNone/>
-                      </a:pPr>
-                      <a:r>
-                        <a:rPr lang="de" sz="1100"/>
-                        <a:t>Location/Action</a:t>
-                      </a:r>
-                      <a:endParaRPr sz="1100" u="none" strike="noStrike" cap="none"/>
-                    </a:p>
-                  </a:txBody>
-                  <a:tcPr marL="68600" marR="68600" marT="34300" marB="34300">
-                    <a:noFill/>
-                  </a:tcPr>
-                </a:tc>
-                <a:tc>
-                  <a:txBody>
-                    <a:bodyPr/>
-                    <a:lstStyle/>
-                    <a:p>
-                      <a:pPr marL="0" marR="0" lvl="0" indent="0" algn="l" rtl="0">
-                        <a:lnSpc>
-                          <a:spcPct val="100000"/>
-                        </a:lnSpc>
-                        <a:spcBef>
-                          <a:spcPts val="0"/>
-                        </a:spcBef>
-                        <a:spcAft>
-                          <a:spcPts val="0"/>
-                        </a:spcAft>
-                        <a:buClr>
-                          <a:srgbClr val="000000"/>
-                        </a:buClr>
-                        <a:buSzPts val="1100"/>
-                        <a:buFont typeface="Arial"/>
-                        <a:buNone/>
-                      </a:pPr>
-                      <a:endParaRPr sz="1100" u="none" strike="noStrike" cap="none"/>
-                    </a:p>
-                  </a:txBody>
-                  <a:tcPr marL="68600" marR="68600" marT="34300" marB="34300">
-                    <a:noFill/>
-                  </a:tcPr>
-                </a:tc>
-                <a:tc>
-                  <a:txBody>
-                    <a:bodyPr/>
-                    <a:lstStyle/>
-                    <a:p>
-                      <a:pPr marL="0" marR="0" lvl="0" indent="0" algn="l" rtl="0">
-                        <a:lnSpc>
-                          <a:spcPct val="100000"/>
-                        </a:lnSpc>
-                        <a:spcBef>
-                          <a:spcPts val="0"/>
-                        </a:spcBef>
-                        <a:spcAft>
-                          <a:spcPts val="0"/>
-                        </a:spcAft>
-                        <a:buClr>
-                          <a:srgbClr val="000000"/>
-                        </a:buClr>
-                        <a:buSzPts val="1100"/>
-                        <a:buFont typeface="Arial"/>
-                        <a:buNone/>
-                      </a:pPr>
-                      <a:endParaRPr sz="1100" u="none" strike="noStrike" cap="none"/>
-                    </a:p>
-                  </a:txBody>
-                  <a:tcPr marL="68600" marR="68600" marT="34300" marB="34300">
-                    <a:noFill/>
-                  </a:tcPr>
-                </a:tc>
-                <a:extLst>
-                  <a:ext uri="{0D108BD9-81ED-4DB2-BD59-A6C34878D82A}">
-                    <a16:rowId xmlns:a16="http://schemas.microsoft.com/office/drawing/2014/main" val="10003"/>
-                  </a:ext>
-                </a:extLst>
-              </a:tr>
-              <a:tr h="239450">
-                <a:tc>
-                  <a:txBody>
-                    <a:bodyPr/>
-                    <a:lstStyle/>
-                    <a:p>
-                      <a:pPr marL="0" lvl="0" indent="0" algn="l" rtl="0">
-                        <a:spcBef>
-                          <a:spcPts val="0"/>
-                        </a:spcBef>
-                        <a:spcAft>
-                          <a:spcPts val="0"/>
-                        </a:spcAft>
-                        <a:buClr>
-                          <a:schemeClr val="dk1"/>
-                        </a:buClr>
-                        <a:buSzPts val="1100"/>
-                        <a:buFont typeface="Arial"/>
-                        <a:buNone/>
-                      </a:pPr>
-                      <a:r>
-                        <a:rPr lang="de" sz="1100"/>
-                        <a:t>Location/Action</a:t>
-                      </a:r>
-                      <a:endParaRPr sz="1100" u="none" strike="noStrike" cap="none"/>
-                    </a:p>
-                  </a:txBody>
-                  <a:tcPr marL="68600" marR="68600" marT="34300" marB="34300">
-                    <a:noFill/>
-                  </a:tcPr>
-                </a:tc>
-                <a:tc>
-                  <a:txBody>
-                    <a:bodyPr/>
-                    <a:lstStyle/>
-                    <a:p>
-                      <a:pPr marL="0" marR="0" lvl="0" indent="0" algn="l" rtl="0">
-                        <a:lnSpc>
-                          <a:spcPct val="100000"/>
-                        </a:lnSpc>
-                        <a:spcBef>
-                          <a:spcPts val="0"/>
-                        </a:spcBef>
-                        <a:spcAft>
-                          <a:spcPts val="0"/>
-                        </a:spcAft>
-                        <a:buClr>
-                          <a:srgbClr val="000000"/>
-                        </a:buClr>
-                        <a:buSzPts val="1100"/>
-                        <a:buFont typeface="Arial"/>
-                        <a:buNone/>
-                      </a:pPr>
-                      <a:endParaRPr sz="1100" u="none" strike="noStrike" cap="none"/>
-                    </a:p>
-                  </a:txBody>
-                  <a:tcPr marL="68600" marR="68600" marT="34300" marB="34300">
-                    <a:noFill/>
-                  </a:tcPr>
-                </a:tc>
-                <a:tc>
-                  <a:txBody>
-                    <a:bodyPr/>
-                    <a:lstStyle/>
-                    <a:p>
-                      <a:pPr marL="0" marR="0" lvl="0" indent="0" algn="l" rtl="0">
-                        <a:lnSpc>
-                          <a:spcPct val="100000"/>
-                        </a:lnSpc>
-                        <a:spcBef>
-                          <a:spcPts val="0"/>
-                        </a:spcBef>
-                        <a:spcAft>
-                          <a:spcPts val="0"/>
-                        </a:spcAft>
-                        <a:buClr>
-                          <a:srgbClr val="000000"/>
-                        </a:buClr>
-                        <a:buSzPts val="1100"/>
-                        <a:buFont typeface="Arial"/>
-                        <a:buNone/>
-                      </a:pPr>
-                      <a:endParaRPr sz="1100" u="none" strike="noStrike" cap="none"/>
-                    </a:p>
-                  </a:txBody>
-                  <a:tcPr marL="68600" marR="68600" marT="34300" marB="34300">
-                    <a:noFill/>
-                  </a:tcPr>
-                </a:tc>
-                <a:extLst>
-                  <a:ext uri="{0D108BD9-81ED-4DB2-BD59-A6C34878D82A}">
-                    <a16:rowId xmlns:a16="http://schemas.microsoft.com/office/drawing/2014/main" val="10004"/>
-                  </a:ext>
-                </a:extLst>
-              </a:tr>
-              <a:tr h="239450">
-                <a:tc>
-                  <a:txBody>
-                    <a:bodyPr/>
-                    <a:lstStyle/>
-                    <a:p>
-                      <a:pPr marL="0" lvl="0" indent="0" algn="l" rtl="0">
-                        <a:spcBef>
-                          <a:spcPts val="0"/>
-                        </a:spcBef>
-                        <a:spcAft>
-                          <a:spcPts val="0"/>
-                        </a:spcAft>
-                        <a:buClr>
-                          <a:schemeClr val="dk1"/>
-                        </a:buClr>
-                        <a:buSzPts val="1100"/>
-                        <a:buFont typeface="Arial"/>
-                        <a:buNone/>
-                      </a:pPr>
-                      <a:r>
-                        <a:rPr lang="de" sz="1100"/>
-                        <a:t>Location/Action</a:t>
-                      </a:r>
-                      <a:endParaRPr sz="1100" u="none" strike="noStrike" cap="none"/>
-                    </a:p>
-                  </a:txBody>
-                  <a:tcPr marL="68600" marR="68600" marT="34300" marB="34300">
-                    <a:noFill/>
-                  </a:tcPr>
-                </a:tc>
-                <a:tc>
-                  <a:txBody>
-                    <a:bodyPr/>
-                    <a:lstStyle/>
-                    <a:p>
-                      <a:pPr marL="0" marR="0" lvl="0" indent="0" algn="l" rtl="0">
-                        <a:lnSpc>
-                          <a:spcPct val="100000"/>
-                        </a:lnSpc>
-                        <a:spcBef>
-                          <a:spcPts val="0"/>
-                        </a:spcBef>
-                        <a:spcAft>
-                          <a:spcPts val="0"/>
-                        </a:spcAft>
-                        <a:buClr>
-                          <a:srgbClr val="000000"/>
-                        </a:buClr>
-                        <a:buSzPts val="1100"/>
-                        <a:buFont typeface="Arial"/>
-                        <a:buNone/>
-                      </a:pPr>
-                      <a:endParaRPr sz="1100" u="none" strike="noStrike" cap="none"/>
-                    </a:p>
-                  </a:txBody>
-                  <a:tcPr marL="68600" marR="68600" marT="34300" marB="34300">
-                    <a:noFill/>
-                  </a:tcPr>
-                </a:tc>
-                <a:tc>
-                  <a:txBody>
-                    <a:bodyPr/>
-                    <a:lstStyle/>
-                    <a:p>
-                      <a:pPr marL="0" marR="0" lvl="0" indent="0" algn="l" rtl="0">
-                        <a:lnSpc>
-                          <a:spcPct val="100000"/>
-                        </a:lnSpc>
-                        <a:spcBef>
-                          <a:spcPts val="0"/>
-                        </a:spcBef>
-                        <a:spcAft>
-                          <a:spcPts val="0"/>
-                        </a:spcAft>
-                        <a:buClr>
-                          <a:srgbClr val="000000"/>
-                        </a:buClr>
-                        <a:buSzPts val="1100"/>
-                        <a:buFont typeface="Arial"/>
-                        <a:buNone/>
-                      </a:pPr>
-                      <a:endParaRPr sz="1100" u="none" strike="noStrike" cap="none"/>
-                    </a:p>
-                  </a:txBody>
-                  <a:tcPr marL="68600" marR="68600" marT="34300" marB="34300">
-                    <a:noFill/>
-                  </a:tcPr>
-                </a:tc>
-                <a:extLst>
-                  <a:ext uri="{0D108BD9-81ED-4DB2-BD59-A6C34878D82A}">
-                    <a16:rowId xmlns:a16="http://schemas.microsoft.com/office/drawing/2014/main" val="10005"/>
-                  </a:ext>
-                </a:extLst>
-              </a:tr>
-              <a:tr h="239450">
-                <a:tc>
-                  <a:txBody>
-                    <a:bodyPr/>
-                    <a:lstStyle/>
-                    <a:p>
-                      <a:pPr marL="0" lvl="0" indent="0" algn="l" rtl="0">
-                        <a:spcBef>
-                          <a:spcPts val="0"/>
-                        </a:spcBef>
-                        <a:spcAft>
-                          <a:spcPts val="0"/>
-                        </a:spcAft>
-                        <a:buClr>
-                          <a:schemeClr val="dk1"/>
-                        </a:buClr>
-                        <a:buSzPts val="1100"/>
-                        <a:buFont typeface="Arial"/>
-                        <a:buNone/>
-                      </a:pPr>
-                      <a:r>
-                        <a:rPr lang="de" sz="1100"/>
-                        <a:t>Location/Action</a:t>
-                      </a:r>
-                      <a:endParaRPr sz="1100" u="none" strike="noStrike" cap="none"/>
-                    </a:p>
-                  </a:txBody>
-                  <a:tcPr marL="68600" marR="68600" marT="34300" marB="34300">
-                    <a:noFill/>
-                  </a:tcPr>
-                </a:tc>
-                <a:tc>
-                  <a:txBody>
-                    <a:bodyPr/>
-                    <a:lstStyle/>
-                    <a:p>
-                      <a:pPr marL="0" marR="0" lvl="0" indent="0" algn="l" rtl="0">
-                        <a:lnSpc>
-                          <a:spcPct val="100000"/>
-                        </a:lnSpc>
-                        <a:spcBef>
-                          <a:spcPts val="0"/>
-                        </a:spcBef>
-                        <a:spcAft>
-                          <a:spcPts val="0"/>
-                        </a:spcAft>
-                        <a:buClr>
-                          <a:srgbClr val="000000"/>
-                        </a:buClr>
-                        <a:buSzPts val="1100"/>
-                        <a:buFont typeface="Arial"/>
-                        <a:buNone/>
-                      </a:pPr>
-                      <a:endParaRPr sz="1100" u="none" strike="noStrike" cap="none"/>
-                    </a:p>
-                  </a:txBody>
-                  <a:tcPr marL="68600" marR="68600" marT="34300" marB="34300">
-                    <a:noFill/>
-                  </a:tcPr>
-                </a:tc>
-                <a:tc>
-                  <a:txBody>
-                    <a:bodyPr/>
-                    <a:lstStyle/>
-                    <a:p>
-                      <a:pPr marL="0" marR="0" lvl="0" indent="0" algn="l" rtl="0">
-                        <a:lnSpc>
-                          <a:spcPct val="100000"/>
-                        </a:lnSpc>
-                        <a:spcBef>
-                          <a:spcPts val="0"/>
-                        </a:spcBef>
-                        <a:spcAft>
-                          <a:spcPts val="0"/>
-                        </a:spcAft>
-                        <a:buClr>
-                          <a:srgbClr val="000000"/>
-                        </a:buClr>
-                        <a:buSzPts val="1100"/>
-                        <a:buFont typeface="Arial"/>
-                        <a:buNone/>
-                      </a:pPr>
-                      <a:endParaRPr sz="1100" u="none" strike="noStrike" cap="none"/>
-                    </a:p>
-                  </a:txBody>
-                  <a:tcPr marL="68600" marR="68600" marT="34300" marB="34300">
-                    <a:noFill/>
-                  </a:tcPr>
-                </a:tc>
-                <a:extLst>
-                  <a:ext uri="{0D108BD9-81ED-4DB2-BD59-A6C34878D82A}">
-                    <a16:rowId xmlns:a16="http://schemas.microsoft.com/office/drawing/2014/main" val="10006"/>
-                  </a:ext>
-                </a:extLst>
-              </a:tr>
-              <a:tr h="239450">
-                <a:tc>
-                  <a:txBody>
-                    <a:bodyPr/>
-                    <a:lstStyle/>
-                    <a:p>
-                      <a:pPr marL="0" marR="0" lvl="0" indent="0" algn="ctr" rtl="0">
-                        <a:lnSpc>
-                          <a:spcPct val="100000"/>
-                        </a:lnSpc>
-                        <a:spcBef>
-                          <a:spcPts val="0"/>
-                        </a:spcBef>
-                        <a:spcAft>
-                          <a:spcPts val="0"/>
-                        </a:spcAft>
-                        <a:buClr>
-                          <a:srgbClr val="000000"/>
-                        </a:buClr>
-                        <a:buSzPts val="1100"/>
-                        <a:buFont typeface="Arial"/>
-                        <a:buNone/>
-                      </a:pPr>
-                      <a:r>
-                        <a:rPr lang="de" sz="1100" b="1" u="none" strike="noStrike" cap="none">
-                          <a:solidFill>
-                            <a:schemeClr val="dk1"/>
-                          </a:solidFill>
-                        </a:rPr>
-                        <a:t>Character: (Name)</a:t>
-                      </a:r>
-                      <a:endParaRPr sz="1100" u="none" strike="noStrike" cap="none"/>
-                    </a:p>
-                  </a:txBody>
-                  <a:tcPr marL="68600" marR="68600" marT="34300" marB="34300">
-                    <a:solidFill>
-                      <a:srgbClr val="FFC000"/>
-                    </a:solidFill>
-                  </a:tcPr>
-                </a:tc>
-                <a:tc>
-                  <a:txBody>
-                    <a:bodyPr/>
-                    <a:lstStyle/>
-                    <a:p>
-                      <a:pPr marL="0" marR="0" lvl="0" indent="0" algn="ctr" rtl="0">
-                        <a:lnSpc>
-                          <a:spcPct val="100000"/>
-                        </a:lnSpc>
-                        <a:spcBef>
-                          <a:spcPts val="0"/>
-                        </a:spcBef>
-                        <a:spcAft>
-                          <a:spcPts val="0"/>
-                        </a:spcAft>
-                        <a:buClr>
-                          <a:schemeClr val="dk1"/>
-                        </a:buClr>
-                        <a:buSzPts val="1100"/>
-                        <a:buFont typeface="Arial"/>
-                        <a:buNone/>
-                      </a:pPr>
-                      <a:r>
-                        <a:rPr lang="de" sz="1100" b="1" u="none" strike="noStrike" cap="none">
-                          <a:solidFill>
-                            <a:schemeClr val="dk1"/>
-                          </a:solidFill>
-                        </a:rPr>
-                        <a:t>DIALOGUE BARK – </a:t>
-                      </a:r>
-                      <a:r>
-                        <a:rPr lang="de" sz="1100" b="1"/>
-                        <a:t>Situation </a:t>
-                      </a:r>
-                      <a:r>
-                        <a:rPr lang="de" sz="1100" b="1" u="none" strike="noStrike" cap="none">
-                          <a:solidFill>
-                            <a:schemeClr val="dk1"/>
-                          </a:solidFill>
-                        </a:rPr>
-                        <a:t> v01</a:t>
-                      </a:r>
-                      <a:endParaRPr sz="1100" u="none" strike="noStrike" cap="none"/>
-                    </a:p>
-                  </a:txBody>
-                  <a:tcPr marL="68600" marR="68600" marT="34300" marB="34300">
-                    <a:solidFill>
-                      <a:srgbClr val="FFC000"/>
-                    </a:solidFill>
-                  </a:tcPr>
-                </a:tc>
-                <a:tc>
-                  <a:txBody>
-                    <a:bodyPr/>
-                    <a:lstStyle/>
-                    <a:p>
-                      <a:pPr marL="0" marR="0" lvl="0" indent="0" algn="ctr" rtl="0">
-                        <a:lnSpc>
-                          <a:spcPct val="100000"/>
-                        </a:lnSpc>
-                        <a:spcBef>
-                          <a:spcPts val="0"/>
-                        </a:spcBef>
-                        <a:spcAft>
-                          <a:spcPts val="0"/>
-                        </a:spcAft>
-                        <a:buClr>
-                          <a:schemeClr val="dk1"/>
-                        </a:buClr>
-                        <a:buSzPts val="1100"/>
-                        <a:buFont typeface="Arial"/>
-                        <a:buNone/>
-                      </a:pPr>
-                      <a:r>
-                        <a:rPr lang="de" sz="1100" b="1" u="none" strike="noStrike" cap="none">
-                          <a:solidFill>
-                            <a:schemeClr val="dk1"/>
-                          </a:solidFill>
-                        </a:rPr>
-                        <a:t>DIALOGUE BARK – </a:t>
-                      </a:r>
-                      <a:r>
-                        <a:rPr lang="de" sz="1100" b="1"/>
-                        <a:t>Situation </a:t>
-                      </a:r>
-                      <a:r>
-                        <a:rPr lang="de" sz="1100" b="1" u="none" strike="noStrike" cap="none">
-                          <a:solidFill>
-                            <a:schemeClr val="dk1"/>
-                          </a:solidFill>
-                        </a:rPr>
-                        <a:t> v02</a:t>
-                      </a:r>
-                      <a:endParaRPr sz="1100" u="none" strike="noStrike" cap="none"/>
-                    </a:p>
-                  </a:txBody>
-                  <a:tcPr marL="68600" marR="68600" marT="34300" marB="34300">
-                    <a:solidFill>
-                      <a:srgbClr val="FFC000"/>
-                    </a:solidFill>
-                  </a:tcPr>
-                </a:tc>
-                <a:extLst>
-                  <a:ext uri="{0D108BD9-81ED-4DB2-BD59-A6C34878D82A}">
-                    <a16:rowId xmlns:a16="http://schemas.microsoft.com/office/drawing/2014/main" val="10007"/>
-                  </a:ext>
-                </a:extLst>
-              </a:tr>
-              <a:tr h="239450">
-                <a:tc>
-                  <a:txBody>
-                    <a:bodyPr/>
-                    <a:lstStyle/>
-                    <a:p>
-                      <a:pPr marL="0" lvl="0" indent="0" algn="l" rtl="0">
-                        <a:spcBef>
-                          <a:spcPts val="0"/>
-                        </a:spcBef>
-                        <a:spcAft>
-                          <a:spcPts val="0"/>
-                        </a:spcAft>
-                        <a:buClr>
-                          <a:schemeClr val="dk1"/>
-                        </a:buClr>
-                        <a:buSzPts val="1100"/>
-                        <a:buFont typeface="Arial"/>
-                        <a:buNone/>
-                      </a:pPr>
-                      <a:r>
-                        <a:rPr lang="de" sz="1100"/>
-                        <a:t>Location/Action</a:t>
-                      </a:r>
-                      <a:endParaRPr sz="1100" u="none" strike="noStrike" cap="none"/>
-                    </a:p>
-                  </a:txBody>
-                  <a:tcPr marL="68600" marR="68600" marT="34300" marB="34300">
-                    <a:noFill/>
-                  </a:tcPr>
-                </a:tc>
-                <a:tc>
-                  <a:txBody>
-                    <a:bodyPr/>
-                    <a:lstStyle/>
-                    <a:p>
-                      <a:pPr marL="0" marR="0" lvl="0" indent="0" algn="l" rtl="0">
-                        <a:lnSpc>
-                          <a:spcPct val="100000"/>
-                        </a:lnSpc>
-                        <a:spcBef>
-                          <a:spcPts val="0"/>
-                        </a:spcBef>
-                        <a:spcAft>
-                          <a:spcPts val="0"/>
-                        </a:spcAft>
-                        <a:buClr>
-                          <a:srgbClr val="000000"/>
-                        </a:buClr>
-                        <a:buSzPts val="1100"/>
-                        <a:buFont typeface="Arial"/>
-                        <a:buNone/>
-                      </a:pPr>
-                      <a:endParaRPr sz="1100" u="none" strike="noStrike" cap="none"/>
-                    </a:p>
-                  </a:txBody>
-                  <a:tcPr marL="68600" marR="68600" marT="34300" marB="34300">
-                    <a:noFill/>
-                  </a:tcPr>
-                </a:tc>
-                <a:tc>
-                  <a:txBody>
-                    <a:bodyPr/>
-                    <a:lstStyle/>
-                    <a:p>
-                      <a:pPr marL="0" marR="0" lvl="0" indent="0" algn="l" rtl="0">
-                        <a:lnSpc>
-                          <a:spcPct val="100000"/>
-                        </a:lnSpc>
-                        <a:spcBef>
-                          <a:spcPts val="0"/>
-                        </a:spcBef>
-                        <a:spcAft>
-                          <a:spcPts val="0"/>
-                        </a:spcAft>
-                        <a:buClr>
-                          <a:srgbClr val="000000"/>
-                        </a:buClr>
-                        <a:buSzPts val="1100"/>
-                        <a:buFont typeface="Arial"/>
-                        <a:buNone/>
-                      </a:pPr>
-                      <a:endParaRPr sz="1100" u="none" strike="noStrike" cap="none"/>
-                    </a:p>
-                  </a:txBody>
-                  <a:tcPr marL="68600" marR="68600" marT="34300" marB="34300">
-                    <a:noFill/>
-                  </a:tcPr>
-                </a:tc>
-                <a:extLst>
-                  <a:ext uri="{0D108BD9-81ED-4DB2-BD59-A6C34878D82A}">
-                    <a16:rowId xmlns:a16="http://schemas.microsoft.com/office/drawing/2014/main" val="10008"/>
-                  </a:ext>
-                </a:extLst>
-              </a:tr>
-              <a:tr h="239450">
-                <a:tc>
-                  <a:txBody>
-                    <a:bodyPr/>
-                    <a:lstStyle/>
-                    <a:p>
-                      <a:pPr marL="0" lvl="0" indent="0" algn="l" rtl="0">
-                        <a:spcBef>
-                          <a:spcPts val="0"/>
-                        </a:spcBef>
-                        <a:spcAft>
-                          <a:spcPts val="0"/>
-                        </a:spcAft>
-                        <a:buClr>
-                          <a:schemeClr val="dk1"/>
-                        </a:buClr>
-                        <a:buSzPts val="1100"/>
-                        <a:buFont typeface="Arial"/>
-                        <a:buNone/>
-                      </a:pPr>
-                      <a:r>
-                        <a:rPr lang="de" sz="1100"/>
-                        <a:t>Location/Action</a:t>
-                      </a:r>
-                      <a:endParaRPr sz="1100" u="none" strike="noStrike" cap="none"/>
-                    </a:p>
-                  </a:txBody>
-                  <a:tcPr marL="68600" marR="68600" marT="34300" marB="34300">
-                    <a:noFill/>
-                  </a:tcPr>
-                </a:tc>
-                <a:tc>
-                  <a:txBody>
-                    <a:bodyPr/>
-                    <a:lstStyle/>
-                    <a:p>
-                      <a:pPr marL="0" marR="0" lvl="0" indent="0" algn="l" rtl="0">
-                        <a:lnSpc>
-                          <a:spcPct val="100000"/>
-                        </a:lnSpc>
-                        <a:spcBef>
-                          <a:spcPts val="0"/>
-                        </a:spcBef>
-                        <a:spcAft>
-                          <a:spcPts val="0"/>
-                        </a:spcAft>
-                        <a:buClr>
-                          <a:srgbClr val="000000"/>
-                        </a:buClr>
-                        <a:buSzPts val="1100"/>
-                        <a:buFont typeface="Arial"/>
-                        <a:buNone/>
-                      </a:pPr>
-                      <a:endParaRPr sz="1100" u="none" strike="noStrike" cap="none"/>
-                    </a:p>
-                  </a:txBody>
-                  <a:tcPr marL="68600" marR="68600" marT="34300" marB="34300">
-                    <a:noFill/>
-                  </a:tcPr>
-                </a:tc>
-                <a:tc>
-                  <a:txBody>
-                    <a:bodyPr/>
-                    <a:lstStyle/>
-                    <a:p>
-                      <a:pPr marL="0" marR="0" lvl="0" indent="0" algn="l" rtl="0">
-                        <a:lnSpc>
-                          <a:spcPct val="100000"/>
-                        </a:lnSpc>
-                        <a:spcBef>
-                          <a:spcPts val="0"/>
-                        </a:spcBef>
-                        <a:spcAft>
-                          <a:spcPts val="0"/>
-                        </a:spcAft>
-                        <a:buClr>
-                          <a:srgbClr val="000000"/>
-                        </a:buClr>
-                        <a:buSzPts val="1100"/>
-                        <a:buFont typeface="Arial"/>
-                        <a:buNone/>
-                      </a:pPr>
-                      <a:endParaRPr sz="1100" u="none" strike="noStrike" cap="none"/>
-                    </a:p>
-                  </a:txBody>
-                  <a:tcPr marL="68600" marR="68600" marT="34300" marB="34300">
-                    <a:noFill/>
-                  </a:tcPr>
-                </a:tc>
-                <a:extLst>
-                  <a:ext uri="{0D108BD9-81ED-4DB2-BD59-A6C34878D82A}">
-                    <a16:rowId xmlns:a16="http://schemas.microsoft.com/office/drawing/2014/main" val="10009"/>
-                  </a:ext>
-                </a:extLst>
-              </a:tr>
-              <a:tr h="239450">
-                <a:tc>
-                  <a:txBody>
-                    <a:bodyPr/>
-                    <a:lstStyle/>
-                    <a:p>
-                      <a:pPr marL="0" lvl="0" indent="0" algn="l" rtl="0">
-                        <a:spcBef>
-                          <a:spcPts val="0"/>
-                        </a:spcBef>
-                        <a:spcAft>
-                          <a:spcPts val="0"/>
-                        </a:spcAft>
-                        <a:buClr>
-                          <a:schemeClr val="dk1"/>
-                        </a:buClr>
-                        <a:buSzPts val="1100"/>
-                        <a:buFont typeface="Arial"/>
-                        <a:buNone/>
-                      </a:pPr>
-                      <a:r>
-                        <a:rPr lang="de" sz="1100"/>
-                        <a:t>Location/Action</a:t>
-                      </a:r>
-                      <a:endParaRPr sz="1100" u="none" strike="noStrike" cap="none"/>
-                    </a:p>
-                  </a:txBody>
-                  <a:tcPr marL="68600" marR="68600" marT="34300" marB="34300">
-                    <a:noFill/>
-                  </a:tcPr>
-                </a:tc>
-                <a:tc>
-                  <a:txBody>
-                    <a:bodyPr/>
-                    <a:lstStyle/>
-                    <a:p>
-                      <a:pPr marL="0" marR="0" lvl="0" indent="0" algn="l" rtl="0">
-                        <a:lnSpc>
-                          <a:spcPct val="100000"/>
-                        </a:lnSpc>
-                        <a:spcBef>
-                          <a:spcPts val="0"/>
-                        </a:spcBef>
-                        <a:spcAft>
-                          <a:spcPts val="0"/>
-                        </a:spcAft>
-                        <a:buClr>
-                          <a:srgbClr val="000000"/>
-                        </a:buClr>
-                        <a:buSzPts val="1100"/>
-                        <a:buFont typeface="Arial"/>
-                        <a:buNone/>
-                      </a:pPr>
-                      <a:endParaRPr sz="1100" u="none" strike="noStrike" cap="none"/>
-                    </a:p>
-                  </a:txBody>
-                  <a:tcPr marL="68600" marR="68600" marT="34300" marB="34300">
-                    <a:noFill/>
-                  </a:tcPr>
-                </a:tc>
-                <a:tc>
-                  <a:txBody>
-                    <a:bodyPr/>
-                    <a:lstStyle/>
-                    <a:p>
-                      <a:pPr marL="0" marR="0" lvl="0" indent="0" algn="l" rtl="0">
-                        <a:lnSpc>
-                          <a:spcPct val="100000"/>
-                        </a:lnSpc>
-                        <a:spcBef>
-                          <a:spcPts val="0"/>
-                        </a:spcBef>
-                        <a:spcAft>
-                          <a:spcPts val="0"/>
-                        </a:spcAft>
-                        <a:buClr>
-                          <a:srgbClr val="000000"/>
-                        </a:buClr>
-                        <a:buSzPts val="1100"/>
-                        <a:buFont typeface="Arial"/>
-                        <a:buNone/>
-                      </a:pPr>
-                      <a:endParaRPr sz="1100" u="none" strike="noStrike" cap="none"/>
-                    </a:p>
-                  </a:txBody>
-                  <a:tcPr marL="68600" marR="68600" marT="34300" marB="34300">
-                    <a:noFill/>
-                  </a:tcPr>
-                </a:tc>
-                <a:extLst>
-                  <a:ext uri="{0D108BD9-81ED-4DB2-BD59-A6C34878D82A}">
-                    <a16:rowId xmlns:a16="http://schemas.microsoft.com/office/drawing/2014/main" val="10010"/>
-                  </a:ext>
-                </a:extLst>
-              </a:tr>
-              <a:tr h="239450">
-                <a:tc>
-                  <a:txBody>
-                    <a:bodyPr/>
-                    <a:lstStyle/>
-                    <a:p>
-                      <a:pPr marL="0" lvl="0" indent="0" algn="l" rtl="0">
-                        <a:spcBef>
-                          <a:spcPts val="0"/>
-                        </a:spcBef>
-                        <a:spcAft>
-                          <a:spcPts val="0"/>
-                        </a:spcAft>
-                        <a:buClr>
-                          <a:schemeClr val="dk1"/>
-                        </a:buClr>
-                        <a:buSzPts val="1100"/>
-                        <a:buFont typeface="Arial"/>
-                        <a:buNone/>
-                      </a:pPr>
-                      <a:r>
-                        <a:rPr lang="de" sz="1100"/>
-                        <a:t>Location/Action</a:t>
-                      </a:r>
-                      <a:endParaRPr sz="1100" u="none" strike="noStrike" cap="none"/>
-                    </a:p>
-                  </a:txBody>
-                  <a:tcPr marL="68600" marR="68600" marT="34300" marB="34300">
-                    <a:noFill/>
-                  </a:tcPr>
-                </a:tc>
-                <a:tc>
-                  <a:txBody>
-                    <a:bodyPr/>
-                    <a:lstStyle/>
-                    <a:p>
-                      <a:pPr marL="0" marR="0" lvl="0" indent="0" algn="l" rtl="0">
-                        <a:lnSpc>
-                          <a:spcPct val="100000"/>
-                        </a:lnSpc>
-                        <a:spcBef>
-                          <a:spcPts val="0"/>
-                        </a:spcBef>
-                        <a:spcAft>
-                          <a:spcPts val="0"/>
-                        </a:spcAft>
-                        <a:buClr>
-                          <a:srgbClr val="000000"/>
-                        </a:buClr>
-                        <a:buSzPts val="1100"/>
-                        <a:buFont typeface="Arial"/>
-                        <a:buNone/>
-                      </a:pPr>
-                      <a:endParaRPr sz="1100" u="none" strike="noStrike" cap="none"/>
-                    </a:p>
-                  </a:txBody>
-                  <a:tcPr marL="68600" marR="68600" marT="34300" marB="34300">
-                    <a:noFill/>
-                  </a:tcPr>
-                </a:tc>
-                <a:tc>
-                  <a:txBody>
-                    <a:bodyPr/>
-                    <a:lstStyle/>
-                    <a:p>
-                      <a:pPr marL="0" marR="0" lvl="0" indent="0" algn="l" rtl="0">
-                        <a:lnSpc>
-                          <a:spcPct val="100000"/>
-                        </a:lnSpc>
-                        <a:spcBef>
-                          <a:spcPts val="0"/>
-                        </a:spcBef>
-                        <a:spcAft>
-                          <a:spcPts val="0"/>
-                        </a:spcAft>
-                        <a:buClr>
-                          <a:srgbClr val="000000"/>
-                        </a:buClr>
-                        <a:buSzPts val="1100"/>
-                        <a:buFont typeface="Arial"/>
-                        <a:buNone/>
-                      </a:pPr>
-                      <a:endParaRPr sz="1100" u="none" strike="noStrike" cap="none"/>
-                    </a:p>
-                  </a:txBody>
-                  <a:tcPr marL="68600" marR="68600" marT="34300" marB="34300">
-                    <a:noFill/>
-                  </a:tcPr>
-                </a:tc>
-                <a:extLst>
-                  <a:ext uri="{0D108BD9-81ED-4DB2-BD59-A6C34878D82A}">
-                    <a16:rowId xmlns:a16="http://schemas.microsoft.com/office/drawing/2014/main" val="10011"/>
-                  </a:ext>
-                </a:extLst>
-              </a:tr>
-              <a:tr h="239450">
-                <a:tc>
-                  <a:txBody>
-                    <a:bodyPr/>
-                    <a:lstStyle/>
-                    <a:p>
-                      <a:pPr marL="0" lvl="0" indent="0" algn="l" rtl="0">
-                        <a:spcBef>
-                          <a:spcPts val="0"/>
-                        </a:spcBef>
-                        <a:spcAft>
-                          <a:spcPts val="0"/>
-                        </a:spcAft>
-                        <a:buClr>
-                          <a:schemeClr val="dk1"/>
-                        </a:buClr>
-                        <a:buSzPts val="1100"/>
-                        <a:buFont typeface="Arial"/>
-                        <a:buNone/>
-                      </a:pPr>
-                      <a:r>
-                        <a:rPr lang="de" sz="1100"/>
-                        <a:t>Location/Action</a:t>
-                      </a:r>
-                      <a:endParaRPr sz="1100" u="none" strike="noStrike" cap="none"/>
-                    </a:p>
-                  </a:txBody>
-                  <a:tcPr marL="68600" marR="68600" marT="34300" marB="34300">
-                    <a:noFill/>
-                  </a:tcPr>
-                </a:tc>
-                <a:tc>
-                  <a:txBody>
-                    <a:bodyPr/>
-                    <a:lstStyle/>
-                    <a:p>
-                      <a:pPr marL="0" marR="0" lvl="0" indent="0" algn="l" rtl="0">
-                        <a:lnSpc>
-                          <a:spcPct val="100000"/>
-                        </a:lnSpc>
-                        <a:spcBef>
-                          <a:spcPts val="0"/>
-                        </a:spcBef>
-                        <a:spcAft>
-                          <a:spcPts val="0"/>
-                        </a:spcAft>
-                        <a:buClr>
-                          <a:srgbClr val="000000"/>
-                        </a:buClr>
-                        <a:buSzPts val="900"/>
-                        <a:buFont typeface="Arial"/>
-                        <a:buNone/>
-                      </a:pPr>
-                      <a:endParaRPr sz="900" u="none" strike="noStrike" cap="none"/>
-                    </a:p>
-                  </a:txBody>
-                  <a:tcPr marL="68600" marR="68600" marT="34300" marB="34300">
-                    <a:noFill/>
-                  </a:tcPr>
-                </a:tc>
-                <a:tc>
-                  <a:txBody>
-                    <a:bodyPr/>
-                    <a:lstStyle/>
-                    <a:p>
-                      <a:pPr marL="0" marR="0" lvl="0" indent="0" algn="l" rtl="0">
-                        <a:lnSpc>
-                          <a:spcPct val="100000"/>
-                        </a:lnSpc>
-                        <a:spcBef>
-                          <a:spcPts val="0"/>
-                        </a:spcBef>
-                        <a:spcAft>
-                          <a:spcPts val="0"/>
-                        </a:spcAft>
-                        <a:buClr>
-                          <a:srgbClr val="000000"/>
-                        </a:buClr>
-                        <a:buSzPts val="900"/>
-                        <a:buFont typeface="Arial"/>
-                        <a:buNone/>
-                      </a:pPr>
-                      <a:endParaRPr sz="900" u="none" strike="noStrike" cap="none"/>
-                    </a:p>
-                  </a:txBody>
-                  <a:tcPr marL="68600" marR="68600" marT="34300" marB="34300">
-                    <a:noFill/>
-                  </a:tcPr>
-                </a:tc>
-                <a:extLst>
-                  <a:ext uri="{0D108BD9-81ED-4DB2-BD59-A6C34878D82A}">
-                    <a16:rowId xmlns:a16="http://schemas.microsoft.com/office/drawing/2014/main" val="10012"/>
-                  </a:ext>
-                </a:extLst>
-              </a:tr>
-              <a:tr h="239450">
-                <a:tc>
-                  <a:txBody>
-                    <a:bodyPr/>
-                    <a:lstStyle/>
-                    <a:p>
-                      <a:pPr marL="0" lvl="0" indent="0" algn="l" rtl="0">
-                        <a:spcBef>
-                          <a:spcPts val="0"/>
-                        </a:spcBef>
-                        <a:spcAft>
-                          <a:spcPts val="0"/>
-                        </a:spcAft>
-                        <a:buClr>
-                          <a:schemeClr val="dk1"/>
-                        </a:buClr>
-                        <a:buSzPts val="1100"/>
-                        <a:buFont typeface="Arial"/>
-                        <a:buNone/>
-                      </a:pPr>
-                      <a:r>
-                        <a:rPr lang="de" sz="1100"/>
-                        <a:t>Location/Action</a:t>
-                      </a:r>
-                      <a:endParaRPr sz="1100" u="none" strike="noStrike" cap="none"/>
-                    </a:p>
-                  </a:txBody>
-                  <a:tcPr marL="68600" marR="68600" marT="34300" marB="34300">
-                    <a:noFill/>
-                  </a:tcPr>
-                </a:tc>
-                <a:tc>
-                  <a:txBody>
-                    <a:bodyPr/>
-                    <a:lstStyle/>
-                    <a:p>
-                      <a:pPr marL="0" marR="0" lvl="0" indent="0" algn="l" rtl="0">
-                        <a:lnSpc>
-                          <a:spcPct val="100000"/>
-                        </a:lnSpc>
-                        <a:spcBef>
-                          <a:spcPts val="0"/>
-                        </a:spcBef>
-                        <a:spcAft>
-                          <a:spcPts val="0"/>
-                        </a:spcAft>
-                        <a:buClr>
-                          <a:srgbClr val="000000"/>
-                        </a:buClr>
-                        <a:buSzPts val="900"/>
-                        <a:buFont typeface="Arial"/>
-                        <a:buNone/>
-                      </a:pPr>
-                      <a:endParaRPr sz="900" u="none" strike="noStrike" cap="none"/>
-                    </a:p>
-                  </a:txBody>
-                  <a:tcPr marL="68600" marR="68600" marT="34300" marB="34300">
-                    <a:noFill/>
-                  </a:tcPr>
-                </a:tc>
-                <a:tc>
-                  <a:txBody>
-                    <a:bodyPr/>
-                    <a:lstStyle/>
-                    <a:p>
-                      <a:pPr marL="0" marR="0" lvl="0" indent="0" algn="l" rtl="0">
-                        <a:lnSpc>
-                          <a:spcPct val="100000"/>
-                        </a:lnSpc>
-                        <a:spcBef>
-                          <a:spcPts val="0"/>
-                        </a:spcBef>
-                        <a:spcAft>
-                          <a:spcPts val="0"/>
-                        </a:spcAft>
-                        <a:buClr>
-                          <a:srgbClr val="000000"/>
-                        </a:buClr>
-                        <a:buSzPts val="900"/>
-                        <a:buFont typeface="Arial"/>
-                        <a:buNone/>
-                      </a:pPr>
-                      <a:endParaRPr sz="900" u="none" strike="noStrike" cap="none"/>
-                    </a:p>
-                  </a:txBody>
-                  <a:tcPr marL="68600" marR="68600" marT="34300" marB="34300">
-                    <a:noFill/>
-                  </a:tcPr>
-                </a:tc>
-                <a:extLst>
-                  <a:ext uri="{0D108BD9-81ED-4DB2-BD59-A6C34878D82A}">
-                    <a16:rowId xmlns:a16="http://schemas.microsoft.com/office/drawing/2014/main" val="10013"/>
-                  </a:ext>
-                </a:extLst>
-              </a:tr>
-              <a:tr h="239450">
-                <a:tc>
-                  <a:txBody>
-                    <a:bodyPr/>
-                    <a:lstStyle/>
-                    <a:p>
-                      <a:pPr marL="0" marR="0" lvl="0" indent="0" algn="ctr" rtl="0">
-                        <a:lnSpc>
-                          <a:spcPct val="100000"/>
-                        </a:lnSpc>
-                        <a:spcBef>
-                          <a:spcPts val="0"/>
-                        </a:spcBef>
-                        <a:spcAft>
-                          <a:spcPts val="0"/>
-                        </a:spcAft>
-                        <a:buClr>
-                          <a:schemeClr val="dk1"/>
-                        </a:buClr>
-                        <a:buSzPts val="1100"/>
-                        <a:buFont typeface="Arial"/>
-                        <a:buNone/>
-                      </a:pPr>
-                      <a:r>
-                        <a:rPr lang="de" sz="1100" b="1" u="none" strike="noStrike" cap="none">
-                          <a:solidFill>
-                            <a:schemeClr val="dk1"/>
-                          </a:solidFill>
-                        </a:rPr>
-                        <a:t>Character: (Name)</a:t>
-                      </a:r>
-                      <a:endParaRPr sz="1100" u="none" strike="noStrike" cap="none"/>
-                    </a:p>
-                  </a:txBody>
-                  <a:tcPr marL="68600" marR="68600" marT="34300" marB="34300">
-                    <a:solidFill>
-                      <a:srgbClr val="FFC000"/>
-                    </a:solidFill>
-                  </a:tcPr>
-                </a:tc>
-                <a:tc>
-                  <a:txBody>
-                    <a:bodyPr/>
-                    <a:lstStyle/>
-                    <a:p>
-                      <a:pPr marL="0" marR="0" lvl="0" indent="0" algn="ctr" rtl="0">
-                        <a:lnSpc>
-                          <a:spcPct val="100000"/>
-                        </a:lnSpc>
-                        <a:spcBef>
-                          <a:spcPts val="0"/>
-                        </a:spcBef>
-                        <a:spcAft>
-                          <a:spcPts val="0"/>
-                        </a:spcAft>
-                        <a:buClr>
-                          <a:schemeClr val="dk1"/>
-                        </a:buClr>
-                        <a:buSzPts val="1100"/>
-                        <a:buFont typeface="Arial"/>
-                        <a:buNone/>
-                      </a:pPr>
-                      <a:r>
-                        <a:rPr lang="de" sz="1100" b="1" u="none" strike="noStrike" cap="none">
-                          <a:solidFill>
-                            <a:schemeClr val="dk1"/>
-                          </a:solidFill>
-                        </a:rPr>
-                        <a:t>DIALOGUE BARK –  </a:t>
-                      </a:r>
-                      <a:r>
-                        <a:rPr lang="de" sz="1100" b="1"/>
-                        <a:t>Situation </a:t>
-                      </a:r>
-                      <a:r>
-                        <a:rPr lang="de" sz="1100" b="1" u="none" strike="noStrike" cap="none">
-                          <a:solidFill>
-                            <a:schemeClr val="dk1"/>
-                          </a:solidFill>
-                        </a:rPr>
-                        <a:t>v01</a:t>
-                      </a:r>
-                      <a:endParaRPr sz="1100" u="none" strike="noStrike" cap="none"/>
-                    </a:p>
-                  </a:txBody>
-                  <a:tcPr marL="68600" marR="68600" marT="34300" marB="34300">
-                    <a:solidFill>
-                      <a:srgbClr val="FFC000"/>
-                    </a:solidFill>
-                  </a:tcPr>
-                </a:tc>
-                <a:tc>
-                  <a:txBody>
-                    <a:bodyPr/>
-                    <a:lstStyle/>
-                    <a:p>
-                      <a:pPr marL="0" marR="0" lvl="0" indent="0" algn="ctr" rtl="0">
-                        <a:lnSpc>
-                          <a:spcPct val="100000"/>
-                        </a:lnSpc>
-                        <a:spcBef>
-                          <a:spcPts val="0"/>
-                        </a:spcBef>
-                        <a:spcAft>
-                          <a:spcPts val="0"/>
-                        </a:spcAft>
-                        <a:buClr>
-                          <a:schemeClr val="dk1"/>
-                        </a:buClr>
-                        <a:buSzPts val="1100"/>
-                        <a:buFont typeface="Arial"/>
-                        <a:buNone/>
-                      </a:pPr>
-                      <a:r>
-                        <a:rPr lang="de" sz="1100" b="1" u="none" strike="noStrike" cap="none">
-                          <a:solidFill>
-                            <a:schemeClr val="dk1"/>
-                          </a:solidFill>
-                        </a:rPr>
-                        <a:t>DIALOGUE BARK –  </a:t>
-                      </a:r>
-                      <a:r>
-                        <a:rPr lang="de" sz="1100" b="1"/>
-                        <a:t>Situation </a:t>
-                      </a:r>
-                      <a:r>
-                        <a:rPr lang="de" sz="1100" b="1" u="none" strike="noStrike" cap="none">
-                          <a:solidFill>
-                            <a:schemeClr val="dk1"/>
-                          </a:solidFill>
-                        </a:rPr>
-                        <a:t>v02</a:t>
-                      </a:r>
-                      <a:endParaRPr sz="1100" u="none" strike="noStrike" cap="none"/>
-                    </a:p>
-                  </a:txBody>
-                  <a:tcPr marL="68600" marR="68600" marT="34300" marB="34300">
-                    <a:solidFill>
-                      <a:srgbClr val="FFC000"/>
-                    </a:solidFill>
-                  </a:tcPr>
-                </a:tc>
-                <a:extLst>
-                  <a:ext uri="{0D108BD9-81ED-4DB2-BD59-A6C34878D82A}">
-                    <a16:rowId xmlns:a16="http://schemas.microsoft.com/office/drawing/2014/main" val="10014"/>
-                  </a:ext>
-                </a:extLst>
-              </a:tr>
-              <a:tr h="239450">
-                <a:tc>
-                  <a:txBody>
-                    <a:bodyPr/>
-                    <a:lstStyle/>
-                    <a:p>
-                      <a:pPr marL="0" lvl="0" indent="0" algn="l" rtl="0">
-                        <a:spcBef>
-                          <a:spcPts val="0"/>
-                        </a:spcBef>
-                        <a:spcAft>
-                          <a:spcPts val="0"/>
-                        </a:spcAft>
-                        <a:buClr>
-                          <a:schemeClr val="dk1"/>
-                        </a:buClr>
-                        <a:buSzPts val="1100"/>
-                        <a:buFont typeface="Arial"/>
-                        <a:buNone/>
-                      </a:pPr>
-                      <a:r>
-                        <a:rPr lang="de" sz="1100"/>
-                        <a:t>Location/Action</a:t>
-                      </a:r>
-                      <a:endParaRPr sz="1100" u="none" strike="noStrike" cap="none"/>
-                    </a:p>
-                  </a:txBody>
-                  <a:tcPr marL="68600" marR="68600" marT="34300" marB="34300">
-                    <a:noFill/>
-                  </a:tcPr>
-                </a:tc>
-                <a:tc>
-                  <a:txBody>
-                    <a:bodyPr/>
-                    <a:lstStyle/>
-                    <a:p>
-                      <a:pPr marL="0" marR="0" lvl="0" indent="0" algn="l" rtl="0">
-                        <a:lnSpc>
-                          <a:spcPct val="100000"/>
-                        </a:lnSpc>
-                        <a:spcBef>
-                          <a:spcPts val="0"/>
-                        </a:spcBef>
-                        <a:spcAft>
-                          <a:spcPts val="0"/>
-                        </a:spcAft>
-                        <a:buClr>
-                          <a:srgbClr val="000000"/>
-                        </a:buClr>
-                        <a:buSzPts val="900"/>
-                        <a:buFont typeface="Arial"/>
-                        <a:buNone/>
-                      </a:pPr>
-                      <a:endParaRPr sz="900" u="none" strike="noStrike" cap="none"/>
-                    </a:p>
-                  </a:txBody>
-                  <a:tcPr marL="68600" marR="68600" marT="34300" marB="34300">
-                    <a:noFill/>
-                  </a:tcPr>
-                </a:tc>
-                <a:tc>
-                  <a:txBody>
-                    <a:bodyPr/>
-                    <a:lstStyle/>
-                    <a:p>
-                      <a:pPr marL="0" marR="0" lvl="0" indent="0" algn="l" rtl="0">
-                        <a:lnSpc>
-                          <a:spcPct val="100000"/>
-                        </a:lnSpc>
-                        <a:spcBef>
-                          <a:spcPts val="0"/>
-                        </a:spcBef>
-                        <a:spcAft>
-                          <a:spcPts val="0"/>
-                        </a:spcAft>
-                        <a:buClr>
-                          <a:srgbClr val="000000"/>
-                        </a:buClr>
-                        <a:buSzPts val="900"/>
-                        <a:buFont typeface="Arial"/>
-                        <a:buNone/>
-                      </a:pPr>
-                      <a:endParaRPr sz="900" u="none" strike="noStrike" cap="none"/>
-                    </a:p>
-                  </a:txBody>
-                  <a:tcPr marL="68600" marR="68600" marT="34300" marB="34300">
-                    <a:noFill/>
-                  </a:tcPr>
-                </a:tc>
-                <a:extLst>
-                  <a:ext uri="{0D108BD9-81ED-4DB2-BD59-A6C34878D82A}">
-                    <a16:rowId xmlns:a16="http://schemas.microsoft.com/office/drawing/2014/main" val="10015"/>
-                  </a:ext>
-                </a:extLst>
-              </a:tr>
-              <a:tr h="239450">
-                <a:tc>
-                  <a:txBody>
-                    <a:bodyPr/>
-                    <a:lstStyle/>
-                    <a:p>
-                      <a:pPr marL="0" lvl="0" indent="0" algn="l" rtl="0">
-                        <a:spcBef>
-                          <a:spcPts val="0"/>
-                        </a:spcBef>
-                        <a:spcAft>
-                          <a:spcPts val="0"/>
-                        </a:spcAft>
-                        <a:buClr>
-                          <a:schemeClr val="dk1"/>
-                        </a:buClr>
-                        <a:buSzPts val="1100"/>
-                        <a:buFont typeface="Arial"/>
-                        <a:buNone/>
-                      </a:pPr>
-                      <a:r>
-                        <a:rPr lang="de" sz="1100"/>
-                        <a:t>Location/Action</a:t>
-                      </a:r>
-                      <a:endParaRPr sz="1100" u="none" strike="noStrike" cap="none"/>
-                    </a:p>
-                  </a:txBody>
-                  <a:tcPr marL="68600" marR="68600" marT="34300" marB="34300">
-                    <a:noFill/>
-                  </a:tcPr>
-                </a:tc>
-                <a:tc>
-                  <a:txBody>
-                    <a:bodyPr/>
-                    <a:lstStyle/>
-                    <a:p>
-                      <a:pPr marL="0" marR="0" lvl="0" indent="0" algn="l" rtl="0">
-                        <a:lnSpc>
-                          <a:spcPct val="100000"/>
-                        </a:lnSpc>
-                        <a:spcBef>
-                          <a:spcPts val="0"/>
-                        </a:spcBef>
-                        <a:spcAft>
-                          <a:spcPts val="0"/>
-                        </a:spcAft>
-                        <a:buClr>
-                          <a:srgbClr val="000000"/>
-                        </a:buClr>
-                        <a:buSzPts val="900"/>
-                        <a:buFont typeface="Arial"/>
-                        <a:buNone/>
-                      </a:pPr>
-                      <a:endParaRPr sz="900" u="none" strike="noStrike" cap="none"/>
-                    </a:p>
-                  </a:txBody>
-                  <a:tcPr marL="68600" marR="68600" marT="34300" marB="34300">
-                    <a:noFill/>
-                  </a:tcPr>
-                </a:tc>
-                <a:tc>
-                  <a:txBody>
-                    <a:bodyPr/>
-                    <a:lstStyle/>
-                    <a:p>
-                      <a:pPr marL="0" marR="0" lvl="0" indent="0" algn="l" rtl="0">
-                        <a:lnSpc>
-                          <a:spcPct val="100000"/>
-                        </a:lnSpc>
-                        <a:spcBef>
-                          <a:spcPts val="0"/>
-                        </a:spcBef>
-                        <a:spcAft>
-                          <a:spcPts val="0"/>
-                        </a:spcAft>
-                        <a:buClr>
-                          <a:srgbClr val="000000"/>
-                        </a:buClr>
-                        <a:buSzPts val="900"/>
-                        <a:buFont typeface="Arial"/>
-                        <a:buNone/>
-                      </a:pPr>
-                      <a:endParaRPr sz="900" u="none" strike="noStrike" cap="none"/>
-                    </a:p>
-                  </a:txBody>
-                  <a:tcPr marL="68600" marR="68600" marT="34300" marB="34300">
-                    <a:noFill/>
-                  </a:tcPr>
-                </a:tc>
-                <a:extLst>
-                  <a:ext uri="{0D108BD9-81ED-4DB2-BD59-A6C34878D82A}">
-                    <a16:rowId xmlns:a16="http://schemas.microsoft.com/office/drawing/2014/main" val="10016"/>
-                  </a:ext>
-                </a:extLst>
-              </a:tr>
-              <a:tr h="239450">
-                <a:tc>
-                  <a:txBody>
-                    <a:bodyPr/>
-                    <a:lstStyle/>
-                    <a:p>
-                      <a:pPr marL="0" lvl="0" indent="0" algn="l" rtl="0">
-                        <a:spcBef>
-                          <a:spcPts val="0"/>
-                        </a:spcBef>
-                        <a:spcAft>
-                          <a:spcPts val="0"/>
-                        </a:spcAft>
-                        <a:buClr>
-                          <a:schemeClr val="dk1"/>
-                        </a:buClr>
-                        <a:buSzPts val="1100"/>
-                        <a:buFont typeface="Arial"/>
-                        <a:buNone/>
-                      </a:pPr>
-                      <a:r>
-                        <a:rPr lang="de" sz="1100"/>
-                        <a:t>Location/Action</a:t>
-                      </a:r>
-                      <a:endParaRPr sz="1100" u="none" strike="noStrike" cap="none"/>
-                    </a:p>
-                  </a:txBody>
-                  <a:tcPr marL="68600" marR="68600" marT="34300" marB="34300">
-                    <a:noFill/>
-                  </a:tcPr>
-                </a:tc>
-                <a:tc>
-                  <a:txBody>
-                    <a:bodyPr/>
-                    <a:lstStyle/>
-                    <a:p>
-                      <a:pPr marL="0" marR="0" lvl="0" indent="0" algn="l" rtl="0">
-                        <a:lnSpc>
-                          <a:spcPct val="100000"/>
-                        </a:lnSpc>
-                        <a:spcBef>
-                          <a:spcPts val="0"/>
-                        </a:spcBef>
-                        <a:spcAft>
-                          <a:spcPts val="0"/>
-                        </a:spcAft>
-                        <a:buClr>
-                          <a:srgbClr val="000000"/>
-                        </a:buClr>
-                        <a:buSzPts val="900"/>
-                        <a:buFont typeface="Arial"/>
-                        <a:buNone/>
-                      </a:pPr>
-                      <a:endParaRPr sz="900" u="none" strike="noStrike" cap="none"/>
-                    </a:p>
-                  </a:txBody>
-                  <a:tcPr marL="68600" marR="68600" marT="34300" marB="34300">
-                    <a:noFill/>
-                  </a:tcPr>
-                </a:tc>
-                <a:tc>
-                  <a:txBody>
-                    <a:bodyPr/>
-                    <a:lstStyle/>
-                    <a:p>
-                      <a:pPr marL="0" marR="0" lvl="0" indent="0" algn="l" rtl="0">
-                        <a:lnSpc>
-                          <a:spcPct val="100000"/>
-                        </a:lnSpc>
-                        <a:spcBef>
-                          <a:spcPts val="0"/>
-                        </a:spcBef>
-                        <a:spcAft>
-                          <a:spcPts val="0"/>
-                        </a:spcAft>
-                        <a:buClr>
-                          <a:srgbClr val="000000"/>
-                        </a:buClr>
-                        <a:buSzPts val="900"/>
-                        <a:buFont typeface="Arial"/>
-                        <a:buNone/>
-                      </a:pPr>
-                      <a:endParaRPr sz="900" u="none" strike="noStrike" cap="none"/>
-                    </a:p>
-                  </a:txBody>
-                  <a:tcPr marL="68600" marR="68600" marT="34300" marB="34300">
-                    <a:noFill/>
-                  </a:tcPr>
-                </a:tc>
-                <a:extLst>
-                  <a:ext uri="{0D108BD9-81ED-4DB2-BD59-A6C34878D82A}">
-                    <a16:rowId xmlns:a16="http://schemas.microsoft.com/office/drawing/2014/main" val="10017"/>
-                  </a:ext>
-                </a:extLst>
-              </a:tr>
-              <a:tr h="239450">
-                <a:tc>
-                  <a:txBody>
-                    <a:bodyPr/>
-                    <a:lstStyle/>
-                    <a:p>
-                      <a:pPr marL="0" lvl="0" indent="0" algn="l" rtl="0">
-                        <a:spcBef>
-                          <a:spcPts val="0"/>
-                        </a:spcBef>
-                        <a:spcAft>
-                          <a:spcPts val="0"/>
-                        </a:spcAft>
-                        <a:buClr>
-                          <a:schemeClr val="dk1"/>
-                        </a:buClr>
-                        <a:buSzPts val="1100"/>
-                        <a:buFont typeface="Arial"/>
-                        <a:buNone/>
-                      </a:pPr>
-                      <a:r>
-                        <a:rPr lang="de" sz="1100"/>
-                        <a:t>Location/Action</a:t>
-                      </a:r>
-                      <a:endParaRPr sz="1100" u="none" strike="noStrike" cap="none"/>
-                    </a:p>
-                  </a:txBody>
-                  <a:tcPr marL="68600" marR="68600" marT="34300" marB="34300">
-                    <a:noFill/>
-                  </a:tcPr>
-                </a:tc>
-                <a:tc>
-                  <a:txBody>
-                    <a:bodyPr/>
-                    <a:lstStyle/>
-                    <a:p>
-                      <a:pPr marL="0" marR="0" lvl="0" indent="0" algn="l" rtl="0">
-                        <a:lnSpc>
-                          <a:spcPct val="100000"/>
-                        </a:lnSpc>
-                        <a:spcBef>
-                          <a:spcPts val="0"/>
-                        </a:spcBef>
-                        <a:spcAft>
-                          <a:spcPts val="0"/>
-                        </a:spcAft>
-                        <a:buClr>
-                          <a:srgbClr val="000000"/>
-                        </a:buClr>
-                        <a:buSzPts val="900"/>
-                        <a:buFont typeface="Arial"/>
-                        <a:buNone/>
-                      </a:pPr>
-                      <a:endParaRPr sz="900" u="none" strike="noStrike" cap="none"/>
-                    </a:p>
-                  </a:txBody>
-                  <a:tcPr marL="68600" marR="68600" marT="34300" marB="34300">
-                    <a:noFill/>
-                  </a:tcPr>
-                </a:tc>
-                <a:tc>
-                  <a:txBody>
-                    <a:bodyPr/>
-                    <a:lstStyle/>
-                    <a:p>
-                      <a:pPr marL="0" marR="0" lvl="0" indent="0" algn="l" rtl="0">
-                        <a:lnSpc>
-                          <a:spcPct val="100000"/>
-                        </a:lnSpc>
-                        <a:spcBef>
-                          <a:spcPts val="0"/>
-                        </a:spcBef>
-                        <a:spcAft>
-                          <a:spcPts val="0"/>
-                        </a:spcAft>
-                        <a:buClr>
-                          <a:srgbClr val="000000"/>
-                        </a:buClr>
-                        <a:buSzPts val="900"/>
-                        <a:buFont typeface="Arial"/>
-                        <a:buNone/>
-                      </a:pPr>
-                      <a:endParaRPr sz="900" u="none" strike="noStrike" cap="none"/>
-                    </a:p>
-                  </a:txBody>
-                  <a:tcPr marL="68600" marR="68600" marT="34300" marB="34300">
-                    <a:noFill/>
-                  </a:tcPr>
-                </a:tc>
-                <a:extLst>
-                  <a:ext uri="{0D108BD9-81ED-4DB2-BD59-A6C34878D82A}">
-                    <a16:rowId xmlns:a16="http://schemas.microsoft.com/office/drawing/2014/main" val="10018"/>
-                  </a:ext>
-                </a:extLst>
-              </a:tr>
-              <a:tr h="239450">
-                <a:tc>
-                  <a:txBody>
-                    <a:bodyPr/>
-                    <a:lstStyle/>
-                    <a:p>
-                      <a:pPr marL="0" lvl="0" indent="0" algn="l" rtl="0">
-                        <a:spcBef>
-                          <a:spcPts val="0"/>
-                        </a:spcBef>
-                        <a:spcAft>
-                          <a:spcPts val="0"/>
-                        </a:spcAft>
-                        <a:buClr>
-                          <a:schemeClr val="dk1"/>
-                        </a:buClr>
-                        <a:buSzPts val="1100"/>
-                        <a:buFont typeface="Arial"/>
-                        <a:buNone/>
-                      </a:pPr>
-                      <a:r>
-                        <a:rPr lang="de" sz="1100"/>
-                        <a:t>Location/Action</a:t>
-                      </a:r>
-                      <a:endParaRPr sz="1100" u="none" strike="noStrike" cap="none"/>
-                    </a:p>
-                  </a:txBody>
-                  <a:tcPr marL="68600" marR="68600" marT="34300" marB="34300">
-                    <a:noFill/>
-                  </a:tcPr>
-                </a:tc>
-                <a:tc>
-                  <a:txBody>
-                    <a:bodyPr/>
-                    <a:lstStyle/>
-                    <a:p>
-                      <a:pPr marL="0" marR="0" lvl="0" indent="0" algn="l" rtl="0">
-                        <a:lnSpc>
-                          <a:spcPct val="100000"/>
-                        </a:lnSpc>
-                        <a:spcBef>
-                          <a:spcPts val="0"/>
-                        </a:spcBef>
-                        <a:spcAft>
-                          <a:spcPts val="0"/>
-                        </a:spcAft>
-                        <a:buClr>
-                          <a:srgbClr val="000000"/>
-                        </a:buClr>
-                        <a:buSzPts val="900"/>
-                        <a:buFont typeface="Arial"/>
-                        <a:buNone/>
-                      </a:pPr>
-                      <a:endParaRPr sz="900" u="none" strike="noStrike" cap="none"/>
-                    </a:p>
-                  </a:txBody>
-                  <a:tcPr marL="68600" marR="68600" marT="34300" marB="34300">
-                    <a:noFill/>
-                  </a:tcPr>
-                </a:tc>
-                <a:tc>
-                  <a:txBody>
-                    <a:bodyPr/>
-                    <a:lstStyle/>
-                    <a:p>
-                      <a:pPr marL="0" marR="0" lvl="0" indent="0" algn="l" rtl="0">
-                        <a:lnSpc>
-                          <a:spcPct val="100000"/>
-                        </a:lnSpc>
-                        <a:spcBef>
-                          <a:spcPts val="0"/>
-                        </a:spcBef>
-                        <a:spcAft>
-                          <a:spcPts val="0"/>
-                        </a:spcAft>
-                        <a:buClr>
-                          <a:srgbClr val="000000"/>
-                        </a:buClr>
-                        <a:buSzPts val="900"/>
-                        <a:buFont typeface="Arial"/>
-                        <a:buNone/>
-                      </a:pPr>
-                      <a:endParaRPr sz="900" u="none" strike="noStrike" cap="none"/>
-                    </a:p>
-                  </a:txBody>
-                  <a:tcPr marL="68600" marR="68600" marT="34300" marB="34300">
-                    <a:noFill/>
-                  </a:tcPr>
-                </a:tc>
-                <a:extLst>
-                  <a:ext uri="{0D108BD9-81ED-4DB2-BD59-A6C34878D82A}">
-                    <a16:rowId xmlns:a16="http://schemas.microsoft.com/office/drawing/2014/main" val="10019"/>
-                  </a:ext>
-                </a:extLst>
-              </a:tr>
-              <a:tr h="239450">
-                <a:tc>
-                  <a:txBody>
-                    <a:bodyPr/>
-                    <a:lstStyle/>
-                    <a:p>
-                      <a:pPr marL="0" lvl="0" indent="0" algn="l" rtl="0">
-                        <a:spcBef>
-                          <a:spcPts val="0"/>
-                        </a:spcBef>
-                        <a:spcAft>
-                          <a:spcPts val="0"/>
-                        </a:spcAft>
-                        <a:buClr>
-                          <a:schemeClr val="dk1"/>
-                        </a:buClr>
-                        <a:buSzPts val="1100"/>
-                        <a:buFont typeface="Arial"/>
-                        <a:buNone/>
-                      </a:pPr>
-                      <a:r>
-                        <a:rPr lang="de" sz="1100"/>
-                        <a:t>Location/Action</a:t>
-                      </a:r>
-                      <a:endParaRPr sz="1100" u="none" strike="noStrike" cap="none"/>
-                    </a:p>
-                  </a:txBody>
-                  <a:tcPr marL="68600" marR="68600" marT="34300" marB="34300">
-                    <a:noFill/>
-                  </a:tcPr>
-                </a:tc>
-                <a:tc>
-                  <a:txBody>
-                    <a:bodyPr/>
-                    <a:lstStyle/>
-                    <a:p>
-                      <a:pPr marL="0" marR="0" lvl="0" indent="0" algn="l" rtl="0">
-                        <a:lnSpc>
-                          <a:spcPct val="100000"/>
-                        </a:lnSpc>
-                        <a:spcBef>
-                          <a:spcPts val="0"/>
-                        </a:spcBef>
-                        <a:spcAft>
-                          <a:spcPts val="0"/>
-                        </a:spcAft>
-                        <a:buClr>
-                          <a:srgbClr val="000000"/>
-                        </a:buClr>
-                        <a:buSzPts val="900"/>
-                        <a:buFont typeface="Arial"/>
-                        <a:buNone/>
-                      </a:pPr>
-                      <a:endParaRPr sz="900" u="none" strike="noStrike" cap="none"/>
-                    </a:p>
-                  </a:txBody>
-                  <a:tcPr marL="68600" marR="68600" marT="34300" marB="34300">
-                    <a:noFill/>
-                  </a:tcPr>
-                </a:tc>
-                <a:tc>
-                  <a:txBody>
-                    <a:bodyPr/>
-                    <a:lstStyle/>
-                    <a:p>
-                      <a:pPr marL="0" marR="0" lvl="0" indent="0" algn="l" rtl="0">
-                        <a:lnSpc>
-                          <a:spcPct val="100000"/>
-                        </a:lnSpc>
-                        <a:spcBef>
-                          <a:spcPts val="0"/>
-                        </a:spcBef>
-                        <a:spcAft>
-                          <a:spcPts val="0"/>
-                        </a:spcAft>
-                        <a:buClr>
-                          <a:srgbClr val="000000"/>
-                        </a:buClr>
-                        <a:buSzPts val="900"/>
-                        <a:buFont typeface="Arial"/>
-                        <a:buNone/>
-                      </a:pPr>
-                      <a:endParaRPr sz="900" u="none" strike="noStrike" cap="none"/>
-                    </a:p>
-                  </a:txBody>
-                  <a:tcPr marL="68600" marR="68600" marT="34300" marB="34300">
-                    <a:noFill/>
-                  </a:tcPr>
-                </a:tc>
-                <a:extLst>
-                  <a:ext uri="{0D108BD9-81ED-4DB2-BD59-A6C34878D82A}">
-                    <a16:rowId xmlns:a16="http://schemas.microsoft.com/office/drawing/2014/main" val="10020"/>
-                  </a:ext>
-                </a:extLst>
-              </a:tr>
-            </a:tbl>
-          </a:graphicData>
-        </a:graphic>
-      </p:graphicFrame>
-      <p:sp>
-        <p:nvSpPr>
-          <p:cNvPr id="243" name="Google Shape;243;p7"/>
-          <p:cNvSpPr txBox="1"/>
-          <p:nvPr/>
-        </p:nvSpPr>
-        <p:spPr>
-          <a:xfrm>
-            <a:off x="0" y="0"/>
-            <a:ext cx="3000000" cy="400200"/>
-          </a:xfrm>
-          <a:prstGeom prst="rect">
-            <a:avLst/>
-          </a:prstGeom>
-          <a:noFill/>
-          <a:ln>
-            <a:noFill/>
-          </a:ln>
-        </p:spPr>
-        <p:txBody>
-          <a:bodyPr spcFirstLastPara="1" wrap="square" lIns="91425" tIns="91425" rIns="91425" bIns="91425" anchor="t" anchorCtr="0">
-            <a:spAutoFit/>
-          </a:bodyPr>
-          <a:lstStyle/>
-          <a:p>
-            <a:pPr marL="0" marR="0" lvl="0" indent="0" algn="l" rtl="0">
-              <a:lnSpc>
-                <a:spcPct val="100000"/>
-              </a:lnSpc>
-              <a:spcBef>
-                <a:spcPts val="0"/>
-              </a:spcBef>
-              <a:spcAft>
-                <a:spcPts val="0"/>
-              </a:spcAft>
-              <a:buClr>
-                <a:srgbClr val="000000"/>
-              </a:buClr>
-              <a:buSzPts val="1400"/>
-              <a:buFont typeface="Arial"/>
-              <a:buNone/>
-            </a:pPr>
-            <a:r>
-              <a:rPr lang="de" sz="1400" b="0" i="0" u="none" strike="noStrike" cap="none">
-                <a:solidFill>
-                  <a:srgbClr val="000000"/>
-                </a:solidFill>
-                <a:latin typeface="Arial"/>
-                <a:ea typeface="Arial"/>
-                <a:cs typeface="Arial"/>
-                <a:sym typeface="Arial"/>
-              </a:rPr>
-              <a:t> </a:t>
-            </a:r>
-            <a:endParaRPr sz="1400" b="0" i="0" u="none" strike="noStrike" cap="none">
-              <a:solidFill>
-                <a:srgbClr val="000000"/>
-              </a:solidFill>
-              <a:latin typeface="Arial"/>
-              <a:ea typeface="Arial"/>
-              <a:cs typeface="Arial"/>
-              <a:sym typeface="Arial"/>
-            </a:endParaRPr>
-          </a:p>
-        </p:txBody>
-      </p:sp>
     </p:spTree>
   </p:cSld>
   <p:clrMapOvr>
